--- a/0.组会记录/2024-10-31/report-2024-10-31.pptx
+++ b/0.组会记录/2024-10-31/report-2024-10-31.pptx
@@ -5271,7 +5271,7 @@
         </p:nvSpPr>
         <p:spPr>
           <a:xfrm>
-            <a:off x="286385" y="1000760"/>
+            <a:off x="286385" y="1478915"/>
             <a:ext cx="11251565" cy="603885"/>
           </a:xfrm>
           <a:prstGeom prst="rect">
@@ -5295,7 +5295,7 @@
                 <a:latin typeface="微软雅黑" panose="020B0503020204020204" charset="-122"/>
                 <a:ea typeface="微软雅黑" panose="020B0503020204020204" charset="-122"/>
               </a:rPr>
-              <a:t>从</a:t>
+              <a:t>介绍了一些神经网络实现文本序列建模的方法，比如</a:t>
             </a:r>
             <a:r>
               <a:rPr lang="en-US" altLang="zh-CN" sz="1600" dirty="0">
@@ -5305,7 +5305,7 @@
                 <a:latin typeface="微软雅黑" panose="020B0503020204020204" charset="-122"/>
                 <a:ea typeface="微软雅黑" panose="020B0503020204020204" charset="-122"/>
               </a:rPr>
-              <a:t>LLM-guide</a:t>
+              <a:t>RNN</a:t>
             </a:r>
             <a:r>
               <a:rPr lang="zh-CN" altLang="en-US" sz="1600" dirty="0">
@@ -5315,7 +5315,7 @@
                 <a:latin typeface="微软雅黑" panose="020B0503020204020204" charset="-122"/>
                 <a:ea typeface="微软雅黑" panose="020B0503020204020204" charset="-122"/>
               </a:rPr>
-              <a:t>里面大模型的综述中的</a:t>
+              <a:t>，</a:t>
             </a:r>
             <a:r>
               <a:rPr lang="en-US" altLang="zh-CN" sz="1600" dirty="0">
@@ -5325,7 +5325,7 @@
                 <a:latin typeface="微软雅黑" panose="020B0503020204020204" charset="-122"/>
                 <a:ea typeface="微软雅黑" panose="020B0503020204020204" charset="-122"/>
               </a:rPr>
-              <a:t>reference</a:t>
+              <a:t>LSTM</a:t>
             </a:r>
             <a:r>
               <a:rPr lang="zh-CN" altLang="en-US" sz="1600" dirty="0">
@@ -5335,7 +5335,7 @@
                 <a:latin typeface="微软雅黑" panose="020B0503020204020204" charset="-122"/>
                 <a:ea typeface="微软雅黑" panose="020B0503020204020204" charset="-122"/>
               </a:rPr>
-              <a:t>中找了大模型的基础论文粗读</a:t>
+              <a:t>。</a:t>
             </a:r>
             <a:endParaRPr lang="en-US" altLang="zh-CN" sz="1600" dirty="0">
               <a:solidFill>
@@ -5359,6 +5359,355 @@
           </a:p>
         </p:txBody>
       </p:sp>
+      <p:sp>
+        <p:nvSpPr>
+          <p:cNvPr id="5" name="文本框 4"/>
+          <p:cNvSpPr txBox="1"/>
+          <p:nvPr>
+            <p:custDataLst>
+              <p:tags r:id="rId2"/>
+            </p:custDataLst>
+          </p:nvPr>
+        </p:nvSpPr>
+        <p:spPr>
+          <a:xfrm>
+            <a:off x="455295" y="972185"/>
+            <a:ext cx="10515600" cy="1753235"/>
+          </a:xfrm>
+          <a:prstGeom prst="rect">
+            <a:avLst/>
+          </a:prstGeom>
+          <a:noFill/>
+        </p:spPr>
+        <p:txBody>
+          <a:bodyPr wrap="square" rtlCol="0">
+            <a:spAutoFit/>
+          </a:bodyPr>
+          <a:p>
+            <a:pPr marL="285750" indent="-285750">
+              <a:lnSpc>
+                <a:spcPct val="150000"/>
+              </a:lnSpc>
+              <a:buFont typeface="Wingdings" panose="05000000000000000000" charset="0"/>
+              <a:buChar char="p"/>
+            </a:pPr>
+            <a:r>
+              <a:rPr lang="zh-CN" altLang="en-US" b="1" dirty="0">
+                <a:latin typeface="微软雅黑" panose="020B0503020204020204" charset="-122"/>
+                <a:ea typeface="微软雅黑" panose="020B0503020204020204" charset="-122"/>
+                <a:sym typeface="+mn-ea"/>
+              </a:rPr>
+              <a:t>邱锡鹏. 神经网络与深度学习. 机械工业出版社, 2020</a:t>
+            </a:r>
+            <a:r>
+              <a:rPr lang="zh-CN" altLang="en-US" b="1" dirty="0">
+                <a:latin typeface="微软雅黑" panose="020B0503020204020204" charset="-122"/>
+                <a:ea typeface="微软雅黑" panose="020B0503020204020204" charset="-122"/>
+              </a:rPr>
+              <a:t>：</a:t>
+            </a:r>
+            <a:endParaRPr lang="zh-CN" altLang="en-US" b="1" dirty="0">
+              <a:latin typeface="微软雅黑" panose="020B0503020204020204" charset="-122"/>
+              <a:ea typeface="微软雅黑" panose="020B0503020204020204" charset="-122"/>
+            </a:endParaRPr>
+          </a:p>
+          <a:p>
+            <a:pPr marL="285750" indent="-285750">
+              <a:lnSpc>
+                <a:spcPct val="150000"/>
+              </a:lnSpc>
+              <a:buFont typeface="Wingdings" panose="05000000000000000000" charset="0"/>
+              <a:buChar char="p"/>
+            </a:pPr>
+            <a:endParaRPr lang="zh-CN" altLang="en-US" b="1" dirty="0">
+              <a:latin typeface="微软雅黑" panose="020B0503020204020204" charset="-122"/>
+              <a:ea typeface="微软雅黑" panose="020B0503020204020204" charset="-122"/>
+            </a:endParaRPr>
+          </a:p>
+          <a:p>
+            <a:pPr marL="285750" indent="-285750">
+              <a:lnSpc>
+                <a:spcPct val="150000"/>
+              </a:lnSpc>
+              <a:buFont typeface="Wingdings" panose="05000000000000000000" charset="0"/>
+              <a:buChar char="p"/>
+            </a:pPr>
+            <a:r>
+              <a:rPr lang="zh-CN" altLang="en-US" b="1" dirty="0">
+                <a:latin typeface="微软雅黑" panose="020B0503020204020204" charset="-122"/>
+                <a:ea typeface="微软雅黑" panose="020B0503020204020204" charset="-122"/>
+              </a:rPr>
+              <a:t>Bengio Y, Ducharme R, Vincent P. A neural probabilistic language model[J]. Advances in neural information processing systems, 2000, 13.</a:t>
+            </a:r>
+            <a:endParaRPr lang="zh-CN" altLang="en-US" b="1" dirty="0">
+              <a:latin typeface="微软雅黑" panose="020B0503020204020204" charset="-122"/>
+              <a:ea typeface="微软雅黑" panose="020B0503020204020204" charset="-122"/>
+            </a:endParaRPr>
+          </a:p>
+        </p:txBody>
+      </p:sp>
+      <p:sp>
+        <p:nvSpPr>
+          <p:cNvPr id="2" name="文本框 1"/>
+          <p:cNvSpPr txBox="1"/>
+          <p:nvPr/>
+        </p:nvSpPr>
+        <p:spPr>
+          <a:xfrm>
+            <a:off x="286385" y="2725420"/>
+            <a:ext cx="11251565" cy="2534920"/>
+          </a:xfrm>
+          <a:prstGeom prst="rect">
+            <a:avLst/>
+          </a:prstGeom>
+          <a:noFill/>
+        </p:spPr>
+        <p:txBody>
+          <a:bodyPr wrap="square" rtlCol="0">
+            <a:noAutofit/>
+          </a:bodyPr>
+          <a:p>
+            <a:pPr marL="0" lvl="0" indent="457200">
+              <a:buNone/>
+            </a:pPr>
+            <a:r>
+              <a:rPr lang="en-US" altLang="zh-CN" sz="1600" dirty="0">
+                <a:solidFill>
+                  <a:schemeClr val="tx1"/>
+                </a:solidFill>
+                <a:latin typeface="微软雅黑" panose="020B0503020204020204" charset="-122"/>
+                <a:ea typeface="微软雅黑" panose="020B0503020204020204" charset="-122"/>
+              </a:rPr>
+              <a:t>word embedding</a:t>
+            </a:r>
+            <a:r>
+              <a:rPr lang="zh-CN" altLang="en-US" sz="1600" dirty="0">
+                <a:solidFill>
+                  <a:schemeClr val="tx1"/>
+                </a:solidFill>
+                <a:latin typeface="微软雅黑" panose="020B0503020204020204" charset="-122"/>
+                <a:ea typeface="微软雅黑" panose="020B0503020204020204" charset="-122"/>
+              </a:rPr>
+              <a:t>思想来解决词预测问题</a:t>
+            </a:r>
+            <a:endParaRPr lang="zh-CN" altLang="en-US" sz="1600" dirty="0">
+              <a:solidFill>
+                <a:schemeClr val="tx1"/>
+              </a:solidFill>
+              <a:latin typeface="微软雅黑" panose="020B0503020204020204" charset="-122"/>
+              <a:ea typeface="微软雅黑" panose="020B0503020204020204" charset="-122"/>
+            </a:endParaRPr>
+          </a:p>
+          <a:p>
+            <a:pPr marL="0" lvl="0" indent="457200">
+              <a:buNone/>
+            </a:pPr>
+            <a:r>
+              <a:rPr lang="zh-CN" altLang="en-US" sz="1600" dirty="0">
+                <a:solidFill>
+                  <a:schemeClr val="tx1"/>
+                </a:solidFill>
+                <a:latin typeface="微软雅黑" panose="020B0503020204020204" charset="-122"/>
+                <a:ea typeface="微软雅黑" panose="020B0503020204020204" charset="-122"/>
+              </a:rPr>
+              <a:t>看了论文后参考了可视化网站和代码网站：https://lena-voita.github.io/nlp_course/word_embeddings.html</a:t>
+            </a:r>
+            <a:endParaRPr lang="zh-CN" altLang="en-US" sz="1600" dirty="0">
+              <a:solidFill>
+                <a:schemeClr val="tx1"/>
+              </a:solidFill>
+              <a:latin typeface="微软雅黑" panose="020B0503020204020204" charset="-122"/>
+              <a:ea typeface="微软雅黑" panose="020B0503020204020204" charset="-122"/>
+            </a:endParaRPr>
+          </a:p>
+          <a:p>
+            <a:pPr marL="0" lvl="0" indent="457200">
+              <a:buNone/>
+            </a:pPr>
+            <a:endParaRPr lang="zh-CN" altLang="en-US" sz="1600" dirty="0">
+              <a:solidFill>
+                <a:schemeClr val="tx1"/>
+              </a:solidFill>
+              <a:latin typeface="微软雅黑" panose="020B0503020204020204" charset="-122"/>
+              <a:ea typeface="微软雅黑" panose="020B0503020204020204" charset="-122"/>
+            </a:endParaRPr>
+          </a:p>
+          <a:p>
+            <a:pPr marL="0" lvl="0" indent="457200">
+              <a:buNone/>
+            </a:pPr>
+            <a:endParaRPr lang="zh-CN" altLang="en-US" sz="1600" dirty="0">
+              <a:solidFill>
+                <a:schemeClr val="tx1"/>
+              </a:solidFill>
+              <a:latin typeface="微软雅黑" panose="020B0503020204020204" charset="-122"/>
+              <a:ea typeface="微软雅黑" panose="020B0503020204020204" charset="-122"/>
+            </a:endParaRPr>
+          </a:p>
+          <a:p>
+            <a:pPr marL="0" lvl="0" indent="457200">
+              <a:buNone/>
+            </a:pPr>
+            <a:endParaRPr lang="zh-CN" altLang="en-US" sz="1600" dirty="0">
+              <a:solidFill>
+                <a:schemeClr val="tx1"/>
+              </a:solidFill>
+              <a:latin typeface="微软雅黑" panose="020B0503020204020204" charset="-122"/>
+              <a:ea typeface="微软雅黑" panose="020B0503020204020204" charset="-122"/>
+            </a:endParaRPr>
+          </a:p>
+          <a:p>
+            <a:pPr marL="0" lvl="0" indent="457200">
+              <a:buNone/>
+            </a:pPr>
+            <a:endParaRPr lang="zh-CN" altLang="en-US" sz="1600" dirty="0">
+              <a:solidFill>
+                <a:schemeClr val="tx1"/>
+              </a:solidFill>
+              <a:latin typeface="微软雅黑" panose="020B0503020204020204" charset="-122"/>
+              <a:ea typeface="微软雅黑" panose="020B0503020204020204" charset="-122"/>
+            </a:endParaRPr>
+          </a:p>
+          <a:p>
+            <a:pPr marL="0" lvl="0" indent="457200">
+              <a:buNone/>
+            </a:pPr>
+            <a:endParaRPr lang="zh-CN" altLang="en-US" sz="1600" dirty="0">
+              <a:solidFill>
+                <a:schemeClr val="tx1"/>
+              </a:solidFill>
+              <a:latin typeface="微软雅黑" panose="020B0503020204020204" charset="-122"/>
+              <a:ea typeface="微软雅黑" panose="020B0503020204020204" charset="-122"/>
+            </a:endParaRPr>
+          </a:p>
+          <a:p>
+            <a:pPr marL="0" lvl="0" indent="457200">
+              <a:buNone/>
+            </a:pPr>
+            <a:endParaRPr lang="zh-CN" altLang="en-US" sz="1600" dirty="0">
+              <a:solidFill>
+                <a:schemeClr val="tx1"/>
+              </a:solidFill>
+              <a:latin typeface="微软雅黑" panose="020B0503020204020204" charset="-122"/>
+              <a:ea typeface="微软雅黑" panose="020B0503020204020204" charset="-122"/>
+            </a:endParaRPr>
+          </a:p>
+          <a:p>
+            <a:pPr marL="0" lvl="0" indent="457200">
+              <a:buNone/>
+            </a:pPr>
+            <a:r>
+              <a:rPr lang="zh-CN" altLang="en-US" sz="1600" dirty="0">
+                <a:solidFill>
+                  <a:schemeClr val="tx1"/>
+                </a:solidFill>
+                <a:latin typeface="微软雅黑" panose="020B0503020204020204" charset="-122"/>
+                <a:ea typeface="微软雅黑" panose="020B0503020204020204" charset="-122"/>
+              </a:rPr>
+              <a:t>大致了解了</a:t>
+            </a:r>
+            <a:r>
+              <a:rPr lang="en-US" altLang="zh-CN" sz="1600" dirty="0">
+                <a:solidFill>
+                  <a:schemeClr val="tx1"/>
+                </a:solidFill>
+                <a:latin typeface="微软雅黑" panose="020B0503020204020204" charset="-122"/>
+                <a:ea typeface="微软雅黑" panose="020B0503020204020204" charset="-122"/>
+              </a:rPr>
+              <a:t>idea</a:t>
+            </a:r>
+            <a:r>
+              <a:rPr lang="zh-CN" altLang="en-US" sz="1600" dirty="0">
+                <a:solidFill>
+                  <a:schemeClr val="tx1"/>
+                </a:solidFill>
+                <a:latin typeface="微软雅黑" panose="020B0503020204020204" charset="-122"/>
+                <a:ea typeface="微软雅黑" panose="020B0503020204020204" charset="-122"/>
+              </a:rPr>
+              <a:t>，打算比完赛后敲敲代码</a:t>
+            </a:r>
+            <a:endParaRPr lang="zh-CN" altLang="en-US" sz="1600" dirty="0">
+              <a:solidFill>
+                <a:schemeClr val="tx1"/>
+              </a:solidFill>
+              <a:latin typeface="微软雅黑" panose="020B0503020204020204" charset="-122"/>
+              <a:ea typeface="微软雅黑" panose="020B0503020204020204" charset="-122"/>
+            </a:endParaRPr>
+          </a:p>
+          <a:p>
+            <a:pPr marL="0" lvl="0" indent="457200">
+              <a:buNone/>
+            </a:pPr>
+            <a:endParaRPr lang="zh-CN" altLang="en-US" sz="1600" dirty="0">
+              <a:solidFill>
+                <a:schemeClr val="tx1"/>
+              </a:solidFill>
+              <a:latin typeface="微软雅黑" panose="020B0503020204020204" charset="-122"/>
+              <a:ea typeface="微软雅黑" panose="020B0503020204020204" charset="-122"/>
+            </a:endParaRPr>
+          </a:p>
+          <a:p>
+            <a:pPr marL="0" lvl="0" indent="457200">
+              <a:buNone/>
+            </a:pPr>
+            <a:endParaRPr lang="zh-CN" altLang="en-US" sz="1600" dirty="0">
+              <a:solidFill>
+                <a:schemeClr val="tx1"/>
+              </a:solidFill>
+              <a:latin typeface="微软雅黑" panose="020B0503020204020204" charset="-122"/>
+              <a:ea typeface="微软雅黑" panose="020B0503020204020204" charset="-122"/>
+            </a:endParaRPr>
+          </a:p>
+          <a:p>
+            <a:pPr marL="0" lvl="0" indent="457200">
+              <a:buNone/>
+            </a:pPr>
+            <a:endParaRPr lang="en-US" altLang="zh-CN" sz="1600" dirty="0">
+              <a:solidFill>
+                <a:schemeClr val="tx1"/>
+              </a:solidFill>
+              <a:latin typeface="微软雅黑" panose="020B0503020204020204" charset="-122"/>
+              <a:ea typeface="微软雅黑" panose="020B0503020204020204" charset="-122"/>
+            </a:endParaRPr>
+          </a:p>
+          <a:p>
+            <a:pPr marL="0" lvl="0" indent="0">
+              <a:buNone/>
+            </a:pPr>
+            <a:endParaRPr lang="en-US" altLang="zh-CN" sz="1600" dirty="0">
+              <a:solidFill>
+                <a:schemeClr val="tx1"/>
+              </a:solidFill>
+              <a:latin typeface="微软雅黑" panose="020B0503020204020204" charset="-122"/>
+              <a:ea typeface="微软雅黑" panose="020B0503020204020204" charset="-122"/>
+            </a:endParaRPr>
+          </a:p>
+        </p:txBody>
+      </p:sp>
+      <p:pic>
+        <p:nvPicPr>
+          <p:cNvPr id="4" name="图片 3"/>
+          <p:cNvPicPr>
+            <a:picLocks noChangeAspect="1"/>
+          </p:cNvPicPr>
+          <p:nvPr/>
+        </p:nvPicPr>
+        <p:blipFill>
+          <a:blip r:embed="rId3"/>
+          <a:stretch>
+            <a:fillRect/>
+          </a:stretch>
+        </p:blipFill>
+        <p:spPr>
+          <a:xfrm>
+            <a:off x="3171825" y="3329305"/>
+            <a:ext cx="3138170" cy="1409065"/>
+          </a:xfrm>
+          <a:prstGeom prst="rect">
+            <a:avLst/>
+          </a:prstGeom>
+        </p:spPr>
+      </p:pic>
     </p:spTree>
   </p:cSld>
   <p:clrMapOvr>
@@ -5948,7 +6297,7 @@
                 <a:latin typeface="微软雅黑" panose="020B0503020204020204" charset="-122"/>
                 <a:ea typeface="微软雅黑" panose="020B0503020204020204" charset="-122"/>
               </a:rPr>
-              <a:t>找一个合适的（比如就是医疗影像）大模型微调工作去复现</a:t>
+              <a:t>找一个合适的（比如就是医疗影像）大模型微调工作去复现，下周先把整个工作部署到</a:t>
             </a:r>
             <a:endParaRPr lang="zh-CN" altLang="en-US" sz="1600" b="0" i="0">
               <a:solidFill>
@@ -6323,6 +6672,12 @@
 </file>
 
 <file path=ppt/tags/tag15.xml><?xml version="1.0" encoding="utf-8"?>
+<p:tagLst xmlns:p="http://schemas.openxmlformats.org/presentationml/2006/main">
+  <p:tag name="KSO_WM_BEAUTIFY_FLAG" val=""/>
+</p:tagLst>
+</file>
+
+<file path=ppt/tags/tag16.xml><?xml version="1.0" encoding="utf-8"?>
 <p:tagLst xmlns:p="http://schemas.openxmlformats.org/presentationml/2006/main">
   <p:tag name="KSO_WPP_MARK_KEY" val="c7925d13-95db-4618-ac98-c22196edd7f9"/>
   <p:tag name="COMMONDATA" val="eyJoZGlkIjoiZTg3MzIzMDhlODgyZTlkYzQ0OWY3ZDI2YzlhMjBjMGIifQ=="/>

--- a/0.组会记录/2024-10-31/report-2024-10-31.pptx
+++ b/0.组会记录/2024-10-31/report-2024-10-31.pptx
@@ -13,15 +13,27 @@
     <p:sldId id="1007" r:id="rId5"/>
     <p:sldId id="1286" r:id="rId6"/>
     <p:sldId id="1456" r:id="rId8"/>
-    <p:sldId id="1369" r:id="rId9"/>
-    <p:sldId id="1430" r:id="rId10"/>
-    <p:sldId id="1432" r:id="rId11"/>
-    <p:sldId id="1356" r:id="rId12"/>
+    <p:sldId id="1462" r:id="rId9"/>
+    <p:sldId id="1463" r:id="rId10"/>
+    <p:sldId id="1464" r:id="rId11"/>
+    <p:sldId id="1369" r:id="rId12"/>
+    <p:sldId id="1466" r:id="rId13"/>
+    <p:sldId id="1467" r:id="rId14"/>
+    <p:sldId id="1468" r:id="rId15"/>
+    <p:sldId id="1469" r:id="rId16"/>
+    <p:sldId id="1470" r:id="rId17"/>
+    <p:sldId id="1471" r:id="rId18"/>
+    <p:sldId id="1472" r:id="rId19"/>
+    <p:sldId id="1473" r:id="rId20"/>
+    <p:sldId id="1474" r:id="rId21"/>
+    <p:sldId id="1430" r:id="rId22"/>
+    <p:sldId id="1432" r:id="rId23"/>
+    <p:sldId id="1356" r:id="rId24"/>
   </p:sldIdLst>
   <p:sldSz cx="12192000" cy="6858000"/>
   <p:notesSz cx="6858000" cy="9144000"/>
   <p:custDataLst>
-    <p:tags r:id="rId17"/>
+    <p:tags r:id="rId29"/>
   </p:custDataLst>
   <p:defaultTextStyle>
     <a:defPPr>
@@ -552,6 +564,474 @@
 </p:notes>
 </file>
 
+<file path=ppt/notesSlides/notesSlide10.xml><?xml version="1.0" encoding="utf-8"?>
+<p:notes xmlns:a="http://schemas.openxmlformats.org/drawingml/2006/main" xmlns:r="http://schemas.openxmlformats.org/officeDocument/2006/relationships" xmlns:p="http://schemas.openxmlformats.org/presentationml/2006/main">
+  <p:cSld>
+    <p:spTree>
+      <p:nvGrpSpPr>
+        <p:cNvPr id="1" name=""/>
+        <p:cNvGrpSpPr/>
+        <p:nvPr/>
+      </p:nvGrpSpPr>
+      <p:grpSpPr>
+        <a:xfrm>
+          <a:off x="0" y="0"/>
+          <a:ext cx="0" cy="0"/>
+          <a:chOff x="0" y="0"/>
+          <a:chExt cx="0" cy="0"/>
+        </a:xfrm>
+      </p:grpSpPr>
+      <p:sp>
+        <p:nvSpPr>
+          <p:cNvPr id="2" name="幻灯片图像占位符 1"/>
+          <p:cNvSpPr>
+            <a:spLocks noGrp="1" noRot="1" noChangeAspect="1"/>
+          </p:cNvSpPr>
+          <p:nvPr>
+            <p:ph type="sldImg"/>
+          </p:nvPr>
+        </p:nvSpPr>
+        <p:spPr/>
+      </p:sp>
+      <p:sp>
+        <p:nvSpPr>
+          <p:cNvPr id="3" name="备注占位符 2"/>
+          <p:cNvSpPr>
+            <a:spLocks noGrp="1"/>
+          </p:cNvSpPr>
+          <p:nvPr>
+            <p:ph type="body" idx="1"/>
+          </p:nvPr>
+        </p:nvSpPr>
+        <p:spPr/>
+        <p:txBody>
+          <a:bodyPr/>
+          <a:lstStyle/>
+          <a:p>
+            <a:endParaRPr lang="zh-CN" altLang="en-US" dirty="0"/>
+          </a:p>
+        </p:txBody>
+      </p:sp>
+      <p:sp>
+        <p:nvSpPr>
+          <p:cNvPr id="4" name="灯片编号占位符 3"/>
+          <p:cNvSpPr>
+            <a:spLocks noGrp="1"/>
+          </p:cNvSpPr>
+          <p:nvPr>
+            <p:ph type="sldNum" sz="quarter" idx="5"/>
+          </p:nvPr>
+        </p:nvSpPr>
+        <p:spPr/>
+        <p:txBody>
+          <a:bodyPr/>
+          <a:lstStyle/>
+          <a:p>
+            <a:fld id="{311DA921-5814-416C-A214-0F50BD081254}" type="slidenum">
+              <a:rPr lang="zh-CN" altLang="en-US" smtClean="0"/>
+            </a:fld>
+            <a:endParaRPr lang="zh-CN" altLang="en-US"/>
+          </a:p>
+        </p:txBody>
+      </p:sp>
+    </p:spTree>
+  </p:cSld>
+  <p:clrMapOvr>
+    <a:masterClrMapping/>
+  </p:clrMapOvr>
+</p:notes>
+</file>
+
+<file path=ppt/notesSlides/notesSlide11.xml><?xml version="1.0" encoding="utf-8"?>
+<p:notes xmlns:a="http://schemas.openxmlformats.org/drawingml/2006/main" xmlns:r="http://schemas.openxmlformats.org/officeDocument/2006/relationships" xmlns:p="http://schemas.openxmlformats.org/presentationml/2006/main">
+  <p:cSld>
+    <p:spTree>
+      <p:nvGrpSpPr>
+        <p:cNvPr id="1" name=""/>
+        <p:cNvGrpSpPr/>
+        <p:nvPr/>
+      </p:nvGrpSpPr>
+      <p:grpSpPr>
+        <a:xfrm>
+          <a:off x="0" y="0"/>
+          <a:ext cx="0" cy="0"/>
+          <a:chOff x="0" y="0"/>
+          <a:chExt cx="0" cy="0"/>
+        </a:xfrm>
+      </p:grpSpPr>
+      <p:sp>
+        <p:nvSpPr>
+          <p:cNvPr id="2" name="幻灯片图像占位符 1"/>
+          <p:cNvSpPr>
+            <a:spLocks noGrp="1" noRot="1" noChangeAspect="1"/>
+          </p:cNvSpPr>
+          <p:nvPr>
+            <p:ph type="sldImg"/>
+          </p:nvPr>
+        </p:nvSpPr>
+        <p:spPr/>
+      </p:sp>
+      <p:sp>
+        <p:nvSpPr>
+          <p:cNvPr id="3" name="备注占位符 2"/>
+          <p:cNvSpPr>
+            <a:spLocks noGrp="1"/>
+          </p:cNvSpPr>
+          <p:nvPr>
+            <p:ph type="body" idx="1"/>
+          </p:nvPr>
+        </p:nvSpPr>
+        <p:spPr/>
+        <p:txBody>
+          <a:bodyPr/>
+          <a:lstStyle/>
+          <a:p>
+            <a:endParaRPr lang="zh-CN" altLang="en-US" dirty="0"/>
+          </a:p>
+        </p:txBody>
+      </p:sp>
+      <p:sp>
+        <p:nvSpPr>
+          <p:cNvPr id="4" name="灯片编号占位符 3"/>
+          <p:cNvSpPr>
+            <a:spLocks noGrp="1"/>
+          </p:cNvSpPr>
+          <p:nvPr>
+            <p:ph type="sldNum" sz="quarter" idx="5"/>
+          </p:nvPr>
+        </p:nvSpPr>
+        <p:spPr/>
+        <p:txBody>
+          <a:bodyPr/>
+          <a:lstStyle/>
+          <a:p>
+            <a:fld id="{311DA921-5814-416C-A214-0F50BD081254}" type="slidenum">
+              <a:rPr lang="zh-CN" altLang="en-US" smtClean="0"/>
+            </a:fld>
+            <a:endParaRPr lang="zh-CN" altLang="en-US"/>
+          </a:p>
+        </p:txBody>
+      </p:sp>
+    </p:spTree>
+  </p:cSld>
+  <p:clrMapOvr>
+    <a:masterClrMapping/>
+  </p:clrMapOvr>
+</p:notes>
+</file>
+
+<file path=ppt/notesSlides/notesSlide12.xml><?xml version="1.0" encoding="utf-8"?>
+<p:notes xmlns:a="http://schemas.openxmlformats.org/drawingml/2006/main" xmlns:r="http://schemas.openxmlformats.org/officeDocument/2006/relationships" xmlns:p="http://schemas.openxmlformats.org/presentationml/2006/main">
+  <p:cSld>
+    <p:spTree>
+      <p:nvGrpSpPr>
+        <p:cNvPr id="1" name=""/>
+        <p:cNvGrpSpPr/>
+        <p:nvPr/>
+      </p:nvGrpSpPr>
+      <p:grpSpPr>
+        <a:xfrm>
+          <a:off x="0" y="0"/>
+          <a:ext cx="0" cy="0"/>
+          <a:chOff x="0" y="0"/>
+          <a:chExt cx="0" cy="0"/>
+        </a:xfrm>
+      </p:grpSpPr>
+      <p:sp>
+        <p:nvSpPr>
+          <p:cNvPr id="2" name="幻灯片图像占位符 1"/>
+          <p:cNvSpPr>
+            <a:spLocks noGrp="1" noRot="1" noChangeAspect="1"/>
+          </p:cNvSpPr>
+          <p:nvPr>
+            <p:ph type="sldImg"/>
+          </p:nvPr>
+        </p:nvSpPr>
+        <p:spPr/>
+      </p:sp>
+      <p:sp>
+        <p:nvSpPr>
+          <p:cNvPr id="3" name="备注占位符 2"/>
+          <p:cNvSpPr>
+            <a:spLocks noGrp="1"/>
+          </p:cNvSpPr>
+          <p:nvPr>
+            <p:ph type="body" idx="1"/>
+          </p:nvPr>
+        </p:nvSpPr>
+        <p:spPr/>
+        <p:txBody>
+          <a:bodyPr/>
+          <a:lstStyle/>
+          <a:p>
+            <a:endParaRPr lang="zh-CN" altLang="en-US" dirty="0"/>
+          </a:p>
+        </p:txBody>
+      </p:sp>
+      <p:sp>
+        <p:nvSpPr>
+          <p:cNvPr id="4" name="灯片编号占位符 3"/>
+          <p:cNvSpPr>
+            <a:spLocks noGrp="1"/>
+          </p:cNvSpPr>
+          <p:nvPr>
+            <p:ph type="sldNum" sz="quarter" idx="5"/>
+          </p:nvPr>
+        </p:nvSpPr>
+        <p:spPr/>
+        <p:txBody>
+          <a:bodyPr/>
+          <a:lstStyle/>
+          <a:p>
+            <a:fld id="{311DA921-5814-416C-A214-0F50BD081254}" type="slidenum">
+              <a:rPr lang="zh-CN" altLang="en-US" smtClean="0"/>
+            </a:fld>
+            <a:endParaRPr lang="zh-CN" altLang="en-US"/>
+          </a:p>
+        </p:txBody>
+      </p:sp>
+    </p:spTree>
+  </p:cSld>
+  <p:clrMapOvr>
+    <a:masterClrMapping/>
+  </p:clrMapOvr>
+</p:notes>
+</file>
+
+<file path=ppt/notesSlides/notesSlide13.xml><?xml version="1.0" encoding="utf-8"?>
+<p:notes xmlns:a="http://schemas.openxmlformats.org/drawingml/2006/main" xmlns:r="http://schemas.openxmlformats.org/officeDocument/2006/relationships" xmlns:p="http://schemas.openxmlformats.org/presentationml/2006/main">
+  <p:cSld>
+    <p:spTree>
+      <p:nvGrpSpPr>
+        <p:cNvPr id="1" name=""/>
+        <p:cNvGrpSpPr/>
+        <p:nvPr/>
+      </p:nvGrpSpPr>
+      <p:grpSpPr>
+        <a:xfrm>
+          <a:off x="0" y="0"/>
+          <a:ext cx="0" cy="0"/>
+          <a:chOff x="0" y="0"/>
+          <a:chExt cx="0" cy="0"/>
+        </a:xfrm>
+      </p:grpSpPr>
+      <p:sp>
+        <p:nvSpPr>
+          <p:cNvPr id="2" name="幻灯片图像占位符 1"/>
+          <p:cNvSpPr>
+            <a:spLocks noGrp="1" noRot="1" noChangeAspect="1"/>
+          </p:cNvSpPr>
+          <p:nvPr>
+            <p:ph type="sldImg"/>
+          </p:nvPr>
+        </p:nvSpPr>
+        <p:spPr/>
+      </p:sp>
+      <p:sp>
+        <p:nvSpPr>
+          <p:cNvPr id="3" name="备注占位符 2"/>
+          <p:cNvSpPr>
+            <a:spLocks noGrp="1"/>
+          </p:cNvSpPr>
+          <p:nvPr>
+            <p:ph type="body" idx="1"/>
+          </p:nvPr>
+        </p:nvSpPr>
+        <p:spPr/>
+        <p:txBody>
+          <a:bodyPr/>
+          <a:lstStyle/>
+          <a:p>
+            <a:endParaRPr lang="zh-CN" altLang="en-US" dirty="0"/>
+          </a:p>
+        </p:txBody>
+      </p:sp>
+      <p:sp>
+        <p:nvSpPr>
+          <p:cNvPr id="4" name="灯片编号占位符 3"/>
+          <p:cNvSpPr>
+            <a:spLocks noGrp="1"/>
+          </p:cNvSpPr>
+          <p:nvPr>
+            <p:ph type="sldNum" sz="quarter" idx="5"/>
+          </p:nvPr>
+        </p:nvSpPr>
+        <p:spPr/>
+        <p:txBody>
+          <a:bodyPr/>
+          <a:lstStyle/>
+          <a:p>
+            <a:fld id="{311DA921-5814-416C-A214-0F50BD081254}" type="slidenum">
+              <a:rPr lang="zh-CN" altLang="en-US" smtClean="0"/>
+            </a:fld>
+            <a:endParaRPr lang="zh-CN" altLang="en-US"/>
+          </a:p>
+        </p:txBody>
+      </p:sp>
+    </p:spTree>
+  </p:cSld>
+  <p:clrMapOvr>
+    <a:masterClrMapping/>
+  </p:clrMapOvr>
+</p:notes>
+</file>
+
+<file path=ppt/notesSlides/notesSlide14.xml><?xml version="1.0" encoding="utf-8"?>
+<p:notes xmlns:a="http://schemas.openxmlformats.org/drawingml/2006/main" xmlns:r="http://schemas.openxmlformats.org/officeDocument/2006/relationships" xmlns:p="http://schemas.openxmlformats.org/presentationml/2006/main">
+  <p:cSld>
+    <p:spTree>
+      <p:nvGrpSpPr>
+        <p:cNvPr id="1" name=""/>
+        <p:cNvGrpSpPr/>
+        <p:nvPr/>
+      </p:nvGrpSpPr>
+      <p:grpSpPr>
+        <a:xfrm>
+          <a:off x="0" y="0"/>
+          <a:ext cx="0" cy="0"/>
+          <a:chOff x="0" y="0"/>
+          <a:chExt cx="0" cy="0"/>
+        </a:xfrm>
+      </p:grpSpPr>
+      <p:sp>
+        <p:nvSpPr>
+          <p:cNvPr id="2" name="幻灯片图像占位符 1"/>
+          <p:cNvSpPr>
+            <a:spLocks noGrp="1" noRot="1" noChangeAspect="1"/>
+          </p:cNvSpPr>
+          <p:nvPr>
+            <p:ph type="sldImg"/>
+          </p:nvPr>
+        </p:nvSpPr>
+        <p:spPr/>
+      </p:sp>
+      <p:sp>
+        <p:nvSpPr>
+          <p:cNvPr id="3" name="备注占位符 2"/>
+          <p:cNvSpPr>
+            <a:spLocks noGrp="1"/>
+          </p:cNvSpPr>
+          <p:nvPr>
+            <p:ph type="body" idx="1"/>
+          </p:nvPr>
+        </p:nvSpPr>
+        <p:spPr/>
+        <p:txBody>
+          <a:bodyPr/>
+          <a:lstStyle/>
+          <a:p>
+            <a:endParaRPr lang="zh-CN" altLang="en-US" dirty="0"/>
+          </a:p>
+        </p:txBody>
+      </p:sp>
+      <p:sp>
+        <p:nvSpPr>
+          <p:cNvPr id="4" name="灯片编号占位符 3"/>
+          <p:cNvSpPr>
+            <a:spLocks noGrp="1"/>
+          </p:cNvSpPr>
+          <p:nvPr>
+            <p:ph type="sldNum" sz="quarter" idx="5"/>
+          </p:nvPr>
+        </p:nvSpPr>
+        <p:spPr/>
+        <p:txBody>
+          <a:bodyPr/>
+          <a:lstStyle/>
+          <a:p>
+            <a:fld id="{311DA921-5814-416C-A214-0F50BD081254}" type="slidenum">
+              <a:rPr lang="zh-CN" altLang="en-US" smtClean="0"/>
+            </a:fld>
+            <a:endParaRPr lang="zh-CN" altLang="en-US"/>
+          </a:p>
+        </p:txBody>
+      </p:sp>
+    </p:spTree>
+  </p:cSld>
+  <p:clrMapOvr>
+    <a:masterClrMapping/>
+  </p:clrMapOvr>
+</p:notes>
+</file>
+
+<file path=ppt/notesSlides/notesSlide15.xml><?xml version="1.0" encoding="utf-8"?>
+<p:notes xmlns:a="http://schemas.openxmlformats.org/drawingml/2006/main" xmlns:r="http://schemas.openxmlformats.org/officeDocument/2006/relationships" xmlns:p="http://schemas.openxmlformats.org/presentationml/2006/main">
+  <p:cSld>
+    <p:spTree>
+      <p:nvGrpSpPr>
+        <p:cNvPr id="1" name=""/>
+        <p:cNvGrpSpPr/>
+        <p:nvPr/>
+      </p:nvGrpSpPr>
+      <p:grpSpPr>
+        <a:xfrm>
+          <a:off x="0" y="0"/>
+          <a:ext cx="0" cy="0"/>
+          <a:chOff x="0" y="0"/>
+          <a:chExt cx="0" cy="0"/>
+        </a:xfrm>
+      </p:grpSpPr>
+      <p:sp>
+        <p:nvSpPr>
+          <p:cNvPr id="2" name="幻灯片图像占位符 1"/>
+          <p:cNvSpPr>
+            <a:spLocks noGrp="1" noRot="1" noChangeAspect="1"/>
+          </p:cNvSpPr>
+          <p:nvPr>
+            <p:ph type="sldImg"/>
+          </p:nvPr>
+        </p:nvSpPr>
+        <p:spPr/>
+      </p:sp>
+      <p:sp>
+        <p:nvSpPr>
+          <p:cNvPr id="3" name="备注占位符 2"/>
+          <p:cNvSpPr>
+            <a:spLocks noGrp="1"/>
+          </p:cNvSpPr>
+          <p:nvPr>
+            <p:ph type="body" idx="1"/>
+          </p:nvPr>
+        </p:nvSpPr>
+        <p:spPr/>
+        <p:txBody>
+          <a:bodyPr/>
+          <a:lstStyle/>
+          <a:p>
+            <a:endParaRPr lang="zh-CN" altLang="en-US" dirty="0"/>
+          </a:p>
+        </p:txBody>
+      </p:sp>
+      <p:sp>
+        <p:nvSpPr>
+          <p:cNvPr id="4" name="灯片编号占位符 3"/>
+          <p:cNvSpPr>
+            <a:spLocks noGrp="1"/>
+          </p:cNvSpPr>
+          <p:nvPr>
+            <p:ph type="sldNum" sz="quarter" idx="5"/>
+          </p:nvPr>
+        </p:nvSpPr>
+        <p:spPr/>
+        <p:txBody>
+          <a:bodyPr/>
+          <a:lstStyle/>
+          <a:p>
+            <a:fld id="{311DA921-5814-416C-A214-0F50BD081254}" type="slidenum">
+              <a:rPr lang="zh-CN" altLang="en-US" smtClean="0"/>
+            </a:fld>
+            <a:endParaRPr lang="zh-CN" altLang="en-US"/>
+          </a:p>
+        </p:txBody>
+      </p:sp>
+    </p:spTree>
+  </p:cSld>
+  <p:clrMapOvr>
+    <a:masterClrMapping/>
+  </p:clrMapOvr>
+</p:notes>
+</file>
+
 <file path=ppt/notesSlides/notesSlide2.xml><?xml version="1.0" encoding="utf-8"?>
 <p:notes xmlns:a="http://schemas.openxmlformats.org/drawingml/2006/main" xmlns:r="http://schemas.openxmlformats.org/officeDocument/2006/relationships" xmlns:p="http://schemas.openxmlformats.org/presentationml/2006/main">
   <p:cSld>
@@ -631,6 +1111,474 @@
 </file>
 
 <file path=ppt/notesSlides/notesSlide3.xml><?xml version="1.0" encoding="utf-8"?>
+<p:notes xmlns:a="http://schemas.openxmlformats.org/drawingml/2006/main" xmlns:r="http://schemas.openxmlformats.org/officeDocument/2006/relationships" xmlns:p="http://schemas.openxmlformats.org/presentationml/2006/main">
+  <p:cSld>
+    <p:spTree>
+      <p:nvGrpSpPr>
+        <p:cNvPr id="1" name=""/>
+        <p:cNvGrpSpPr/>
+        <p:nvPr/>
+      </p:nvGrpSpPr>
+      <p:grpSpPr>
+        <a:xfrm>
+          <a:off x="0" y="0"/>
+          <a:ext cx="0" cy="0"/>
+          <a:chOff x="0" y="0"/>
+          <a:chExt cx="0" cy="0"/>
+        </a:xfrm>
+      </p:grpSpPr>
+      <p:sp>
+        <p:nvSpPr>
+          <p:cNvPr id="2" name="幻灯片图像占位符 1"/>
+          <p:cNvSpPr>
+            <a:spLocks noGrp="1" noRot="1" noChangeAspect="1"/>
+          </p:cNvSpPr>
+          <p:nvPr>
+            <p:ph type="sldImg"/>
+          </p:nvPr>
+        </p:nvSpPr>
+        <p:spPr/>
+      </p:sp>
+      <p:sp>
+        <p:nvSpPr>
+          <p:cNvPr id="3" name="备注占位符 2"/>
+          <p:cNvSpPr>
+            <a:spLocks noGrp="1"/>
+          </p:cNvSpPr>
+          <p:nvPr>
+            <p:ph type="body" idx="1"/>
+          </p:nvPr>
+        </p:nvSpPr>
+        <p:spPr/>
+        <p:txBody>
+          <a:bodyPr/>
+          <a:lstStyle/>
+          <a:p>
+            <a:endParaRPr lang="zh-CN" altLang="en-US" dirty="0"/>
+          </a:p>
+        </p:txBody>
+      </p:sp>
+      <p:sp>
+        <p:nvSpPr>
+          <p:cNvPr id="4" name="灯片编号占位符 3"/>
+          <p:cNvSpPr>
+            <a:spLocks noGrp="1"/>
+          </p:cNvSpPr>
+          <p:nvPr>
+            <p:ph type="sldNum" sz="quarter" idx="5"/>
+          </p:nvPr>
+        </p:nvSpPr>
+        <p:spPr/>
+        <p:txBody>
+          <a:bodyPr/>
+          <a:lstStyle/>
+          <a:p>
+            <a:fld id="{311DA921-5814-416C-A214-0F50BD081254}" type="slidenum">
+              <a:rPr lang="zh-CN" altLang="en-US" smtClean="0"/>
+            </a:fld>
+            <a:endParaRPr lang="zh-CN" altLang="en-US"/>
+          </a:p>
+        </p:txBody>
+      </p:sp>
+    </p:spTree>
+  </p:cSld>
+  <p:clrMapOvr>
+    <a:masterClrMapping/>
+  </p:clrMapOvr>
+</p:notes>
+</file>
+
+<file path=ppt/notesSlides/notesSlide4.xml><?xml version="1.0" encoding="utf-8"?>
+<p:notes xmlns:a="http://schemas.openxmlformats.org/drawingml/2006/main" xmlns:r="http://schemas.openxmlformats.org/officeDocument/2006/relationships" xmlns:p="http://schemas.openxmlformats.org/presentationml/2006/main">
+  <p:cSld>
+    <p:spTree>
+      <p:nvGrpSpPr>
+        <p:cNvPr id="1" name=""/>
+        <p:cNvGrpSpPr/>
+        <p:nvPr/>
+      </p:nvGrpSpPr>
+      <p:grpSpPr>
+        <a:xfrm>
+          <a:off x="0" y="0"/>
+          <a:ext cx="0" cy="0"/>
+          <a:chOff x="0" y="0"/>
+          <a:chExt cx="0" cy="0"/>
+        </a:xfrm>
+      </p:grpSpPr>
+      <p:sp>
+        <p:nvSpPr>
+          <p:cNvPr id="2" name="幻灯片图像占位符 1"/>
+          <p:cNvSpPr>
+            <a:spLocks noGrp="1" noRot="1" noChangeAspect="1"/>
+          </p:cNvSpPr>
+          <p:nvPr>
+            <p:ph type="sldImg"/>
+          </p:nvPr>
+        </p:nvSpPr>
+        <p:spPr/>
+      </p:sp>
+      <p:sp>
+        <p:nvSpPr>
+          <p:cNvPr id="3" name="备注占位符 2"/>
+          <p:cNvSpPr>
+            <a:spLocks noGrp="1"/>
+          </p:cNvSpPr>
+          <p:nvPr>
+            <p:ph type="body" idx="1"/>
+          </p:nvPr>
+        </p:nvSpPr>
+        <p:spPr/>
+        <p:txBody>
+          <a:bodyPr/>
+          <a:lstStyle/>
+          <a:p>
+            <a:endParaRPr lang="zh-CN" altLang="en-US" dirty="0"/>
+          </a:p>
+        </p:txBody>
+      </p:sp>
+      <p:sp>
+        <p:nvSpPr>
+          <p:cNvPr id="4" name="灯片编号占位符 3"/>
+          <p:cNvSpPr>
+            <a:spLocks noGrp="1"/>
+          </p:cNvSpPr>
+          <p:nvPr>
+            <p:ph type="sldNum" sz="quarter" idx="5"/>
+          </p:nvPr>
+        </p:nvSpPr>
+        <p:spPr/>
+        <p:txBody>
+          <a:bodyPr/>
+          <a:lstStyle/>
+          <a:p>
+            <a:fld id="{311DA921-5814-416C-A214-0F50BD081254}" type="slidenum">
+              <a:rPr lang="zh-CN" altLang="en-US" smtClean="0"/>
+            </a:fld>
+            <a:endParaRPr lang="zh-CN" altLang="en-US"/>
+          </a:p>
+        </p:txBody>
+      </p:sp>
+    </p:spTree>
+  </p:cSld>
+  <p:clrMapOvr>
+    <a:masterClrMapping/>
+  </p:clrMapOvr>
+</p:notes>
+</file>
+
+<file path=ppt/notesSlides/notesSlide5.xml><?xml version="1.0" encoding="utf-8"?>
+<p:notes xmlns:a="http://schemas.openxmlformats.org/drawingml/2006/main" xmlns:r="http://schemas.openxmlformats.org/officeDocument/2006/relationships" xmlns:p="http://schemas.openxmlformats.org/presentationml/2006/main">
+  <p:cSld>
+    <p:spTree>
+      <p:nvGrpSpPr>
+        <p:cNvPr id="1" name=""/>
+        <p:cNvGrpSpPr/>
+        <p:nvPr/>
+      </p:nvGrpSpPr>
+      <p:grpSpPr>
+        <a:xfrm>
+          <a:off x="0" y="0"/>
+          <a:ext cx="0" cy="0"/>
+          <a:chOff x="0" y="0"/>
+          <a:chExt cx="0" cy="0"/>
+        </a:xfrm>
+      </p:grpSpPr>
+      <p:sp>
+        <p:nvSpPr>
+          <p:cNvPr id="2" name="幻灯片图像占位符 1"/>
+          <p:cNvSpPr>
+            <a:spLocks noGrp="1" noRot="1" noChangeAspect="1"/>
+          </p:cNvSpPr>
+          <p:nvPr>
+            <p:ph type="sldImg"/>
+          </p:nvPr>
+        </p:nvSpPr>
+        <p:spPr/>
+      </p:sp>
+      <p:sp>
+        <p:nvSpPr>
+          <p:cNvPr id="3" name="备注占位符 2"/>
+          <p:cNvSpPr>
+            <a:spLocks noGrp="1"/>
+          </p:cNvSpPr>
+          <p:nvPr>
+            <p:ph type="body" idx="1"/>
+          </p:nvPr>
+        </p:nvSpPr>
+        <p:spPr/>
+        <p:txBody>
+          <a:bodyPr/>
+          <a:lstStyle/>
+          <a:p>
+            <a:endParaRPr lang="zh-CN" altLang="en-US" dirty="0"/>
+          </a:p>
+        </p:txBody>
+      </p:sp>
+      <p:sp>
+        <p:nvSpPr>
+          <p:cNvPr id="4" name="灯片编号占位符 3"/>
+          <p:cNvSpPr>
+            <a:spLocks noGrp="1"/>
+          </p:cNvSpPr>
+          <p:nvPr>
+            <p:ph type="sldNum" sz="quarter" idx="5"/>
+          </p:nvPr>
+        </p:nvSpPr>
+        <p:spPr/>
+        <p:txBody>
+          <a:bodyPr/>
+          <a:lstStyle/>
+          <a:p>
+            <a:fld id="{311DA921-5814-416C-A214-0F50BD081254}" type="slidenum">
+              <a:rPr lang="zh-CN" altLang="en-US" smtClean="0"/>
+            </a:fld>
+            <a:endParaRPr lang="zh-CN" altLang="en-US"/>
+          </a:p>
+        </p:txBody>
+      </p:sp>
+    </p:spTree>
+  </p:cSld>
+  <p:clrMapOvr>
+    <a:masterClrMapping/>
+  </p:clrMapOvr>
+</p:notes>
+</file>
+
+<file path=ppt/notesSlides/notesSlide6.xml><?xml version="1.0" encoding="utf-8"?>
+<p:notes xmlns:a="http://schemas.openxmlformats.org/drawingml/2006/main" xmlns:r="http://schemas.openxmlformats.org/officeDocument/2006/relationships" xmlns:p="http://schemas.openxmlformats.org/presentationml/2006/main">
+  <p:cSld>
+    <p:spTree>
+      <p:nvGrpSpPr>
+        <p:cNvPr id="1" name=""/>
+        <p:cNvGrpSpPr/>
+        <p:nvPr/>
+      </p:nvGrpSpPr>
+      <p:grpSpPr>
+        <a:xfrm>
+          <a:off x="0" y="0"/>
+          <a:ext cx="0" cy="0"/>
+          <a:chOff x="0" y="0"/>
+          <a:chExt cx="0" cy="0"/>
+        </a:xfrm>
+      </p:grpSpPr>
+      <p:sp>
+        <p:nvSpPr>
+          <p:cNvPr id="2" name="幻灯片图像占位符 1"/>
+          <p:cNvSpPr>
+            <a:spLocks noGrp="1" noRot="1" noChangeAspect="1"/>
+          </p:cNvSpPr>
+          <p:nvPr>
+            <p:ph type="sldImg"/>
+          </p:nvPr>
+        </p:nvSpPr>
+        <p:spPr/>
+      </p:sp>
+      <p:sp>
+        <p:nvSpPr>
+          <p:cNvPr id="3" name="备注占位符 2"/>
+          <p:cNvSpPr>
+            <a:spLocks noGrp="1"/>
+          </p:cNvSpPr>
+          <p:nvPr>
+            <p:ph type="body" idx="1"/>
+          </p:nvPr>
+        </p:nvSpPr>
+        <p:spPr/>
+        <p:txBody>
+          <a:bodyPr/>
+          <a:lstStyle/>
+          <a:p>
+            <a:endParaRPr lang="zh-CN" altLang="en-US" dirty="0"/>
+          </a:p>
+        </p:txBody>
+      </p:sp>
+      <p:sp>
+        <p:nvSpPr>
+          <p:cNvPr id="4" name="灯片编号占位符 3"/>
+          <p:cNvSpPr>
+            <a:spLocks noGrp="1"/>
+          </p:cNvSpPr>
+          <p:nvPr>
+            <p:ph type="sldNum" sz="quarter" idx="5"/>
+          </p:nvPr>
+        </p:nvSpPr>
+        <p:spPr/>
+        <p:txBody>
+          <a:bodyPr/>
+          <a:lstStyle/>
+          <a:p>
+            <a:fld id="{311DA921-5814-416C-A214-0F50BD081254}" type="slidenum">
+              <a:rPr lang="zh-CN" altLang="en-US" smtClean="0"/>
+            </a:fld>
+            <a:endParaRPr lang="zh-CN" altLang="en-US"/>
+          </a:p>
+        </p:txBody>
+      </p:sp>
+    </p:spTree>
+  </p:cSld>
+  <p:clrMapOvr>
+    <a:masterClrMapping/>
+  </p:clrMapOvr>
+</p:notes>
+</file>
+
+<file path=ppt/notesSlides/notesSlide7.xml><?xml version="1.0" encoding="utf-8"?>
+<p:notes xmlns:a="http://schemas.openxmlformats.org/drawingml/2006/main" xmlns:r="http://schemas.openxmlformats.org/officeDocument/2006/relationships" xmlns:p="http://schemas.openxmlformats.org/presentationml/2006/main">
+  <p:cSld>
+    <p:spTree>
+      <p:nvGrpSpPr>
+        <p:cNvPr id="1" name=""/>
+        <p:cNvGrpSpPr/>
+        <p:nvPr/>
+      </p:nvGrpSpPr>
+      <p:grpSpPr>
+        <a:xfrm>
+          <a:off x="0" y="0"/>
+          <a:ext cx="0" cy="0"/>
+          <a:chOff x="0" y="0"/>
+          <a:chExt cx="0" cy="0"/>
+        </a:xfrm>
+      </p:grpSpPr>
+      <p:sp>
+        <p:nvSpPr>
+          <p:cNvPr id="2" name="幻灯片图像占位符 1"/>
+          <p:cNvSpPr>
+            <a:spLocks noGrp="1" noRot="1" noChangeAspect="1"/>
+          </p:cNvSpPr>
+          <p:nvPr>
+            <p:ph type="sldImg"/>
+          </p:nvPr>
+        </p:nvSpPr>
+        <p:spPr/>
+      </p:sp>
+      <p:sp>
+        <p:nvSpPr>
+          <p:cNvPr id="3" name="备注占位符 2"/>
+          <p:cNvSpPr>
+            <a:spLocks noGrp="1"/>
+          </p:cNvSpPr>
+          <p:nvPr>
+            <p:ph type="body" idx="1"/>
+          </p:nvPr>
+        </p:nvSpPr>
+        <p:spPr/>
+        <p:txBody>
+          <a:bodyPr/>
+          <a:lstStyle/>
+          <a:p>
+            <a:endParaRPr lang="zh-CN" altLang="en-US" dirty="0"/>
+          </a:p>
+        </p:txBody>
+      </p:sp>
+      <p:sp>
+        <p:nvSpPr>
+          <p:cNvPr id="4" name="灯片编号占位符 3"/>
+          <p:cNvSpPr>
+            <a:spLocks noGrp="1"/>
+          </p:cNvSpPr>
+          <p:nvPr>
+            <p:ph type="sldNum" sz="quarter" idx="5"/>
+          </p:nvPr>
+        </p:nvSpPr>
+        <p:spPr/>
+        <p:txBody>
+          <a:bodyPr/>
+          <a:lstStyle/>
+          <a:p>
+            <a:fld id="{311DA921-5814-416C-A214-0F50BD081254}" type="slidenum">
+              <a:rPr lang="zh-CN" altLang="en-US" smtClean="0"/>
+            </a:fld>
+            <a:endParaRPr lang="zh-CN" altLang="en-US"/>
+          </a:p>
+        </p:txBody>
+      </p:sp>
+    </p:spTree>
+  </p:cSld>
+  <p:clrMapOvr>
+    <a:masterClrMapping/>
+  </p:clrMapOvr>
+</p:notes>
+</file>
+
+<file path=ppt/notesSlides/notesSlide8.xml><?xml version="1.0" encoding="utf-8"?>
+<p:notes xmlns:a="http://schemas.openxmlformats.org/drawingml/2006/main" xmlns:r="http://schemas.openxmlformats.org/officeDocument/2006/relationships" xmlns:p="http://schemas.openxmlformats.org/presentationml/2006/main">
+  <p:cSld>
+    <p:spTree>
+      <p:nvGrpSpPr>
+        <p:cNvPr id="1" name=""/>
+        <p:cNvGrpSpPr/>
+        <p:nvPr/>
+      </p:nvGrpSpPr>
+      <p:grpSpPr>
+        <a:xfrm>
+          <a:off x="0" y="0"/>
+          <a:ext cx="0" cy="0"/>
+          <a:chOff x="0" y="0"/>
+          <a:chExt cx="0" cy="0"/>
+        </a:xfrm>
+      </p:grpSpPr>
+      <p:sp>
+        <p:nvSpPr>
+          <p:cNvPr id="2" name="幻灯片图像占位符 1"/>
+          <p:cNvSpPr>
+            <a:spLocks noGrp="1" noRot="1" noChangeAspect="1"/>
+          </p:cNvSpPr>
+          <p:nvPr>
+            <p:ph type="sldImg"/>
+          </p:nvPr>
+        </p:nvSpPr>
+        <p:spPr/>
+      </p:sp>
+      <p:sp>
+        <p:nvSpPr>
+          <p:cNvPr id="3" name="备注占位符 2"/>
+          <p:cNvSpPr>
+            <a:spLocks noGrp="1"/>
+          </p:cNvSpPr>
+          <p:nvPr>
+            <p:ph type="body" idx="1"/>
+          </p:nvPr>
+        </p:nvSpPr>
+        <p:spPr/>
+        <p:txBody>
+          <a:bodyPr/>
+          <a:lstStyle/>
+          <a:p>
+            <a:endParaRPr lang="zh-CN" altLang="en-US" dirty="0"/>
+          </a:p>
+        </p:txBody>
+      </p:sp>
+      <p:sp>
+        <p:nvSpPr>
+          <p:cNvPr id="4" name="灯片编号占位符 3"/>
+          <p:cNvSpPr>
+            <a:spLocks noGrp="1"/>
+          </p:cNvSpPr>
+          <p:nvPr>
+            <p:ph type="sldNum" sz="quarter" idx="5"/>
+          </p:nvPr>
+        </p:nvSpPr>
+        <p:spPr/>
+        <p:txBody>
+          <a:bodyPr/>
+          <a:lstStyle/>
+          <a:p>
+            <a:fld id="{311DA921-5814-416C-A214-0F50BD081254}" type="slidenum">
+              <a:rPr lang="zh-CN" altLang="en-US" smtClean="0"/>
+            </a:fld>
+            <a:endParaRPr lang="zh-CN" altLang="en-US"/>
+          </a:p>
+        </p:txBody>
+      </p:sp>
+    </p:spTree>
+  </p:cSld>
+  <p:clrMapOvr>
+    <a:masterClrMapping/>
+  </p:clrMapOvr>
+</p:notes>
+</file>
+
+<file path=ppt/notesSlides/notesSlide9.xml><?xml version="1.0" encoding="utf-8"?>
 <p:notes xmlns:a="http://schemas.openxmlformats.org/drawingml/2006/main" xmlns:r="http://schemas.openxmlformats.org/officeDocument/2006/relationships" xmlns:p="http://schemas.openxmlformats.org/presentationml/2006/main">
   <p:cSld>
     <p:spTree>
@@ -3839,6 +4787,3753 @@
 </p:sld>
 </file>
 
+<file path=ppt/slides/slide10.xml><?xml version="1.0" encoding="utf-8"?>
+<p:sld xmlns:a="http://schemas.openxmlformats.org/drawingml/2006/main" xmlns:r="http://schemas.openxmlformats.org/officeDocument/2006/relationships" xmlns:p="http://schemas.openxmlformats.org/presentationml/2006/main">
+  <p:cSld>
+    <p:spTree>
+      <p:nvGrpSpPr>
+        <p:cNvPr id="1" name=""/>
+        <p:cNvGrpSpPr/>
+        <p:nvPr/>
+      </p:nvGrpSpPr>
+      <p:grpSpPr>
+        <a:xfrm>
+          <a:off x="0" y="0"/>
+          <a:ext cx="0" cy="0"/>
+          <a:chOff x="0" y="0"/>
+          <a:chExt cx="0" cy="0"/>
+        </a:xfrm>
+      </p:grpSpPr>
+      <p:sp>
+        <p:nvSpPr>
+          <p:cNvPr id="13" name="文本框 12"/>
+          <p:cNvSpPr txBox="1"/>
+          <p:nvPr/>
+        </p:nvSpPr>
+        <p:spPr>
+          <a:xfrm>
+            <a:off x="106466" y="601786"/>
+            <a:ext cx="1033780" cy="398780"/>
+          </a:xfrm>
+          <a:prstGeom prst="rect">
+            <a:avLst/>
+          </a:prstGeom>
+          <a:noFill/>
+        </p:spPr>
+        <p:txBody>
+          <a:bodyPr wrap="none" rtlCol="0">
+            <a:spAutoFit/>
+          </a:bodyPr>
+          <a:lstStyle/>
+          <a:p>
+            <a:pPr marL="342900" indent="-342900">
+              <a:buFont typeface="Wingdings" panose="05000000000000000000" charset="0"/>
+              <a:buChar char="n"/>
+            </a:pPr>
+            <a:r>
+              <a:rPr lang="zh-CN" altLang="en-US" sz="2000" b="1" dirty="0">
+                <a:latin typeface="微软雅黑" panose="020B0503020204020204" charset="-122"/>
+                <a:ea typeface="微软雅黑" panose="020B0503020204020204" charset="-122"/>
+              </a:rPr>
+              <a:t>概述</a:t>
+            </a:r>
+            <a:endParaRPr lang="zh-CN" altLang="en-US" sz="2000" b="1" dirty="0"/>
+          </a:p>
+        </p:txBody>
+      </p:sp>
+      <p:sp>
+        <p:nvSpPr>
+          <p:cNvPr id="7" name="文本框 6"/>
+          <p:cNvSpPr txBox="1"/>
+          <p:nvPr/>
+        </p:nvSpPr>
+        <p:spPr>
+          <a:xfrm>
+            <a:off x="724535" y="1323340"/>
+            <a:ext cx="2247900" cy="410845"/>
+          </a:xfrm>
+          <a:prstGeom prst="rect">
+            <a:avLst/>
+          </a:prstGeom>
+          <a:noFill/>
+        </p:spPr>
+        <p:txBody>
+          <a:bodyPr wrap="square">
+            <a:noAutofit/>
+          </a:bodyPr>
+          <a:lstStyle/>
+          <a:p>
+            <a:pPr algn="l" fontAlgn="auto">
+              <a:lnSpc>
+                <a:spcPts val="2200"/>
+              </a:lnSpc>
+              <a:buClrTx/>
+              <a:buSzTx/>
+              <a:buNone/>
+            </a:pPr>
+            <a:endParaRPr lang="zh-CN" altLang="en-US" sz="1600" dirty="0">
+              <a:latin typeface="微软雅黑" panose="020B0503020204020204" charset="-122"/>
+              <a:ea typeface="微软雅黑" panose="020B0503020204020204" charset="-122"/>
+            </a:endParaRPr>
+          </a:p>
+        </p:txBody>
+      </p:sp>
+      <p:sp>
+        <p:nvSpPr>
+          <p:cNvPr id="3" name="矩形 2"/>
+          <p:cNvSpPr/>
+          <p:nvPr>
+            <p:custDataLst>
+              <p:tags r:id="rId1"/>
+            </p:custDataLst>
+          </p:nvPr>
+        </p:nvSpPr>
+        <p:spPr>
+          <a:xfrm>
+            <a:off x="-6350" y="0"/>
+            <a:ext cx="12198350" cy="540000"/>
+          </a:xfrm>
+          <a:prstGeom prst="rect">
+            <a:avLst/>
+          </a:prstGeom>
+          <a:solidFill>
+            <a:srgbClr val="A099CB"/>
+          </a:solidFill>
+          <a:ln>
+            <a:noFill/>
+          </a:ln>
+        </p:spPr>
+        <p:style>
+          <a:lnRef idx="2">
+            <a:schemeClr val="accent1">
+              <a:shade val="50000"/>
+            </a:schemeClr>
+          </a:lnRef>
+          <a:fillRef idx="1">
+            <a:schemeClr val="accent1"/>
+          </a:fillRef>
+          <a:effectRef idx="0">
+            <a:schemeClr val="accent1"/>
+          </a:effectRef>
+          <a:fontRef idx="minor">
+            <a:schemeClr val="lt1"/>
+          </a:fontRef>
+        </p:style>
+        <p:txBody>
+          <a:bodyPr rtlCol="0" anchor="ctr"/>
+          <a:p>
+            <a:pPr marL="0" marR="0" lvl="0" indent="0" algn="ctr" defTabSz="914400" rtl="0" eaLnBrk="1" fontAlgn="auto" latinLnBrk="0" hangingPunct="1">
+              <a:lnSpc>
+                <a:spcPct val="100000"/>
+              </a:lnSpc>
+              <a:spcBef>
+                <a:spcPts val="0"/>
+              </a:spcBef>
+              <a:spcAft>
+                <a:spcPts val="0"/>
+              </a:spcAft>
+              <a:buClrTx/>
+              <a:buSzTx/>
+              <a:buFontTx/>
+              <a:buNone/>
+              <a:defRPr/>
+            </a:pPr>
+            <a:r>
+              <a:rPr lang="en-US" altLang="zh-CN" dirty="0">
+                <a:effectLst/>
+                <a:latin typeface="微软雅黑" panose="020B0503020204020204" charset="-122"/>
+                <a:ea typeface="微软雅黑" panose="020B0503020204020204" charset="-122"/>
+                <a:sym typeface="+mn-ea"/>
+              </a:rPr>
+              <a:t>2.</a:t>
+            </a:r>
+            <a:r>
+              <a:rPr lang="en-US" altLang="zh-CN" dirty="0">
+                <a:effectLst/>
+                <a:latin typeface="微软雅黑" panose="020B0503020204020204" charset="-122"/>
+                <a:ea typeface="微软雅黑" panose="020B0503020204020204" charset="-122"/>
+                <a:sym typeface="+mn-ea"/>
+              </a:rPr>
+              <a:t>LLaMA: Open and Efficient Foundation Language Models</a:t>
+            </a:r>
+            <a:endParaRPr lang="en-US" altLang="zh-CN" dirty="0">
+              <a:effectLst/>
+              <a:latin typeface="微软雅黑" panose="020B0503020204020204" charset="-122"/>
+              <a:ea typeface="微软雅黑" panose="020B0503020204020204" charset="-122"/>
+            </a:endParaRPr>
+          </a:p>
+        </p:txBody>
+      </p:sp>
+      <p:sp>
+        <p:nvSpPr>
+          <p:cNvPr id="5" name="文本框 4"/>
+          <p:cNvSpPr txBox="1"/>
+          <p:nvPr>
+            <p:custDataLst>
+              <p:tags r:id="rId2"/>
+            </p:custDataLst>
+          </p:nvPr>
+        </p:nvSpPr>
+        <p:spPr>
+          <a:xfrm>
+            <a:off x="455295" y="972185"/>
+            <a:ext cx="1725930" cy="506730"/>
+          </a:xfrm>
+          <a:prstGeom prst="rect">
+            <a:avLst/>
+          </a:prstGeom>
+          <a:noFill/>
+        </p:spPr>
+        <p:txBody>
+          <a:bodyPr wrap="square" rtlCol="0">
+            <a:spAutoFit/>
+          </a:bodyPr>
+          <a:p>
+            <a:pPr marL="285750" indent="-285750">
+              <a:lnSpc>
+                <a:spcPct val="150000"/>
+              </a:lnSpc>
+              <a:buFont typeface="Wingdings" panose="05000000000000000000" charset="0"/>
+              <a:buChar char="p"/>
+            </a:pPr>
+            <a:r>
+              <a:rPr lang="zh-CN" altLang="en-US" b="1" dirty="0">
+                <a:latin typeface="微软雅黑" panose="020B0503020204020204" charset="-122"/>
+                <a:ea typeface="微软雅黑" panose="020B0503020204020204" charset="-122"/>
+              </a:rPr>
+              <a:t>任务：</a:t>
+            </a:r>
+            <a:endParaRPr lang="en-US" altLang="zh-CN" b="1" dirty="0">
+              <a:latin typeface="微软雅黑" panose="020B0503020204020204" charset="-122"/>
+              <a:ea typeface="微软雅黑" panose="020B0503020204020204" charset="-122"/>
+            </a:endParaRPr>
+          </a:p>
+        </p:txBody>
+      </p:sp>
+      <p:sp>
+        <p:nvSpPr>
+          <p:cNvPr id="8" name="文本框 7"/>
+          <p:cNvSpPr txBox="1"/>
+          <p:nvPr/>
+        </p:nvSpPr>
+        <p:spPr>
+          <a:xfrm>
+            <a:off x="286385" y="2472055"/>
+            <a:ext cx="9719945" cy="1276350"/>
+          </a:xfrm>
+          <a:prstGeom prst="rect">
+            <a:avLst/>
+          </a:prstGeom>
+          <a:noFill/>
+        </p:spPr>
+        <p:txBody>
+          <a:bodyPr wrap="square" rtlCol="0">
+            <a:noAutofit/>
+          </a:bodyPr>
+          <a:p>
+            <a:pPr marL="0" lvl="0" indent="0">
+              <a:buNone/>
+            </a:pPr>
+            <a:endParaRPr lang="en-US" altLang="zh-CN" sz="1600" dirty="0">
+              <a:solidFill>
+                <a:schemeClr val="tx1"/>
+              </a:solidFill>
+              <a:latin typeface="微软雅黑" panose="020B0503020204020204" charset="-122"/>
+              <a:ea typeface="微软雅黑" panose="020B0503020204020204" charset="-122"/>
+            </a:endParaRPr>
+          </a:p>
+          <a:p>
+            <a:pPr marL="0" lvl="0" indent="0">
+              <a:buNone/>
+            </a:pPr>
+            <a:endParaRPr lang="en-US" altLang="zh-CN" sz="1600" dirty="0">
+              <a:solidFill>
+                <a:schemeClr val="tx1"/>
+              </a:solidFill>
+              <a:latin typeface="微软雅黑" panose="020B0503020204020204" charset="-122"/>
+              <a:ea typeface="微软雅黑" panose="020B0503020204020204" charset="-122"/>
+            </a:endParaRPr>
+          </a:p>
+          <a:p>
+            <a:pPr marL="0" lvl="0" indent="0">
+              <a:buNone/>
+            </a:pPr>
+            <a:endParaRPr lang="en-US" altLang="zh-CN" sz="1600" dirty="0">
+              <a:solidFill>
+                <a:schemeClr val="tx1"/>
+              </a:solidFill>
+              <a:latin typeface="微软雅黑" panose="020B0503020204020204" charset="-122"/>
+              <a:ea typeface="微软雅黑" panose="020B0503020204020204" charset="-122"/>
+            </a:endParaRPr>
+          </a:p>
+          <a:p>
+            <a:pPr marL="0" lvl="0" indent="0">
+              <a:buNone/>
+            </a:pPr>
+            <a:endParaRPr lang="en-US" altLang="zh-CN" sz="1600" dirty="0">
+              <a:solidFill>
+                <a:schemeClr val="tx1"/>
+              </a:solidFill>
+              <a:latin typeface="微软雅黑" panose="020B0503020204020204" charset="-122"/>
+              <a:ea typeface="微软雅黑" panose="020B0503020204020204" charset="-122"/>
+            </a:endParaRPr>
+          </a:p>
+        </p:txBody>
+      </p:sp>
+      <p:sp>
+        <p:nvSpPr>
+          <p:cNvPr id="11" name="文本框 10"/>
+          <p:cNvSpPr txBox="1"/>
+          <p:nvPr>
+            <p:custDataLst>
+              <p:tags r:id="rId3"/>
+            </p:custDataLst>
+          </p:nvPr>
+        </p:nvSpPr>
+        <p:spPr>
+          <a:xfrm>
+            <a:off x="455295" y="2056765"/>
+            <a:ext cx="1725930" cy="506730"/>
+          </a:xfrm>
+          <a:prstGeom prst="rect">
+            <a:avLst/>
+          </a:prstGeom>
+          <a:noFill/>
+        </p:spPr>
+        <p:txBody>
+          <a:bodyPr wrap="square" rtlCol="0">
+            <a:spAutoFit/>
+          </a:bodyPr>
+          <a:p>
+            <a:pPr marL="285750" indent="-285750">
+              <a:lnSpc>
+                <a:spcPct val="150000"/>
+              </a:lnSpc>
+              <a:buFont typeface="Wingdings" panose="05000000000000000000" charset="0"/>
+              <a:buChar char="p"/>
+            </a:pPr>
+            <a:r>
+              <a:rPr lang="zh-CN" altLang="en-US" b="1" dirty="0">
+                <a:latin typeface="微软雅黑" panose="020B0503020204020204" charset="-122"/>
+                <a:ea typeface="微软雅黑" panose="020B0503020204020204" charset="-122"/>
+              </a:rPr>
+              <a:t>动机：</a:t>
+            </a:r>
+            <a:endParaRPr lang="en-US" altLang="zh-CN" b="1" dirty="0">
+              <a:latin typeface="微软雅黑" panose="020B0503020204020204" charset="-122"/>
+              <a:ea typeface="微软雅黑" panose="020B0503020204020204" charset="-122"/>
+            </a:endParaRPr>
+          </a:p>
+        </p:txBody>
+      </p:sp>
+      <p:sp>
+        <p:nvSpPr>
+          <p:cNvPr id="4" name="文本框 3"/>
+          <p:cNvSpPr txBox="1"/>
+          <p:nvPr>
+            <p:custDataLst>
+              <p:tags r:id="rId4"/>
+            </p:custDataLst>
+          </p:nvPr>
+        </p:nvSpPr>
+        <p:spPr>
+          <a:xfrm>
+            <a:off x="455295" y="3140075"/>
+            <a:ext cx="1725930" cy="506730"/>
+          </a:xfrm>
+          <a:prstGeom prst="rect">
+            <a:avLst/>
+          </a:prstGeom>
+          <a:noFill/>
+        </p:spPr>
+        <p:txBody>
+          <a:bodyPr wrap="square" rtlCol="0">
+            <a:spAutoFit/>
+          </a:bodyPr>
+          <a:p>
+            <a:pPr marL="285750" indent="-285750">
+              <a:lnSpc>
+                <a:spcPct val="150000"/>
+              </a:lnSpc>
+              <a:buFont typeface="Wingdings" panose="05000000000000000000" charset="0"/>
+              <a:buChar char="p"/>
+            </a:pPr>
+            <a:r>
+              <a:rPr lang="zh-CN" altLang="en-US" b="1" dirty="0">
+                <a:latin typeface="微软雅黑" panose="020B0503020204020204" charset="-122"/>
+                <a:ea typeface="微软雅黑" panose="020B0503020204020204" charset="-122"/>
+              </a:rPr>
+              <a:t>整体</a:t>
+            </a:r>
+            <a:r>
+              <a:rPr lang="zh-CN" altLang="en-US" b="1" dirty="0">
+                <a:latin typeface="微软雅黑" panose="020B0503020204020204" charset="-122"/>
+                <a:ea typeface="微软雅黑" panose="020B0503020204020204" charset="-122"/>
+              </a:rPr>
+              <a:t>思路：</a:t>
+            </a:r>
+            <a:endParaRPr lang="en-US" altLang="zh-CN" b="1" dirty="0">
+              <a:latin typeface="微软雅黑" panose="020B0503020204020204" charset="-122"/>
+              <a:ea typeface="微软雅黑" panose="020B0503020204020204" charset="-122"/>
+            </a:endParaRPr>
+          </a:p>
+        </p:txBody>
+      </p:sp>
+      <p:sp>
+        <p:nvSpPr>
+          <p:cNvPr id="6" name="文本框 5"/>
+          <p:cNvSpPr txBox="1"/>
+          <p:nvPr>
+            <p:custDataLst>
+              <p:tags r:id="rId5"/>
+            </p:custDataLst>
+          </p:nvPr>
+        </p:nvSpPr>
+        <p:spPr>
+          <a:xfrm>
+            <a:off x="455295" y="5052695"/>
+            <a:ext cx="1725930" cy="506730"/>
+          </a:xfrm>
+          <a:prstGeom prst="rect">
+            <a:avLst/>
+          </a:prstGeom>
+          <a:noFill/>
+        </p:spPr>
+        <p:txBody>
+          <a:bodyPr wrap="square" rtlCol="0">
+            <a:spAutoFit/>
+          </a:bodyPr>
+          <a:p>
+            <a:pPr marL="285750" indent="-285750">
+              <a:lnSpc>
+                <a:spcPct val="150000"/>
+              </a:lnSpc>
+              <a:buFont typeface="Wingdings" panose="05000000000000000000" charset="0"/>
+              <a:buChar char="p"/>
+            </a:pPr>
+            <a:r>
+              <a:rPr lang="zh-CN" altLang="en-US" b="1" dirty="0">
+                <a:latin typeface="微软雅黑" panose="020B0503020204020204" charset="-122"/>
+                <a:ea typeface="微软雅黑" panose="020B0503020204020204" charset="-122"/>
+              </a:rPr>
+              <a:t>贡献：</a:t>
+            </a:r>
+            <a:endParaRPr lang="en-US" altLang="zh-CN" b="1" dirty="0">
+              <a:latin typeface="微软雅黑" panose="020B0503020204020204" charset="-122"/>
+              <a:ea typeface="微软雅黑" panose="020B0503020204020204" charset="-122"/>
+            </a:endParaRPr>
+          </a:p>
+        </p:txBody>
+      </p:sp>
+      <p:sp>
+        <p:nvSpPr>
+          <p:cNvPr id="14" name="文本框 13"/>
+          <p:cNvSpPr txBox="1"/>
+          <p:nvPr/>
+        </p:nvSpPr>
+        <p:spPr>
+          <a:xfrm>
+            <a:off x="106680" y="6453505"/>
+            <a:ext cx="11391265" cy="275590"/>
+          </a:xfrm>
+          <a:prstGeom prst="rect">
+            <a:avLst/>
+          </a:prstGeom>
+        </p:spPr>
+        <p:txBody>
+          <a:bodyPr wrap="square">
+            <a:spAutoFit/>
+          </a:bodyPr>
+          <a:p>
+            <a:pPr marL="0" indent="0" algn="l"/>
+            <a:r>
+              <a:rPr lang="en-US" altLang="zh-CN" sz="1200" b="0" i="0">
+                <a:solidFill>
+                  <a:srgbClr val="333333"/>
+                </a:solidFill>
+                <a:latin typeface="Arial" panose="020B0604020202020204"/>
+                <a:ea typeface="Arial" panose="020B0604020202020204"/>
+              </a:rPr>
+              <a:t>Touvron H, Lavril T, Izacard G, et al. Llama: Open and efficient foundation language models[J]. arXiv preprint arXiv:2302.13971, 2023.</a:t>
+            </a:r>
+            <a:endParaRPr lang="en-US" altLang="zh-CN" sz="1200" b="0" i="0">
+              <a:solidFill>
+                <a:srgbClr val="333333"/>
+              </a:solidFill>
+              <a:latin typeface="Arial" panose="020B0604020202020204"/>
+              <a:ea typeface="Arial" panose="020B0604020202020204"/>
+            </a:endParaRPr>
+          </a:p>
+        </p:txBody>
+      </p:sp>
+      <p:sp>
+        <p:nvSpPr>
+          <p:cNvPr id="15" name="文本框 14"/>
+          <p:cNvSpPr txBox="1"/>
+          <p:nvPr/>
+        </p:nvSpPr>
+        <p:spPr>
+          <a:xfrm>
+            <a:off x="286385" y="1457325"/>
+            <a:ext cx="11904980" cy="603885"/>
+          </a:xfrm>
+          <a:prstGeom prst="rect">
+            <a:avLst/>
+          </a:prstGeom>
+          <a:noFill/>
+        </p:spPr>
+        <p:txBody>
+          <a:bodyPr wrap="square" rtlCol="0">
+            <a:noAutofit/>
+          </a:bodyPr>
+          <a:p>
+            <a:pPr indent="457200"/>
+            <a:r>
+              <a:rPr lang="zh-CN" sz="1600" dirty="0">
+                <a:solidFill>
+                  <a:schemeClr val="tx1"/>
+                </a:solidFill>
+                <a:latin typeface="微软雅黑" panose="020B0503020204020204" charset="-122"/>
+                <a:ea typeface="微软雅黑" panose="020B0503020204020204" charset="-122"/>
+              </a:rPr>
+              <a:t>使用开放的公共数据，在一个相对较小（对标</a:t>
+            </a:r>
+            <a:r>
+              <a:rPr lang="en-US" altLang="zh-CN" sz="1600" dirty="0">
+                <a:solidFill>
+                  <a:schemeClr val="tx1"/>
+                </a:solidFill>
+                <a:latin typeface="微软雅黑" panose="020B0503020204020204" charset="-122"/>
+                <a:ea typeface="微软雅黑" panose="020B0503020204020204" charset="-122"/>
+              </a:rPr>
+              <a:t>GPT-3</a:t>
+            </a:r>
+            <a:r>
+              <a:rPr lang="zh-CN" sz="1600" dirty="0">
+                <a:solidFill>
+                  <a:schemeClr val="tx1"/>
+                </a:solidFill>
+                <a:latin typeface="微软雅黑" panose="020B0503020204020204" charset="-122"/>
+                <a:ea typeface="微软雅黑" panose="020B0503020204020204" charset="-122"/>
+              </a:rPr>
+              <a:t>）的规模下训练足够有效的大模型</a:t>
+            </a:r>
+            <a:endParaRPr lang="zh-CN" sz="1600" dirty="0">
+              <a:solidFill>
+                <a:schemeClr val="tx1"/>
+              </a:solidFill>
+              <a:latin typeface="微软雅黑" panose="020B0503020204020204" charset="-122"/>
+              <a:ea typeface="微软雅黑" panose="020B0503020204020204" charset="-122"/>
+            </a:endParaRPr>
+          </a:p>
+          <a:p>
+            <a:pPr indent="457200"/>
+            <a:endParaRPr lang="zh-CN" altLang="zh-CN" sz="1600" dirty="0">
+              <a:solidFill>
+                <a:schemeClr val="tx1"/>
+              </a:solidFill>
+              <a:latin typeface="微软雅黑" panose="020B0503020204020204" charset="-122"/>
+              <a:ea typeface="微软雅黑" panose="020B0503020204020204" charset="-122"/>
+            </a:endParaRPr>
+          </a:p>
+          <a:p>
+            <a:pPr indent="457200"/>
+            <a:endParaRPr lang="zh-CN" altLang="zh-CN" sz="1600" dirty="0">
+              <a:solidFill>
+                <a:schemeClr val="tx1"/>
+              </a:solidFill>
+              <a:latin typeface="微软雅黑" panose="020B0503020204020204" charset="-122"/>
+              <a:ea typeface="微软雅黑" panose="020B0503020204020204" charset="-122"/>
+            </a:endParaRPr>
+          </a:p>
+          <a:p>
+            <a:pPr indent="457200"/>
+            <a:endParaRPr lang="zh-CN" altLang="zh-CN" sz="1600" dirty="0">
+              <a:solidFill>
+                <a:schemeClr val="tx1"/>
+              </a:solidFill>
+              <a:latin typeface="微软雅黑" panose="020B0503020204020204" charset="-122"/>
+              <a:ea typeface="微软雅黑" panose="020B0503020204020204" charset="-122"/>
+            </a:endParaRPr>
+          </a:p>
+          <a:p>
+            <a:pPr indent="457200"/>
+            <a:r>
+              <a:rPr lang="en-US" altLang="zh-CN" sz="1600" dirty="0">
+                <a:solidFill>
+                  <a:schemeClr val="tx1"/>
+                </a:solidFill>
+                <a:latin typeface="微软雅黑" panose="020B0503020204020204" charset="-122"/>
+                <a:ea typeface="微软雅黑" panose="020B0503020204020204" charset="-122"/>
+              </a:rPr>
+              <a:t>1.  </a:t>
+            </a:r>
+            <a:r>
+              <a:rPr lang="zh-CN" altLang="en-US" sz="1600" dirty="0">
+                <a:solidFill>
+                  <a:schemeClr val="tx1"/>
+                </a:solidFill>
+                <a:latin typeface="微软雅黑" panose="020B0503020204020204" charset="-122"/>
+                <a:ea typeface="微软雅黑" panose="020B0503020204020204" charset="-122"/>
+              </a:rPr>
+              <a:t>使用公共数据，而不是</a:t>
+            </a:r>
+            <a:r>
+              <a:rPr lang="en-US" altLang="zh-CN" sz="1600" dirty="0">
+                <a:solidFill>
+                  <a:schemeClr val="tx1"/>
+                </a:solidFill>
+                <a:latin typeface="微软雅黑" panose="020B0503020204020204" charset="-122"/>
+                <a:ea typeface="微软雅黑" panose="020B0503020204020204" charset="-122"/>
+              </a:rPr>
+              <a:t>GPT</a:t>
+            </a:r>
+            <a:r>
+              <a:rPr lang="zh-CN" altLang="en-US" sz="1600" dirty="0">
+                <a:solidFill>
+                  <a:schemeClr val="tx1"/>
+                </a:solidFill>
+                <a:latin typeface="微软雅黑" panose="020B0503020204020204" charset="-122"/>
+                <a:ea typeface="微软雅黑" panose="020B0503020204020204" charset="-122"/>
+              </a:rPr>
+              <a:t>等使用的不公开的高质量数据集，降低模型的成本</a:t>
+            </a:r>
+            <a:endParaRPr lang="zh-CN" altLang="en-US" sz="1600" dirty="0">
+              <a:solidFill>
+                <a:schemeClr val="tx1"/>
+              </a:solidFill>
+              <a:latin typeface="微软雅黑" panose="020B0503020204020204" charset="-122"/>
+              <a:ea typeface="微软雅黑" panose="020B0503020204020204" charset="-122"/>
+            </a:endParaRPr>
+          </a:p>
+          <a:p>
+            <a:pPr indent="457200"/>
+            <a:r>
+              <a:rPr lang="en-US" altLang="zh-CN" sz="1600" dirty="0">
+                <a:solidFill>
+                  <a:schemeClr val="tx1"/>
+                </a:solidFill>
+                <a:latin typeface="微软雅黑" panose="020B0503020204020204" charset="-122"/>
+                <a:ea typeface="微软雅黑" panose="020B0503020204020204" charset="-122"/>
+              </a:rPr>
+              <a:t>2.  </a:t>
+            </a:r>
+            <a:r>
+              <a:rPr lang="zh-CN" altLang="en-US" sz="1600" dirty="0">
+                <a:solidFill>
+                  <a:schemeClr val="tx1"/>
+                </a:solidFill>
+                <a:latin typeface="微软雅黑" panose="020B0503020204020204" charset="-122"/>
+                <a:ea typeface="微软雅黑" panose="020B0503020204020204" charset="-122"/>
+              </a:rPr>
+              <a:t>在不同的推理预算下实现最佳性能</a:t>
+            </a:r>
+            <a:endParaRPr lang="zh-CN" altLang="en-US" sz="1600" dirty="0">
+              <a:solidFill>
+                <a:schemeClr val="tx1"/>
+              </a:solidFill>
+              <a:latin typeface="微软雅黑" panose="020B0503020204020204" charset="-122"/>
+              <a:ea typeface="微软雅黑" panose="020B0503020204020204" charset="-122"/>
+            </a:endParaRPr>
+          </a:p>
+          <a:p>
+            <a:pPr indent="457200"/>
+            <a:endParaRPr lang="zh-CN" altLang="en-US" sz="1600" dirty="0">
+              <a:solidFill>
+                <a:schemeClr val="tx1"/>
+              </a:solidFill>
+              <a:latin typeface="微软雅黑" panose="020B0503020204020204" charset="-122"/>
+              <a:ea typeface="微软雅黑" panose="020B0503020204020204" charset="-122"/>
+            </a:endParaRPr>
+          </a:p>
+          <a:p>
+            <a:pPr indent="457200"/>
+            <a:endParaRPr lang="zh-CN" altLang="en-US" sz="1600" dirty="0">
+              <a:solidFill>
+                <a:schemeClr val="tx1"/>
+              </a:solidFill>
+              <a:latin typeface="微软雅黑" panose="020B0503020204020204" charset="-122"/>
+              <a:ea typeface="微软雅黑" panose="020B0503020204020204" charset="-122"/>
+            </a:endParaRPr>
+          </a:p>
+          <a:p>
+            <a:pPr indent="457200"/>
+            <a:endParaRPr lang="zh-CN" altLang="en-US" sz="1600" dirty="0">
+              <a:solidFill>
+                <a:schemeClr val="tx1"/>
+              </a:solidFill>
+              <a:latin typeface="微软雅黑" panose="020B0503020204020204" charset="-122"/>
+              <a:ea typeface="微软雅黑" panose="020B0503020204020204" charset="-122"/>
+            </a:endParaRPr>
+          </a:p>
+          <a:p>
+            <a:pPr indent="457200"/>
+            <a:r>
+              <a:rPr lang="zh-CN" altLang="en-US" sz="1600" dirty="0">
+                <a:solidFill>
+                  <a:schemeClr val="tx1"/>
+                </a:solidFill>
+                <a:latin typeface="微软雅黑" panose="020B0503020204020204" charset="-122"/>
+                <a:ea typeface="微软雅黑" panose="020B0503020204020204" charset="-122"/>
+              </a:rPr>
+              <a:t>整体结合了今年提出的多个优化方法来进行训练：</a:t>
+            </a:r>
+            <a:endParaRPr lang="zh-CN" altLang="en-US" sz="1600" dirty="0">
+              <a:solidFill>
+                <a:schemeClr val="tx1"/>
+              </a:solidFill>
+              <a:latin typeface="微软雅黑" panose="020B0503020204020204" charset="-122"/>
+              <a:ea typeface="微软雅黑" panose="020B0503020204020204" charset="-122"/>
+            </a:endParaRPr>
+          </a:p>
+          <a:p>
+            <a:pPr indent="457200"/>
+            <a:r>
+              <a:rPr lang="en-US" altLang="zh-CN" sz="1600" dirty="0">
+                <a:solidFill>
+                  <a:schemeClr val="tx1"/>
+                </a:solidFill>
+                <a:latin typeface="微软雅黑" panose="020B0503020204020204" charset="-122"/>
+                <a:ea typeface="微软雅黑" panose="020B0503020204020204" charset="-122"/>
+              </a:rPr>
+              <a:t>1.  </a:t>
+            </a:r>
+            <a:r>
+              <a:rPr lang="zh-CN" altLang="en-US" sz="1600" dirty="0">
+                <a:solidFill>
+                  <a:schemeClr val="tx1"/>
+                </a:solidFill>
+                <a:latin typeface="微软雅黑" panose="020B0503020204020204" charset="-122"/>
+                <a:ea typeface="微软雅黑" panose="020B0503020204020204" charset="-122"/>
+              </a:rPr>
+              <a:t>使用预归一化</a:t>
+            </a:r>
+            <a:endParaRPr lang="zh-CN" altLang="en-US" sz="1600" dirty="0">
+              <a:solidFill>
+                <a:schemeClr val="tx1"/>
+              </a:solidFill>
+              <a:latin typeface="微软雅黑" panose="020B0503020204020204" charset="-122"/>
+              <a:ea typeface="微软雅黑" panose="020B0503020204020204" charset="-122"/>
+            </a:endParaRPr>
+          </a:p>
+          <a:p>
+            <a:pPr indent="457200"/>
+            <a:r>
+              <a:rPr lang="en-US" altLang="zh-CN" sz="1600" dirty="0">
+                <a:solidFill>
+                  <a:schemeClr val="tx1"/>
+                </a:solidFill>
+                <a:latin typeface="微软雅黑" panose="020B0503020204020204" charset="-122"/>
+                <a:ea typeface="微软雅黑" panose="020B0503020204020204" charset="-122"/>
+              </a:rPr>
+              <a:t>2.  用 SwiGLU激活函数替代ReLU</a:t>
+            </a:r>
+            <a:endParaRPr lang="en-US" altLang="zh-CN" sz="1600" dirty="0">
+              <a:solidFill>
+                <a:schemeClr val="tx1"/>
+              </a:solidFill>
+              <a:latin typeface="微软雅黑" panose="020B0503020204020204" charset="-122"/>
+              <a:ea typeface="微软雅黑" panose="020B0503020204020204" charset="-122"/>
+            </a:endParaRPr>
+          </a:p>
+          <a:p>
+            <a:pPr indent="457200"/>
+            <a:r>
+              <a:rPr lang="en-US" altLang="zh-CN" sz="1600" dirty="0">
+                <a:solidFill>
+                  <a:schemeClr val="tx1"/>
+                </a:solidFill>
+                <a:latin typeface="微软雅黑" panose="020B0503020204020204" charset="-122"/>
+                <a:ea typeface="微软雅黑" panose="020B0503020204020204" charset="-122"/>
+              </a:rPr>
+              <a:t>3.  </a:t>
+            </a:r>
+            <a:r>
+              <a:rPr lang="zh-CN" altLang="en-US" sz="1600" dirty="0">
+                <a:solidFill>
+                  <a:schemeClr val="tx1"/>
+                </a:solidFill>
+                <a:latin typeface="微软雅黑" panose="020B0503020204020204" charset="-122"/>
+                <a:ea typeface="微软雅黑" panose="020B0503020204020204" charset="-122"/>
+              </a:rPr>
+              <a:t>使用</a:t>
+            </a:r>
+            <a:r>
+              <a:rPr lang="en-US" altLang="zh-CN" sz="1600" dirty="0">
+                <a:solidFill>
+                  <a:schemeClr val="tx1"/>
+                </a:solidFill>
+                <a:latin typeface="微软雅黑" panose="020B0503020204020204" charset="-122"/>
+                <a:ea typeface="微软雅黑" panose="020B0503020204020204" charset="-122"/>
+              </a:rPr>
+              <a:t>旋转嵌入</a:t>
+            </a:r>
+            <a:endParaRPr lang="en-US" altLang="zh-CN" sz="1600" dirty="0">
+              <a:solidFill>
+                <a:schemeClr val="tx1"/>
+              </a:solidFill>
+              <a:latin typeface="微软雅黑" panose="020B0503020204020204" charset="-122"/>
+              <a:ea typeface="微软雅黑" panose="020B0503020204020204" charset="-122"/>
+            </a:endParaRPr>
+          </a:p>
+          <a:p>
+            <a:pPr indent="457200"/>
+            <a:r>
+              <a:rPr lang="en-US" altLang="zh-CN" sz="1600" dirty="0">
+                <a:solidFill>
+                  <a:schemeClr val="tx1"/>
+                </a:solidFill>
+                <a:latin typeface="微软雅黑" panose="020B0503020204020204" charset="-122"/>
+                <a:ea typeface="微软雅黑" panose="020B0503020204020204" charset="-122"/>
+              </a:rPr>
+              <a:t>4.  </a:t>
+            </a:r>
+            <a:r>
+              <a:rPr lang="zh-CN" altLang="en-US" sz="1600" dirty="0">
+                <a:solidFill>
+                  <a:schemeClr val="tx1"/>
+                </a:solidFill>
+                <a:latin typeface="微软雅黑" panose="020B0503020204020204" charset="-122"/>
+                <a:ea typeface="微软雅黑" panose="020B0503020204020204" charset="-122"/>
+              </a:rPr>
+              <a:t>改用AdamW优化器</a:t>
+            </a:r>
+            <a:endParaRPr lang="zh-CN" altLang="en-US" sz="1600" dirty="0">
+              <a:solidFill>
+                <a:schemeClr val="tx1"/>
+              </a:solidFill>
+              <a:latin typeface="微软雅黑" panose="020B0503020204020204" charset="-122"/>
+              <a:ea typeface="微软雅黑" panose="020B0503020204020204" charset="-122"/>
+            </a:endParaRPr>
+          </a:p>
+          <a:p>
+            <a:pPr indent="457200"/>
+            <a:r>
+              <a:rPr lang="en-US" altLang="zh-CN" sz="1600" dirty="0">
+                <a:solidFill>
+                  <a:schemeClr val="tx1"/>
+                </a:solidFill>
+                <a:latin typeface="微软雅黑" panose="020B0503020204020204" charset="-122"/>
+                <a:ea typeface="微软雅黑" panose="020B0503020204020204" charset="-122"/>
+              </a:rPr>
+              <a:t>5.  高效自回归注意力</a:t>
+            </a:r>
+            <a:endParaRPr lang="en-US" altLang="zh-CN" sz="1600" dirty="0">
+              <a:solidFill>
+                <a:schemeClr val="tx1"/>
+              </a:solidFill>
+              <a:latin typeface="微软雅黑" panose="020B0503020204020204" charset="-122"/>
+              <a:ea typeface="微软雅黑" panose="020B0503020204020204" charset="-122"/>
+            </a:endParaRPr>
+          </a:p>
+          <a:p>
+            <a:pPr indent="457200"/>
+            <a:endParaRPr lang="zh-CN" altLang="en-US" sz="1600" dirty="0">
+              <a:solidFill>
+                <a:schemeClr val="tx1"/>
+              </a:solidFill>
+              <a:latin typeface="微软雅黑" panose="020B0503020204020204" charset="-122"/>
+              <a:ea typeface="微软雅黑" panose="020B0503020204020204" charset="-122"/>
+            </a:endParaRPr>
+          </a:p>
+          <a:p>
+            <a:pPr indent="457200"/>
+            <a:endParaRPr lang="zh-CN" altLang="en-US" sz="1600" dirty="0">
+              <a:solidFill>
+                <a:schemeClr val="tx1"/>
+              </a:solidFill>
+              <a:latin typeface="微软雅黑" panose="020B0503020204020204" charset="-122"/>
+              <a:ea typeface="微软雅黑" panose="020B0503020204020204" charset="-122"/>
+            </a:endParaRPr>
+          </a:p>
+          <a:p>
+            <a:pPr indent="457200"/>
+            <a:r>
+              <a:rPr lang="en-US" altLang="zh-CN" sz="1600" dirty="0">
+                <a:solidFill>
+                  <a:schemeClr val="tx1"/>
+                </a:solidFill>
+                <a:latin typeface="微软雅黑" panose="020B0503020204020204" charset="-122"/>
+                <a:ea typeface="微软雅黑" panose="020B0503020204020204" charset="-122"/>
+              </a:rPr>
+              <a:t>1.  </a:t>
+            </a:r>
+            <a:r>
+              <a:rPr lang="zh-CN" altLang="en-US" sz="1600" dirty="0">
+                <a:solidFill>
+                  <a:schemeClr val="tx1"/>
+                </a:solidFill>
+                <a:latin typeface="微软雅黑" panose="020B0503020204020204" charset="-122"/>
+                <a:ea typeface="微软雅黑" panose="020B0503020204020204" charset="-122"/>
+              </a:rPr>
+              <a:t>减少了模型训练量，助力了</a:t>
+            </a:r>
+            <a:r>
+              <a:rPr lang="en-US" altLang="zh-CN" sz="1600" dirty="0">
+                <a:solidFill>
+                  <a:schemeClr val="tx1"/>
+                </a:solidFill>
+                <a:latin typeface="微软雅黑" panose="020B0503020204020204" charset="-122"/>
+                <a:ea typeface="微软雅黑" panose="020B0503020204020204" charset="-122"/>
+              </a:rPr>
+              <a:t>“</a:t>
+            </a:r>
+            <a:r>
+              <a:rPr lang="zh-CN" altLang="en-US" sz="1600" dirty="0">
+                <a:solidFill>
+                  <a:schemeClr val="tx1"/>
+                </a:solidFill>
+                <a:latin typeface="微软雅黑" panose="020B0503020204020204" charset="-122"/>
+                <a:ea typeface="微软雅黑" panose="020B0503020204020204" charset="-122"/>
+              </a:rPr>
+              <a:t>低碳</a:t>
+            </a:r>
+            <a:r>
+              <a:rPr lang="en-US" altLang="zh-CN" sz="1600" dirty="0">
+                <a:solidFill>
+                  <a:schemeClr val="tx1"/>
+                </a:solidFill>
+                <a:latin typeface="微软雅黑" panose="020B0503020204020204" charset="-122"/>
+                <a:ea typeface="微软雅黑" panose="020B0503020204020204" charset="-122"/>
+              </a:rPr>
+              <a:t>ai”</a:t>
+            </a:r>
+            <a:r>
+              <a:rPr lang="zh-CN" altLang="en-US" sz="1600" dirty="0">
+                <a:solidFill>
+                  <a:schemeClr val="tx1"/>
+                </a:solidFill>
+                <a:latin typeface="微软雅黑" panose="020B0503020204020204" charset="-122"/>
+                <a:ea typeface="微软雅黑" panose="020B0503020204020204" charset="-122"/>
+              </a:rPr>
+              <a:t>实现</a:t>
+            </a:r>
+            <a:endParaRPr lang="zh-CN" altLang="en-US" sz="1600" dirty="0">
+              <a:solidFill>
+                <a:schemeClr val="tx1"/>
+              </a:solidFill>
+              <a:latin typeface="微软雅黑" panose="020B0503020204020204" charset="-122"/>
+              <a:ea typeface="微软雅黑" panose="020B0503020204020204" charset="-122"/>
+            </a:endParaRPr>
+          </a:p>
+          <a:p>
+            <a:pPr indent="457200"/>
+            <a:r>
+              <a:rPr lang="en-US" altLang="zh-CN" sz="1600" dirty="0">
+                <a:solidFill>
+                  <a:schemeClr val="tx1"/>
+                </a:solidFill>
+                <a:latin typeface="微软雅黑" panose="020B0503020204020204" charset="-122"/>
+                <a:ea typeface="微软雅黑" panose="020B0503020204020204" charset="-122"/>
+              </a:rPr>
+              <a:t>2.  </a:t>
+            </a:r>
+            <a:r>
+              <a:rPr lang="zh-CN" altLang="en-US" sz="1600" dirty="0">
+                <a:solidFill>
+                  <a:schemeClr val="tx1"/>
+                </a:solidFill>
+                <a:latin typeface="微软雅黑" panose="020B0503020204020204" charset="-122"/>
+                <a:ea typeface="微软雅黑" panose="020B0503020204020204" charset="-122"/>
+              </a:rPr>
+              <a:t>不使用私有的数据集，降低模型训练成本和兼容性</a:t>
+            </a:r>
+            <a:endParaRPr lang="zh-CN" altLang="en-US" sz="1600" dirty="0">
+              <a:solidFill>
+                <a:schemeClr val="tx1"/>
+              </a:solidFill>
+              <a:latin typeface="微软雅黑" panose="020B0503020204020204" charset="-122"/>
+              <a:ea typeface="微软雅黑" panose="020B0503020204020204" charset="-122"/>
+            </a:endParaRPr>
+          </a:p>
+          <a:p>
+            <a:pPr indent="457200"/>
+            <a:endParaRPr lang="en-US" altLang="zh-CN" sz="1600" dirty="0">
+              <a:solidFill>
+                <a:schemeClr val="tx1"/>
+              </a:solidFill>
+              <a:latin typeface="微软雅黑" panose="020B0503020204020204" charset="-122"/>
+              <a:ea typeface="微软雅黑" panose="020B0503020204020204" charset="-122"/>
+            </a:endParaRPr>
+          </a:p>
+          <a:p>
+            <a:pPr marL="0" lvl="0" indent="0">
+              <a:buNone/>
+            </a:pPr>
+            <a:endParaRPr lang="en-US" altLang="zh-CN" sz="1600" dirty="0">
+              <a:solidFill>
+                <a:schemeClr val="tx1"/>
+              </a:solidFill>
+              <a:latin typeface="微软雅黑" panose="020B0503020204020204" charset="-122"/>
+              <a:ea typeface="微软雅黑" panose="020B0503020204020204" charset="-122"/>
+            </a:endParaRPr>
+          </a:p>
+        </p:txBody>
+      </p:sp>
+    </p:spTree>
+  </p:cSld>
+  <p:clrMapOvr>
+    <a:masterClrMapping/>
+  </p:clrMapOvr>
+</p:sld>
+</file>
+
+<file path=ppt/slides/slide11.xml><?xml version="1.0" encoding="utf-8"?>
+<p:sld xmlns:a="http://schemas.openxmlformats.org/drawingml/2006/main" xmlns:r="http://schemas.openxmlformats.org/officeDocument/2006/relationships" xmlns:p="http://schemas.openxmlformats.org/presentationml/2006/main">
+  <p:cSld>
+    <p:spTree>
+      <p:nvGrpSpPr>
+        <p:cNvPr id="1" name=""/>
+        <p:cNvGrpSpPr/>
+        <p:nvPr/>
+      </p:nvGrpSpPr>
+      <p:grpSpPr>
+        <a:xfrm>
+          <a:off x="0" y="0"/>
+          <a:ext cx="0" cy="0"/>
+          <a:chOff x="0" y="0"/>
+          <a:chExt cx="0" cy="0"/>
+        </a:xfrm>
+      </p:grpSpPr>
+      <p:sp>
+        <p:nvSpPr>
+          <p:cNvPr id="13" name="文本框 12"/>
+          <p:cNvSpPr txBox="1"/>
+          <p:nvPr/>
+        </p:nvSpPr>
+        <p:spPr>
+          <a:xfrm>
+            <a:off x="106466" y="601786"/>
+            <a:ext cx="1541780" cy="398780"/>
+          </a:xfrm>
+          <a:prstGeom prst="rect">
+            <a:avLst/>
+          </a:prstGeom>
+          <a:noFill/>
+        </p:spPr>
+        <p:txBody>
+          <a:bodyPr wrap="none" rtlCol="0">
+            <a:spAutoFit/>
+          </a:bodyPr>
+          <a:lstStyle/>
+          <a:p>
+            <a:pPr marL="342900" indent="-342900" algn="l">
+              <a:buClrTx/>
+              <a:buSzTx/>
+              <a:buFont typeface="Wingdings" panose="05000000000000000000" charset="0"/>
+              <a:buChar char="n"/>
+            </a:pPr>
+            <a:r>
+              <a:rPr lang="zh-CN" altLang="en-US" sz="2000" b="1" dirty="0">
+                <a:latin typeface="微软雅黑" panose="020B0503020204020204" charset="-122"/>
+                <a:ea typeface="微软雅黑" panose="020B0503020204020204" charset="-122"/>
+              </a:rPr>
+              <a:t>训练数据</a:t>
+            </a:r>
+            <a:endParaRPr lang="zh-CN" altLang="en-US" sz="2000" b="1" dirty="0">
+              <a:latin typeface="微软雅黑" panose="020B0503020204020204" charset="-122"/>
+              <a:ea typeface="微软雅黑" panose="020B0503020204020204" charset="-122"/>
+            </a:endParaRPr>
+          </a:p>
+        </p:txBody>
+      </p:sp>
+      <p:sp>
+        <p:nvSpPr>
+          <p:cNvPr id="7" name="文本框 6"/>
+          <p:cNvSpPr txBox="1"/>
+          <p:nvPr/>
+        </p:nvSpPr>
+        <p:spPr>
+          <a:xfrm>
+            <a:off x="724535" y="1323340"/>
+            <a:ext cx="2247900" cy="410845"/>
+          </a:xfrm>
+          <a:prstGeom prst="rect">
+            <a:avLst/>
+          </a:prstGeom>
+          <a:noFill/>
+        </p:spPr>
+        <p:txBody>
+          <a:bodyPr wrap="square">
+            <a:noAutofit/>
+          </a:bodyPr>
+          <a:lstStyle/>
+          <a:p>
+            <a:pPr algn="l" fontAlgn="auto">
+              <a:lnSpc>
+                <a:spcPts val="2200"/>
+              </a:lnSpc>
+              <a:buClrTx/>
+              <a:buSzTx/>
+              <a:buNone/>
+            </a:pPr>
+            <a:endParaRPr lang="zh-CN" altLang="en-US" sz="1600" dirty="0">
+              <a:latin typeface="微软雅黑" panose="020B0503020204020204" charset="-122"/>
+              <a:ea typeface="微软雅黑" panose="020B0503020204020204" charset="-122"/>
+            </a:endParaRPr>
+          </a:p>
+        </p:txBody>
+      </p:sp>
+      <p:sp>
+        <p:nvSpPr>
+          <p:cNvPr id="3" name="矩形 2"/>
+          <p:cNvSpPr/>
+          <p:nvPr>
+            <p:custDataLst>
+              <p:tags r:id="rId1"/>
+            </p:custDataLst>
+          </p:nvPr>
+        </p:nvSpPr>
+        <p:spPr>
+          <a:xfrm>
+            <a:off x="-6350" y="0"/>
+            <a:ext cx="12198350" cy="540000"/>
+          </a:xfrm>
+          <a:prstGeom prst="rect">
+            <a:avLst/>
+          </a:prstGeom>
+          <a:solidFill>
+            <a:srgbClr val="A099CB"/>
+          </a:solidFill>
+          <a:ln>
+            <a:noFill/>
+          </a:ln>
+        </p:spPr>
+        <p:style>
+          <a:lnRef idx="2">
+            <a:schemeClr val="accent1">
+              <a:shade val="50000"/>
+            </a:schemeClr>
+          </a:lnRef>
+          <a:fillRef idx="1">
+            <a:schemeClr val="accent1"/>
+          </a:fillRef>
+          <a:effectRef idx="0">
+            <a:schemeClr val="accent1"/>
+          </a:effectRef>
+          <a:fontRef idx="minor">
+            <a:schemeClr val="lt1"/>
+          </a:fontRef>
+        </p:style>
+        <p:txBody>
+          <a:bodyPr rtlCol="0" anchor="ctr"/>
+          <a:p>
+            <a:pPr marL="0" marR="0" lvl="0" indent="0" algn="ctr" defTabSz="914400" rtl="0" eaLnBrk="1" fontAlgn="auto" latinLnBrk="0" hangingPunct="1">
+              <a:lnSpc>
+                <a:spcPct val="100000"/>
+              </a:lnSpc>
+              <a:spcBef>
+                <a:spcPts val="0"/>
+              </a:spcBef>
+              <a:spcAft>
+                <a:spcPts val="0"/>
+              </a:spcAft>
+              <a:buClrTx/>
+              <a:buSzTx/>
+              <a:buFontTx/>
+              <a:buNone/>
+              <a:defRPr/>
+            </a:pPr>
+            <a:r>
+              <a:rPr lang="en-US" altLang="zh-CN" dirty="0">
+                <a:effectLst/>
+                <a:latin typeface="微软雅黑" panose="020B0503020204020204" charset="-122"/>
+                <a:ea typeface="微软雅黑" panose="020B0503020204020204" charset="-122"/>
+                <a:sym typeface="+mn-ea"/>
+              </a:rPr>
+              <a:t>2.LLaMA: Open and Efficient Foundation Language Models</a:t>
+            </a:r>
+            <a:endParaRPr lang="en-US" altLang="zh-CN" dirty="0">
+              <a:effectLst/>
+              <a:latin typeface="微软雅黑" panose="020B0503020204020204" charset="-122"/>
+              <a:ea typeface="微软雅黑" panose="020B0503020204020204" charset="-122"/>
+            </a:endParaRPr>
+          </a:p>
+        </p:txBody>
+      </p:sp>
+      <p:sp>
+        <p:nvSpPr>
+          <p:cNvPr id="15" name="文本框 14"/>
+          <p:cNvSpPr txBox="1"/>
+          <p:nvPr>
+            <p:custDataLst>
+              <p:tags r:id="rId2"/>
+            </p:custDataLst>
+          </p:nvPr>
+        </p:nvSpPr>
+        <p:spPr>
+          <a:xfrm>
+            <a:off x="724535" y="890270"/>
+            <a:ext cx="2831465" cy="506730"/>
+          </a:xfrm>
+          <a:prstGeom prst="rect">
+            <a:avLst/>
+          </a:prstGeom>
+          <a:noFill/>
+        </p:spPr>
+        <p:txBody>
+          <a:bodyPr wrap="square" rtlCol="0">
+            <a:spAutoFit/>
+          </a:bodyPr>
+          <a:p>
+            <a:pPr marL="285750" indent="-285750">
+              <a:lnSpc>
+                <a:spcPct val="150000"/>
+              </a:lnSpc>
+              <a:buFont typeface="Wingdings" panose="05000000000000000000" charset="0"/>
+              <a:buChar char="p"/>
+            </a:pPr>
+            <a:r>
+              <a:rPr lang="zh-CN" altLang="en-US" b="1" dirty="0">
+                <a:latin typeface="微软雅黑" panose="020B0503020204020204" charset="-122"/>
+                <a:ea typeface="微软雅黑" panose="020B0503020204020204" charset="-122"/>
+              </a:rPr>
+              <a:t>数据内容：</a:t>
+            </a:r>
+            <a:endParaRPr lang="en-US" altLang="zh-CN" b="1" dirty="0">
+              <a:latin typeface="微软雅黑" panose="020B0503020204020204" charset="-122"/>
+              <a:ea typeface="微软雅黑" panose="020B0503020204020204" charset="-122"/>
+            </a:endParaRPr>
+          </a:p>
+        </p:txBody>
+      </p:sp>
+      <p:sp>
+        <p:nvSpPr>
+          <p:cNvPr id="2" name="文本框 1"/>
+          <p:cNvSpPr txBox="1"/>
+          <p:nvPr/>
+        </p:nvSpPr>
+        <p:spPr>
+          <a:xfrm>
+            <a:off x="1156335" y="1397000"/>
+            <a:ext cx="8864600" cy="583565"/>
+          </a:xfrm>
+          <a:prstGeom prst="rect">
+            <a:avLst/>
+          </a:prstGeom>
+        </p:spPr>
+        <p:txBody>
+          <a:bodyPr wrap="square">
+            <a:spAutoFit/>
+          </a:bodyPr>
+          <a:p>
+            <a:pPr marL="0" indent="0" algn="l"/>
+            <a:r>
+              <a:rPr lang="zh-CN" sz="1600" b="0" i="0" dirty="0">
+                <a:latin typeface="微软雅黑" panose="020B0503020204020204" charset="-122"/>
+                <a:ea typeface="微软雅黑" panose="020B0503020204020204" charset="-122"/>
+              </a:rPr>
+              <a:t>LLaMA模型的预训练数据集由多个公开可用的来源组成，这些数据覆盖了广泛的领域。所有数据源均为开源，以确保数据透明性和兼容性</a:t>
+            </a:r>
+            <a:endParaRPr lang="zh-CN" sz="1600" b="0" i="0" dirty="0">
+              <a:latin typeface="微软雅黑" panose="020B0503020204020204" charset="-122"/>
+              <a:ea typeface="微软雅黑" panose="020B0503020204020204" charset="-122"/>
+            </a:endParaRPr>
+          </a:p>
+        </p:txBody>
+      </p:sp>
+      <p:pic>
+        <p:nvPicPr>
+          <p:cNvPr id="4" name="图片 3"/>
+          <p:cNvPicPr>
+            <a:picLocks noChangeAspect="1"/>
+          </p:cNvPicPr>
+          <p:nvPr/>
+        </p:nvPicPr>
+        <p:blipFill>
+          <a:blip r:embed="rId3"/>
+          <a:stretch>
+            <a:fillRect/>
+          </a:stretch>
+        </p:blipFill>
+        <p:spPr>
+          <a:xfrm>
+            <a:off x="1156335" y="1980565"/>
+            <a:ext cx="4838700" cy="2609850"/>
+          </a:xfrm>
+          <a:prstGeom prst="rect">
+            <a:avLst/>
+          </a:prstGeom>
+        </p:spPr>
+      </p:pic>
+    </p:spTree>
+  </p:cSld>
+  <p:clrMapOvr>
+    <a:masterClrMapping/>
+  </p:clrMapOvr>
+</p:sld>
+</file>
+
+<file path=ppt/slides/slide12.xml><?xml version="1.0" encoding="utf-8"?>
+<p:sld xmlns:a="http://schemas.openxmlformats.org/drawingml/2006/main" xmlns:r="http://schemas.openxmlformats.org/officeDocument/2006/relationships" xmlns:p="http://schemas.openxmlformats.org/presentationml/2006/main">
+  <p:cSld>
+    <p:spTree>
+      <p:nvGrpSpPr>
+        <p:cNvPr id="1" name=""/>
+        <p:cNvGrpSpPr/>
+        <p:nvPr/>
+      </p:nvGrpSpPr>
+      <p:grpSpPr>
+        <a:xfrm>
+          <a:off x="0" y="0"/>
+          <a:ext cx="0" cy="0"/>
+          <a:chOff x="0" y="0"/>
+          <a:chExt cx="0" cy="0"/>
+        </a:xfrm>
+      </p:grpSpPr>
+      <p:sp>
+        <p:nvSpPr>
+          <p:cNvPr id="13" name="文本框 12"/>
+          <p:cNvSpPr txBox="1"/>
+          <p:nvPr/>
+        </p:nvSpPr>
+        <p:spPr>
+          <a:xfrm>
+            <a:off x="106466" y="601786"/>
+            <a:ext cx="1541780" cy="398780"/>
+          </a:xfrm>
+          <a:prstGeom prst="rect">
+            <a:avLst/>
+          </a:prstGeom>
+          <a:noFill/>
+        </p:spPr>
+        <p:txBody>
+          <a:bodyPr wrap="none" rtlCol="0">
+            <a:spAutoFit/>
+          </a:bodyPr>
+          <a:lstStyle/>
+          <a:p>
+            <a:pPr marL="342900" indent="-342900" algn="l">
+              <a:buClrTx/>
+              <a:buSzTx/>
+              <a:buFont typeface="Wingdings" panose="05000000000000000000" charset="0"/>
+              <a:buChar char="n"/>
+            </a:pPr>
+            <a:r>
+              <a:rPr lang="zh-CN" altLang="en-US" sz="2000" b="1" dirty="0">
+                <a:latin typeface="微软雅黑" panose="020B0503020204020204" charset="-122"/>
+                <a:ea typeface="微软雅黑" panose="020B0503020204020204" charset="-122"/>
+              </a:rPr>
+              <a:t>模型架构</a:t>
+            </a:r>
+            <a:endParaRPr lang="zh-CN" altLang="en-US" sz="2000" b="1" dirty="0">
+              <a:latin typeface="微软雅黑" panose="020B0503020204020204" charset="-122"/>
+              <a:ea typeface="微软雅黑" panose="020B0503020204020204" charset="-122"/>
+            </a:endParaRPr>
+          </a:p>
+        </p:txBody>
+      </p:sp>
+      <p:sp>
+        <p:nvSpPr>
+          <p:cNvPr id="7" name="文本框 6"/>
+          <p:cNvSpPr txBox="1"/>
+          <p:nvPr/>
+        </p:nvSpPr>
+        <p:spPr>
+          <a:xfrm>
+            <a:off x="724535" y="1323340"/>
+            <a:ext cx="2247900" cy="410845"/>
+          </a:xfrm>
+          <a:prstGeom prst="rect">
+            <a:avLst/>
+          </a:prstGeom>
+          <a:noFill/>
+        </p:spPr>
+        <p:txBody>
+          <a:bodyPr wrap="square">
+            <a:noAutofit/>
+          </a:bodyPr>
+          <a:lstStyle/>
+          <a:p>
+            <a:pPr algn="l" fontAlgn="auto">
+              <a:lnSpc>
+                <a:spcPts val="2200"/>
+              </a:lnSpc>
+              <a:buClrTx/>
+              <a:buSzTx/>
+              <a:buNone/>
+            </a:pPr>
+            <a:endParaRPr lang="zh-CN" altLang="en-US" sz="1600" dirty="0">
+              <a:latin typeface="微软雅黑" panose="020B0503020204020204" charset="-122"/>
+              <a:ea typeface="微软雅黑" panose="020B0503020204020204" charset="-122"/>
+            </a:endParaRPr>
+          </a:p>
+        </p:txBody>
+      </p:sp>
+      <p:sp>
+        <p:nvSpPr>
+          <p:cNvPr id="3" name="矩形 2"/>
+          <p:cNvSpPr/>
+          <p:nvPr>
+            <p:custDataLst>
+              <p:tags r:id="rId1"/>
+            </p:custDataLst>
+          </p:nvPr>
+        </p:nvSpPr>
+        <p:spPr>
+          <a:xfrm>
+            <a:off x="-6350" y="0"/>
+            <a:ext cx="12198350" cy="540000"/>
+          </a:xfrm>
+          <a:prstGeom prst="rect">
+            <a:avLst/>
+          </a:prstGeom>
+          <a:solidFill>
+            <a:srgbClr val="A099CB"/>
+          </a:solidFill>
+          <a:ln>
+            <a:noFill/>
+          </a:ln>
+        </p:spPr>
+        <p:style>
+          <a:lnRef idx="2">
+            <a:schemeClr val="accent1">
+              <a:shade val="50000"/>
+            </a:schemeClr>
+          </a:lnRef>
+          <a:fillRef idx="1">
+            <a:schemeClr val="accent1"/>
+          </a:fillRef>
+          <a:effectRef idx="0">
+            <a:schemeClr val="accent1"/>
+          </a:effectRef>
+          <a:fontRef idx="minor">
+            <a:schemeClr val="lt1"/>
+          </a:fontRef>
+        </p:style>
+        <p:txBody>
+          <a:bodyPr rtlCol="0" anchor="ctr"/>
+          <a:p>
+            <a:pPr marL="0" marR="0" lvl="0" indent="0" algn="ctr" defTabSz="914400" rtl="0" eaLnBrk="1" fontAlgn="auto" latinLnBrk="0" hangingPunct="1">
+              <a:lnSpc>
+                <a:spcPct val="100000"/>
+              </a:lnSpc>
+              <a:spcBef>
+                <a:spcPts val="0"/>
+              </a:spcBef>
+              <a:spcAft>
+                <a:spcPts val="0"/>
+              </a:spcAft>
+              <a:buClrTx/>
+              <a:buSzTx/>
+              <a:buFontTx/>
+              <a:buNone/>
+              <a:defRPr/>
+            </a:pPr>
+            <a:r>
+              <a:rPr lang="en-US" altLang="zh-CN" dirty="0">
+                <a:effectLst/>
+                <a:latin typeface="微软雅黑" panose="020B0503020204020204" charset="-122"/>
+                <a:ea typeface="微软雅黑" panose="020B0503020204020204" charset="-122"/>
+                <a:sym typeface="+mn-ea"/>
+              </a:rPr>
+              <a:t>2.LLaMA: Open and Efficient Foundation Language Models</a:t>
+            </a:r>
+            <a:endParaRPr lang="en-US" altLang="zh-CN" dirty="0">
+              <a:effectLst/>
+              <a:latin typeface="微软雅黑" panose="020B0503020204020204" charset="-122"/>
+              <a:ea typeface="微软雅黑" panose="020B0503020204020204" charset="-122"/>
+            </a:endParaRPr>
+          </a:p>
+        </p:txBody>
+      </p:sp>
+      <p:sp>
+        <p:nvSpPr>
+          <p:cNvPr id="15" name="文本框 14"/>
+          <p:cNvSpPr txBox="1"/>
+          <p:nvPr>
+            <p:custDataLst>
+              <p:tags r:id="rId2"/>
+            </p:custDataLst>
+          </p:nvPr>
+        </p:nvSpPr>
+        <p:spPr>
+          <a:xfrm>
+            <a:off x="724535" y="890270"/>
+            <a:ext cx="2831465" cy="506730"/>
+          </a:xfrm>
+          <a:prstGeom prst="rect">
+            <a:avLst/>
+          </a:prstGeom>
+          <a:noFill/>
+        </p:spPr>
+        <p:txBody>
+          <a:bodyPr wrap="square" rtlCol="0">
+            <a:spAutoFit/>
+          </a:bodyPr>
+          <a:p>
+            <a:pPr marL="285750" indent="-285750">
+              <a:lnSpc>
+                <a:spcPct val="150000"/>
+              </a:lnSpc>
+              <a:buFont typeface="Wingdings" panose="05000000000000000000" charset="0"/>
+              <a:buChar char="p"/>
+            </a:pPr>
+            <a:r>
+              <a:rPr lang="zh-CN" altLang="en-US" b="1" dirty="0">
+                <a:latin typeface="微软雅黑" panose="020B0503020204020204" charset="-122"/>
+                <a:ea typeface="微软雅黑" panose="020B0503020204020204" charset="-122"/>
+              </a:rPr>
+              <a:t>激活函数优化：</a:t>
+            </a:r>
+            <a:endParaRPr lang="en-US" altLang="zh-CN" b="1" dirty="0">
+              <a:latin typeface="微软雅黑" panose="020B0503020204020204" charset="-122"/>
+              <a:ea typeface="微软雅黑" panose="020B0503020204020204" charset="-122"/>
+            </a:endParaRPr>
+          </a:p>
+        </p:txBody>
+      </p:sp>
+      <p:sp>
+        <p:nvSpPr>
+          <p:cNvPr id="2" name="文本框 1"/>
+          <p:cNvSpPr txBox="1"/>
+          <p:nvPr/>
+        </p:nvSpPr>
+        <p:spPr>
+          <a:xfrm>
+            <a:off x="1156335" y="1397000"/>
+            <a:ext cx="8864600" cy="3046095"/>
+          </a:xfrm>
+          <a:prstGeom prst="rect">
+            <a:avLst/>
+          </a:prstGeom>
+        </p:spPr>
+        <p:txBody>
+          <a:bodyPr wrap="square">
+            <a:spAutoFit/>
+          </a:bodyPr>
+          <a:p>
+            <a:pPr marL="0" indent="0" algn="l"/>
+            <a:r>
+              <a:rPr lang="zh-CN" sz="1600" b="0" i="0" dirty="0">
+                <a:latin typeface="微软雅黑" panose="020B0503020204020204" charset="-122"/>
+                <a:ea typeface="微软雅黑" panose="020B0503020204020204" charset="-122"/>
+              </a:rPr>
+              <a:t>LLaMA采用 SwiGLU激活函数替代ReLU，以提升模型性能。这种激活函数在PaLM模型中首次提出，证明效果优越</a:t>
+            </a:r>
+            <a:endParaRPr lang="zh-CN" sz="1600" b="0" i="0" dirty="0">
+              <a:latin typeface="微软雅黑" panose="020B0503020204020204" charset="-122"/>
+              <a:ea typeface="微软雅黑" panose="020B0503020204020204" charset="-122"/>
+            </a:endParaRPr>
+          </a:p>
+          <a:p>
+            <a:pPr marL="0" indent="0" algn="l"/>
+            <a:endParaRPr lang="zh-CN" sz="1600" b="0" i="0" dirty="0">
+              <a:latin typeface="微软雅黑" panose="020B0503020204020204" charset="-122"/>
+              <a:ea typeface="微软雅黑" panose="020B0503020204020204" charset="-122"/>
+            </a:endParaRPr>
+          </a:p>
+          <a:p>
+            <a:pPr marL="0" indent="0" algn="l"/>
+            <a:endParaRPr lang="zh-CN" sz="1600" b="0" i="0" dirty="0">
+              <a:latin typeface="微软雅黑" panose="020B0503020204020204" charset="-122"/>
+              <a:ea typeface="微软雅黑" panose="020B0503020204020204" charset="-122"/>
+            </a:endParaRPr>
+          </a:p>
+          <a:p>
+            <a:pPr marL="0" indent="0" algn="l"/>
+            <a:endParaRPr lang="zh-CN" sz="1600" b="0" i="0" dirty="0">
+              <a:latin typeface="微软雅黑" panose="020B0503020204020204" charset="-122"/>
+              <a:ea typeface="微软雅黑" panose="020B0503020204020204" charset="-122"/>
+            </a:endParaRPr>
+          </a:p>
+          <a:p>
+            <a:pPr marL="0" indent="0" algn="l"/>
+            <a:endParaRPr lang="zh-CN" sz="1600" b="0" i="0" dirty="0">
+              <a:latin typeface="微软雅黑" panose="020B0503020204020204" charset="-122"/>
+              <a:ea typeface="微软雅黑" panose="020B0503020204020204" charset="-122"/>
+            </a:endParaRPr>
+          </a:p>
+          <a:p>
+            <a:pPr marL="0" indent="0" algn="l"/>
+            <a:r>
+              <a:rPr lang="zh-CN" sz="1600" b="0" i="0" dirty="0">
+                <a:latin typeface="微软雅黑" panose="020B0503020204020204" charset="-122"/>
+                <a:ea typeface="微软雅黑" panose="020B0503020204020204" charset="-122"/>
+              </a:rPr>
+              <a:t>SwiGLU 在执行计算时会对输入数据先通过一个 Swish 函数，然后再与另一个线性变换结果相乘。GLU 门控机制是用来控制哪些信息通过，哪些信息被屏蔽，从而提升模型的表现</a:t>
+            </a:r>
+            <a:endParaRPr lang="zh-CN" sz="1600" b="0" i="0" dirty="0">
+              <a:latin typeface="微软雅黑" panose="020B0503020204020204" charset="-122"/>
+              <a:ea typeface="微软雅黑" panose="020B0503020204020204" charset="-122"/>
+            </a:endParaRPr>
+          </a:p>
+          <a:p>
+            <a:pPr marL="0" indent="0" algn="l"/>
+            <a:endParaRPr lang="zh-CN" sz="1600" b="0" i="0" dirty="0">
+              <a:latin typeface="微软雅黑" panose="020B0503020204020204" charset="-122"/>
+              <a:ea typeface="微软雅黑" panose="020B0503020204020204" charset="-122"/>
+            </a:endParaRPr>
+          </a:p>
+          <a:p>
+            <a:pPr marL="0" indent="0" algn="l"/>
+            <a:r>
+              <a:rPr lang="zh-CN" sz="1600" b="0" i="0" dirty="0">
+                <a:latin typeface="微软雅黑" panose="020B0503020204020204" charset="-122"/>
+                <a:ea typeface="微软雅黑" panose="020B0503020204020204" charset="-122"/>
+              </a:rPr>
+              <a:t>解决了</a:t>
+            </a:r>
+            <a:r>
+              <a:rPr lang="en-US" altLang="zh-CN" sz="1600" b="0" i="0" dirty="0">
+                <a:latin typeface="微软雅黑" panose="020B0503020204020204" charset="-122"/>
+                <a:ea typeface="微软雅黑" panose="020B0503020204020204" charset="-122"/>
+              </a:rPr>
+              <a:t>ReLU</a:t>
+            </a:r>
+            <a:r>
+              <a:rPr lang="zh-CN" altLang="en-US" sz="1600" b="0" i="0" dirty="0">
+                <a:latin typeface="微软雅黑" panose="020B0503020204020204" charset="-122"/>
+                <a:ea typeface="微软雅黑" panose="020B0503020204020204" charset="-122"/>
+              </a:rPr>
+              <a:t>的：</a:t>
+            </a:r>
+            <a:endParaRPr lang="zh-CN" altLang="en-US" sz="1600" b="0" i="0" dirty="0">
+              <a:latin typeface="微软雅黑" panose="020B0503020204020204" charset="-122"/>
+              <a:ea typeface="微软雅黑" panose="020B0503020204020204" charset="-122"/>
+            </a:endParaRPr>
+          </a:p>
+          <a:p>
+            <a:pPr marL="0" indent="457200" algn="l"/>
+            <a:r>
+              <a:rPr lang="zh-CN" sz="1600" b="0" i="0" dirty="0">
+                <a:latin typeface="微软雅黑" panose="020B0503020204020204" charset="-122"/>
+                <a:ea typeface="微软雅黑" panose="020B0503020204020204" charset="-122"/>
+              </a:rPr>
+              <a:t>对于负值输入，ReLU直接输出0，这可能导致部分神经元“死亡”（即永远不会被激活）</a:t>
+            </a:r>
+            <a:endParaRPr lang="zh-CN" sz="1600" b="0" i="0" dirty="0">
+              <a:latin typeface="微软雅黑" panose="020B0503020204020204" charset="-122"/>
+              <a:ea typeface="微软雅黑" panose="020B0503020204020204" charset="-122"/>
+            </a:endParaRPr>
+          </a:p>
+          <a:p>
+            <a:pPr marL="0" indent="0" algn="l"/>
+            <a:endParaRPr lang="zh-CN" sz="1600" b="0" i="0" dirty="0">
+              <a:latin typeface="微软雅黑" panose="020B0503020204020204" charset="-122"/>
+              <a:ea typeface="微软雅黑" panose="020B0503020204020204" charset="-122"/>
+            </a:endParaRPr>
+          </a:p>
+        </p:txBody>
+      </p:sp>
+      <p:pic>
+        <p:nvPicPr>
+          <p:cNvPr id="5" name="图片 4"/>
+          <p:cNvPicPr>
+            <a:picLocks noChangeAspect="1"/>
+          </p:cNvPicPr>
+          <p:nvPr/>
+        </p:nvPicPr>
+        <p:blipFill>
+          <a:blip r:embed="rId3"/>
+          <a:stretch>
+            <a:fillRect/>
+          </a:stretch>
+        </p:blipFill>
+        <p:spPr>
+          <a:xfrm>
+            <a:off x="1785620" y="2162810"/>
+            <a:ext cx="5245100" cy="558800"/>
+          </a:xfrm>
+          <a:prstGeom prst="rect">
+            <a:avLst/>
+          </a:prstGeom>
+        </p:spPr>
+      </p:pic>
+    </p:spTree>
+  </p:cSld>
+  <p:clrMapOvr>
+    <a:masterClrMapping/>
+  </p:clrMapOvr>
+</p:sld>
+</file>
+
+<file path=ppt/slides/slide13.xml><?xml version="1.0" encoding="utf-8"?>
+<p:sld xmlns:a="http://schemas.openxmlformats.org/drawingml/2006/main" xmlns:r="http://schemas.openxmlformats.org/officeDocument/2006/relationships" xmlns:p="http://schemas.openxmlformats.org/presentationml/2006/main">
+  <p:cSld>
+    <p:spTree>
+      <p:nvGrpSpPr>
+        <p:cNvPr id="1" name=""/>
+        <p:cNvGrpSpPr/>
+        <p:nvPr/>
+      </p:nvGrpSpPr>
+      <p:grpSpPr>
+        <a:xfrm>
+          <a:off x="0" y="0"/>
+          <a:ext cx="0" cy="0"/>
+          <a:chOff x="0" y="0"/>
+          <a:chExt cx="0" cy="0"/>
+        </a:xfrm>
+      </p:grpSpPr>
+      <p:sp>
+        <p:nvSpPr>
+          <p:cNvPr id="13" name="文本框 12"/>
+          <p:cNvSpPr txBox="1"/>
+          <p:nvPr/>
+        </p:nvSpPr>
+        <p:spPr>
+          <a:xfrm>
+            <a:off x="106466" y="601786"/>
+            <a:ext cx="1541780" cy="398780"/>
+          </a:xfrm>
+          <a:prstGeom prst="rect">
+            <a:avLst/>
+          </a:prstGeom>
+          <a:noFill/>
+        </p:spPr>
+        <p:txBody>
+          <a:bodyPr wrap="none" rtlCol="0">
+            <a:spAutoFit/>
+          </a:bodyPr>
+          <a:lstStyle/>
+          <a:p>
+            <a:pPr marL="342900" indent="-342900" algn="l">
+              <a:buClrTx/>
+              <a:buSzTx/>
+              <a:buFont typeface="Wingdings" panose="05000000000000000000" charset="0"/>
+              <a:buChar char="n"/>
+            </a:pPr>
+            <a:r>
+              <a:rPr lang="zh-CN" altLang="en-US" sz="2000" b="1" dirty="0">
+                <a:latin typeface="微软雅黑" panose="020B0503020204020204" charset="-122"/>
+                <a:ea typeface="微软雅黑" panose="020B0503020204020204" charset="-122"/>
+              </a:rPr>
+              <a:t>模型架构</a:t>
+            </a:r>
+            <a:endParaRPr lang="zh-CN" altLang="en-US" sz="2000" b="1" dirty="0">
+              <a:latin typeface="微软雅黑" panose="020B0503020204020204" charset="-122"/>
+              <a:ea typeface="微软雅黑" panose="020B0503020204020204" charset="-122"/>
+            </a:endParaRPr>
+          </a:p>
+        </p:txBody>
+      </p:sp>
+      <p:sp>
+        <p:nvSpPr>
+          <p:cNvPr id="7" name="文本框 6"/>
+          <p:cNvSpPr txBox="1"/>
+          <p:nvPr/>
+        </p:nvSpPr>
+        <p:spPr>
+          <a:xfrm>
+            <a:off x="724535" y="1323340"/>
+            <a:ext cx="2247900" cy="410845"/>
+          </a:xfrm>
+          <a:prstGeom prst="rect">
+            <a:avLst/>
+          </a:prstGeom>
+          <a:noFill/>
+        </p:spPr>
+        <p:txBody>
+          <a:bodyPr wrap="square">
+            <a:noAutofit/>
+          </a:bodyPr>
+          <a:lstStyle/>
+          <a:p>
+            <a:pPr algn="l" fontAlgn="auto">
+              <a:lnSpc>
+                <a:spcPts val="2200"/>
+              </a:lnSpc>
+              <a:buClrTx/>
+              <a:buSzTx/>
+              <a:buNone/>
+            </a:pPr>
+            <a:endParaRPr lang="zh-CN" altLang="en-US" sz="1600" dirty="0">
+              <a:latin typeface="微软雅黑" panose="020B0503020204020204" charset="-122"/>
+              <a:ea typeface="微软雅黑" panose="020B0503020204020204" charset="-122"/>
+            </a:endParaRPr>
+          </a:p>
+        </p:txBody>
+      </p:sp>
+      <p:sp>
+        <p:nvSpPr>
+          <p:cNvPr id="3" name="矩形 2"/>
+          <p:cNvSpPr/>
+          <p:nvPr>
+            <p:custDataLst>
+              <p:tags r:id="rId1"/>
+            </p:custDataLst>
+          </p:nvPr>
+        </p:nvSpPr>
+        <p:spPr>
+          <a:xfrm>
+            <a:off x="-6350" y="0"/>
+            <a:ext cx="12198350" cy="540000"/>
+          </a:xfrm>
+          <a:prstGeom prst="rect">
+            <a:avLst/>
+          </a:prstGeom>
+          <a:solidFill>
+            <a:srgbClr val="A099CB"/>
+          </a:solidFill>
+          <a:ln>
+            <a:noFill/>
+          </a:ln>
+        </p:spPr>
+        <p:style>
+          <a:lnRef idx="2">
+            <a:schemeClr val="accent1">
+              <a:shade val="50000"/>
+            </a:schemeClr>
+          </a:lnRef>
+          <a:fillRef idx="1">
+            <a:schemeClr val="accent1"/>
+          </a:fillRef>
+          <a:effectRef idx="0">
+            <a:schemeClr val="accent1"/>
+          </a:effectRef>
+          <a:fontRef idx="minor">
+            <a:schemeClr val="lt1"/>
+          </a:fontRef>
+        </p:style>
+        <p:txBody>
+          <a:bodyPr rtlCol="0" anchor="ctr"/>
+          <a:p>
+            <a:pPr marL="0" marR="0" lvl="0" indent="0" algn="ctr" defTabSz="914400" rtl="0" eaLnBrk="1" fontAlgn="auto" latinLnBrk="0" hangingPunct="1">
+              <a:lnSpc>
+                <a:spcPct val="100000"/>
+              </a:lnSpc>
+              <a:spcBef>
+                <a:spcPts val="0"/>
+              </a:spcBef>
+              <a:spcAft>
+                <a:spcPts val="0"/>
+              </a:spcAft>
+              <a:buClrTx/>
+              <a:buSzTx/>
+              <a:buFontTx/>
+              <a:buNone/>
+              <a:defRPr/>
+            </a:pPr>
+            <a:r>
+              <a:rPr lang="en-US" altLang="zh-CN" dirty="0">
+                <a:effectLst/>
+                <a:latin typeface="微软雅黑" panose="020B0503020204020204" charset="-122"/>
+                <a:ea typeface="微软雅黑" panose="020B0503020204020204" charset="-122"/>
+                <a:sym typeface="+mn-ea"/>
+              </a:rPr>
+              <a:t>2.LLaMA: Open and Efficient Foundation Language Models</a:t>
+            </a:r>
+            <a:endParaRPr lang="en-US" altLang="zh-CN" dirty="0">
+              <a:effectLst/>
+              <a:latin typeface="微软雅黑" panose="020B0503020204020204" charset="-122"/>
+              <a:ea typeface="微软雅黑" panose="020B0503020204020204" charset="-122"/>
+            </a:endParaRPr>
+          </a:p>
+        </p:txBody>
+      </p:sp>
+      <p:sp>
+        <p:nvSpPr>
+          <p:cNvPr id="15" name="文本框 14"/>
+          <p:cNvSpPr txBox="1"/>
+          <p:nvPr>
+            <p:custDataLst>
+              <p:tags r:id="rId2"/>
+            </p:custDataLst>
+          </p:nvPr>
+        </p:nvSpPr>
+        <p:spPr>
+          <a:xfrm>
+            <a:off x="724535" y="890270"/>
+            <a:ext cx="2831465" cy="506730"/>
+          </a:xfrm>
+          <a:prstGeom prst="rect">
+            <a:avLst/>
+          </a:prstGeom>
+          <a:noFill/>
+        </p:spPr>
+        <p:txBody>
+          <a:bodyPr wrap="square" rtlCol="0">
+            <a:spAutoFit/>
+          </a:bodyPr>
+          <a:p>
+            <a:pPr marL="285750" indent="-285750">
+              <a:lnSpc>
+                <a:spcPct val="150000"/>
+              </a:lnSpc>
+              <a:buFont typeface="Wingdings" panose="05000000000000000000" charset="0"/>
+              <a:buChar char="p"/>
+            </a:pPr>
+            <a:r>
+              <a:rPr lang="zh-CN" altLang="en-US" b="1" dirty="0">
+                <a:latin typeface="微软雅黑" panose="020B0503020204020204" charset="-122"/>
+                <a:ea typeface="微软雅黑" panose="020B0503020204020204" charset="-122"/>
+              </a:rPr>
+              <a:t>优化器优化：</a:t>
+            </a:r>
+            <a:endParaRPr lang="en-US" altLang="zh-CN" b="1" dirty="0">
+              <a:latin typeface="微软雅黑" panose="020B0503020204020204" charset="-122"/>
+              <a:ea typeface="微软雅黑" panose="020B0503020204020204" charset="-122"/>
+            </a:endParaRPr>
+          </a:p>
+        </p:txBody>
+      </p:sp>
+      <p:sp>
+        <p:nvSpPr>
+          <p:cNvPr id="2" name="文本框 1"/>
+          <p:cNvSpPr txBox="1"/>
+          <p:nvPr/>
+        </p:nvSpPr>
+        <p:spPr>
+          <a:xfrm>
+            <a:off x="1156335" y="1397000"/>
+            <a:ext cx="8864600" cy="4030980"/>
+          </a:xfrm>
+          <a:prstGeom prst="rect">
+            <a:avLst/>
+          </a:prstGeom>
+        </p:spPr>
+        <p:txBody>
+          <a:bodyPr wrap="square">
+            <a:spAutoFit/>
+          </a:bodyPr>
+          <a:p>
+            <a:pPr marL="0" indent="0" algn="l"/>
+            <a:r>
+              <a:rPr lang="zh-CN" sz="1600" b="0" i="0" dirty="0">
+                <a:latin typeface="微软雅黑" panose="020B0503020204020204" charset="-122"/>
+                <a:ea typeface="微软雅黑" panose="020B0503020204020204" charset="-122"/>
+              </a:rPr>
+              <a:t>LLaMA使用 AdamW 优化器进行训练，并通过学习率余弦调度策略来控制训练过程中的学习率。此外，权重衰减和梯度剪裁也被用于确保训练的稳定性</a:t>
+            </a:r>
+            <a:endParaRPr lang="zh-CN" sz="1600" b="0" i="0" dirty="0">
+              <a:latin typeface="微软雅黑" panose="020B0503020204020204" charset="-122"/>
+              <a:ea typeface="微软雅黑" panose="020B0503020204020204" charset="-122"/>
+            </a:endParaRPr>
+          </a:p>
+          <a:p>
+            <a:pPr marL="0" indent="0" algn="l"/>
+            <a:endParaRPr lang="zh-CN" sz="1600" b="0" i="0" dirty="0">
+              <a:latin typeface="微软雅黑" panose="020B0503020204020204" charset="-122"/>
+              <a:ea typeface="微软雅黑" panose="020B0503020204020204" charset="-122"/>
+            </a:endParaRPr>
+          </a:p>
+          <a:p>
+            <a:pPr marL="0" indent="0" algn="l"/>
+            <a:endParaRPr lang="zh-CN" sz="1600" b="0" i="0" dirty="0">
+              <a:latin typeface="微软雅黑" panose="020B0503020204020204" charset="-122"/>
+              <a:ea typeface="微软雅黑" panose="020B0503020204020204" charset="-122"/>
+            </a:endParaRPr>
+          </a:p>
+          <a:p>
+            <a:pPr marL="0" indent="0" algn="l"/>
+            <a:endParaRPr lang="zh-CN" sz="1600" b="0" i="0" dirty="0">
+              <a:latin typeface="微软雅黑" panose="020B0503020204020204" charset="-122"/>
+              <a:ea typeface="微软雅黑" panose="020B0503020204020204" charset="-122"/>
+            </a:endParaRPr>
+          </a:p>
+          <a:p>
+            <a:pPr marL="0" indent="0" algn="l"/>
+            <a:endParaRPr lang="zh-CN" sz="1600" b="0" i="0" dirty="0">
+              <a:latin typeface="微软雅黑" panose="020B0503020204020204" charset="-122"/>
+              <a:ea typeface="微软雅黑" panose="020B0503020204020204" charset="-122"/>
+            </a:endParaRPr>
+          </a:p>
+          <a:p>
+            <a:pPr marL="0" indent="0" algn="l"/>
+            <a:endParaRPr lang="zh-CN" sz="1600" b="0" i="0" dirty="0">
+              <a:latin typeface="微软雅黑" panose="020B0503020204020204" charset="-122"/>
+              <a:ea typeface="微软雅黑" panose="020B0503020204020204" charset="-122"/>
+            </a:endParaRPr>
+          </a:p>
+          <a:p>
+            <a:pPr marL="0" indent="0" algn="l"/>
+            <a:endParaRPr lang="zh-CN" sz="1600" b="0" i="0" dirty="0">
+              <a:latin typeface="微软雅黑" panose="020B0503020204020204" charset="-122"/>
+              <a:ea typeface="微软雅黑" panose="020B0503020204020204" charset="-122"/>
+            </a:endParaRPr>
+          </a:p>
+          <a:p>
+            <a:pPr marL="0" indent="0" algn="l"/>
+            <a:endParaRPr lang="zh-CN" sz="1600" b="0" i="0" dirty="0">
+              <a:latin typeface="微软雅黑" panose="020B0503020204020204" charset="-122"/>
+              <a:ea typeface="微软雅黑" panose="020B0503020204020204" charset="-122"/>
+            </a:endParaRPr>
+          </a:p>
+          <a:p>
+            <a:pPr marL="0" indent="0" algn="l"/>
+            <a:endParaRPr lang="zh-CN" sz="1600" b="0" i="0" dirty="0">
+              <a:latin typeface="微软雅黑" panose="020B0503020204020204" charset="-122"/>
+              <a:ea typeface="微软雅黑" panose="020B0503020204020204" charset="-122"/>
+            </a:endParaRPr>
+          </a:p>
+          <a:p>
+            <a:pPr marL="0" indent="0" algn="l"/>
+            <a:endParaRPr lang="zh-CN" sz="1600" b="0" i="0" dirty="0">
+              <a:latin typeface="微软雅黑" panose="020B0503020204020204" charset="-122"/>
+              <a:ea typeface="微软雅黑" panose="020B0503020204020204" charset="-122"/>
+            </a:endParaRPr>
+          </a:p>
+          <a:p>
+            <a:pPr marL="0" indent="0" algn="l"/>
+            <a:endParaRPr lang="zh-CN" sz="1600" b="0" i="0" dirty="0">
+              <a:latin typeface="微软雅黑" panose="020B0503020204020204" charset="-122"/>
+              <a:ea typeface="微软雅黑" panose="020B0503020204020204" charset="-122"/>
+            </a:endParaRPr>
+          </a:p>
+          <a:p>
+            <a:pPr marL="0" indent="0" algn="l"/>
+            <a:r>
+              <a:rPr lang="zh-CN" sz="1600" b="0" i="0" dirty="0">
+                <a:latin typeface="微软雅黑" panose="020B0503020204020204" charset="-122"/>
+                <a:ea typeface="微软雅黑" panose="020B0503020204020204" charset="-122"/>
+              </a:rPr>
+              <a:t>AdamW能够更好地控制权重衰减，防止模型过拟合</a:t>
+            </a:r>
+            <a:endParaRPr lang="zh-CN" sz="1600" b="0" i="0" dirty="0">
+              <a:latin typeface="微软雅黑" panose="020B0503020204020204" charset="-122"/>
+              <a:ea typeface="微软雅黑" panose="020B0503020204020204" charset="-122"/>
+            </a:endParaRPr>
+          </a:p>
+          <a:p>
+            <a:pPr marL="0" indent="0" algn="l"/>
+            <a:endParaRPr lang="zh-CN" sz="1600" b="0" i="0" dirty="0">
+              <a:latin typeface="微软雅黑" panose="020B0503020204020204" charset="-122"/>
+              <a:ea typeface="微软雅黑" panose="020B0503020204020204" charset="-122"/>
+            </a:endParaRPr>
+          </a:p>
+          <a:p>
+            <a:pPr marL="0" indent="0" algn="l"/>
+            <a:endParaRPr lang="zh-CN" sz="1600" b="0" i="0" dirty="0">
+              <a:latin typeface="微软雅黑" panose="020B0503020204020204" charset="-122"/>
+              <a:ea typeface="微软雅黑" panose="020B0503020204020204" charset="-122"/>
+            </a:endParaRPr>
+          </a:p>
+          <a:p>
+            <a:pPr marL="0" indent="0" algn="l"/>
+            <a:endParaRPr lang="zh-CN" sz="1600" b="0" i="0" dirty="0">
+              <a:latin typeface="微软雅黑" panose="020B0503020204020204" charset="-122"/>
+              <a:ea typeface="微软雅黑" panose="020B0503020204020204" charset="-122"/>
+            </a:endParaRPr>
+          </a:p>
+        </p:txBody>
+      </p:sp>
+      <p:pic>
+        <p:nvPicPr>
+          <p:cNvPr id="4" name="图片 3"/>
+          <p:cNvPicPr>
+            <a:picLocks noChangeAspect="1"/>
+          </p:cNvPicPr>
+          <p:nvPr/>
+        </p:nvPicPr>
+        <p:blipFill>
+          <a:blip r:embed="rId3"/>
+          <a:stretch>
+            <a:fillRect/>
+          </a:stretch>
+        </p:blipFill>
+        <p:spPr>
+          <a:xfrm>
+            <a:off x="1514475" y="2056765"/>
+            <a:ext cx="4514850" cy="2324100"/>
+          </a:xfrm>
+          <a:prstGeom prst="rect">
+            <a:avLst/>
+          </a:prstGeom>
+        </p:spPr>
+      </p:pic>
+    </p:spTree>
+  </p:cSld>
+  <p:clrMapOvr>
+    <a:masterClrMapping/>
+  </p:clrMapOvr>
+</p:sld>
+</file>
+
+<file path=ppt/slides/slide14.xml><?xml version="1.0" encoding="utf-8"?>
+<p:sld xmlns:a="http://schemas.openxmlformats.org/drawingml/2006/main" xmlns:r="http://schemas.openxmlformats.org/officeDocument/2006/relationships" xmlns:p="http://schemas.openxmlformats.org/presentationml/2006/main">
+  <p:cSld>
+    <p:spTree>
+      <p:nvGrpSpPr>
+        <p:cNvPr id="1" name=""/>
+        <p:cNvGrpSpPr/>
+        <p:nvPr/>
+      </p:nvGrpSpPr>
+      <p:grpSpPr>
+        <a:xfrm>
+          <a:off x="0" y="0"/>
+          <a:ext cx="0" cy="0"/>
+          <a:chOff x="0" y="0"/>
+          <a:chExt cx="0" cy="0"/>
+        </a:xfrm>
+      </p:grpSpPr>
+      <p:sp>
+        <p:nvSpPr>
+          <p:cNvPr id="13" name="文本框 12"/>
+          <p:cNvSpPr txBox="1"/>
+          <p:nvPr/>
+        </p:nvSpPr>
+        <p:spPr>
+          <a:xfrm>
+            <a:off x="106466" y="601786"/>
+            <a:ext cx="1541780" cy="398780"/>
+          </a:xfrm>
+          <a:prstGeom prst="rect">
+            <a:avLst/>
+          </a:prstGeom>
+          <a:noFill/>
+        </p:spPr>
+        <p:txBody>
+          <a:bodyPr wrap="none" rtlCol="0">
+            <a:spAutoFit/>
+          </a:bodyPr>
+          <a:lstStyle/>
+          <a:p>
+            <a:pPr marL="342900" indent="-342900" algn="l">
+              <a:buClrTx/>
+              <a:buSzTx/>
+              <a:buFont typeface="Wingdings" panose="05000000000000000000" charset="0"/>
+              <a:buChar char="n"/>
+            </a:pPr>
+            <a:r>
+              <a:rPr lang="zh-CN" altLang="en-US" sz="2000" b="1" dirty="0">
+                <a:latin typeface="微软雅黑" panose="020B0503020204020204" charset="-122"/>
+                <a:ea typeface="微软雅黑" panose="020B0503020204020204" charset="-122"/>
+              </a:rPr>
+              <a:t>模型架构</a:t>
+            </a:r>
+            <a:endParaRPr lang="zh-CN" altLang="en-US" sz="2000" b="1" dirty="0">
+              <a:latin typeface="微软雅黑" panose="020B0503020204020204" charset="-122"/>
+              <a:ea typeface="微软雅黑" panose="020B0503020204020204" charset="-122"/>
+            </a:endParaRPr>
+          </a:p>
+        </p:txBody>
+      </p:sp>
+      <p:sp>
+        <p:nvSpPr>
+          <p:cNvPr id="7" name="文本框 6"/>
+          <p:cNvSpPr txBox="1"/>
+          <p:nvPr/>
+        </p:nvSpPr>
+        <p:spPr>
+          <a:xfrm>
+            <a:off x="724535" y="1323340"/>
+            <a:ext cx="2247900" cy="410845"/>
+          </a:xfrm>
+          <a:prstGeom prst="rect">
+            <a:avLst/>
+          </a:prstGeom>
+          <a:noFill/>
+        </p:spPr>
+        <p:txBody>
+          <a:bodyPr wrap="square">
+            <a:noAutofit/>
+          </a:bodyPr>
+          <a:lstStyle/>
+          <a:p>
+            <a:pPr algn="l" fontAlgn="auto">
+              <a:lnSpc>
+                <a:spcPts val="2200"/>
+              </a:lnSpc>
+              <a:buClrTx/>
+              <a:buSzTx/>
+              <a:buNone/>
+            </a:pPr>
+            <a:endParaRPr lang="zh-CN" altLang="en-US" sz="1600" dirty="0">
+              <a:latin typeface="微软雅黑" panose="020B0503020204020204" charset="-122"/>
+              <a:ea typeface="微软雅黑" panose="020B0503020204020204" charset="-122"/>
+            </a:endParaRPr>
+          </a:p>
+        </p:txBody>
+      </p:sp>
+      <p:sp>
+        <p:nvSpPr>
+          <p:cNvPr id="3" name="矩形 2"/>
+          <p:cNvSpPr/>
+          <p:nvPr>
+            <p:custDataLst>
+              <p:tags r:id="rId1"/>
+            </p:custDataLst>
+          </p:nvPr>
+        </p:nvSpPr>
+        <p:spPr>
+          <a:xfrm>
+            <a:off x="-6350" y="0"/>
+            <a:ext cx="12198350" cy="540000"/>
+          </a:xfrm>
+          <a:prstGeom prst="rect">
+            <a:avLst/>
+          </a:prstGeom>
+          <a:solidFill>
+            <a:srgbClr val="A099CB"/>
+          </a:solidFill>
+          <a:ln>
+            <a:noFill/>
+          </a:ln>
+        </p:spPr>
+        <p:style>
+          <a:lnRef idx="2">
+            <a:schemeClr val="accent1">
+              <a:shade val="50000"/>
+            </a:schemeClr>
+          </a:lnRef>
+          <a:fillRef idx="1">
+            <a:schemeClr val="accent1"/>
+          </a:fillRef>
+          <a:effectRef idx="0">
+            <a:schemeClr val="accent1"/>
+          </a:effectRef>
+          <a:fontRef idx="minor">
+            <a:schemeClr val="lt1"/>
+          </a:fontRef>
+        </p:style>
+        <p:txBody>
+          <a:bodyPr rtlCol="0" anchor="ctr"/>
+          <a:p>
+            <a:pPr marL="0" marR="0" lvl="0" indent="0" algn="ctr" defTabSz="914400" rtl="0" eaLnBrk="1" fontAlgn="auto" latinLnBrk="0" hangingPunct="1">
+              <a:lnSpc>
+                <a:spcPct val="100000"/>
+              </a:lnSpc>
+              <a:spcBef>
+                <a:spcPts val="0"/>
+              </a:spcBef>
+              <a:spcAft>
+                <a:spcPts val="0"/>
+              </a:spcAft>
+              <a:buClrTx/>
+              <a:buSzTx/>
+              <a:buFontTx/>
+              <a:buNone/>
+              <a:defRPr/>
+            </a:pPr>
+            <a:r>
+              <a:rPr lang="en-US" altLang="zh-CN" dirty="0">
+                <a:effectLst/>
+                <a:latin typeface="微软雅黑" panose="020B0503020204020204" charset="-122"/>
+                <a:ea typeface="微软雅黑" panose="020B0503020204020204" charset="-122"/>
+                <a:sym typeface="+mn-ea"/>
+              </a:rPr>
+              <a:t>2.LLaMA: Open and Efficient Foundation Language Models</a:t>
+            </a:r>
+            <a:endParaRPr lang="en-US" altLang="zh-CN" dirty="0">
+              <a:effectLst/>
+              <a:latin typeface="微软雅黑" panose="020B0503020204020204" charset="-122"/>
+              <a:ea typeface="微软雅黑" panose="020B0503020204020204" charset="-122"/>
+            </a:endParaRPr>
+          </a:p>
+        </p:txBody>
+      </p:sp>
+      <p:sp>
+        <p:nvSpPr>
+          <p:cNvPr id="15" name="文本框 14"/>
+          <p:cNvSpPr txBox="1"/>
+          <p:nvPr>
+            <p:custDataLst>
+              <p:tags r:id="rId2"/>
+            </p:custDataLst>
+          </p:nvPr>
+        </p:nvSpPr>
+        <p:spPr>
+          <a:xfrm>
+            <a:off x="724535" y="890270"/>
+            <a:ext cx="2831465" cy="506730"/>
+          </a:xfrm>
+          <a:prstGeom prst="rect">
+            <a:avLst/>
+          </a:prstGeom>
+          <a:noFill/>
+        </p:spPr>
+        <p:txBody>
+          <a:bodyPr wrap="square" rtlCol="0">
+            <a:spAutoFit/>
+          </a:bodyPr>
+          <a:p>
+            <a:pPr marL="285750" indent="-285750">
+              <a:lnSpc>
+                <a:spcPct val="150000"/>
+              </a:lnSpc>
+              <a:buFont typeface="Wingdings" panose="05000000000000000000" charset="0"/>
+              <a:buChar char="p"/>
+            </a:pPr>
+            <a:r>
+              <a:rPr lang="en-US" altLang="zh-CN" b="1" dirty="0">
+                <a:latin typeface="微软雅黑" panose="020B0503020204020204" charset="-122"/>
+                <a:ea typeface="微软雅黑" panose="020B0503020204020204" charset="-122"/>
+              </a:rPr>
+              <a:t>Transformer</a:t>
+            </a:r>
+            <a:r>
+              <a:rPr lang="zh-CN" altLang="en-US" b="1" dirty="0">
+                <a:latin typeface="微软雅黑" panose="020B0503020204020204" charset="-122"/>
+                <a:ea typeface="微软雅黑" panose="020B0503020204020204" charset="-122"/>
+              </a:rPr>
+              <a:t>优化：</a:t>
+            </a:r>
+            <a:endParaRPr lang="en-US" altLang="zh-CN" b="1" dirty="0">
+              <a:latin typeface="微软雅黑" panose="020B0503020204020204" charset="-122"/>
+              <a:ea typeface="微软雅黑" panose="020B0503020204020204" charset="-122"/>
+            </a:endParaRPr>
+          </a:p>
+        </p:txBody>
+      </p:sp>
+      <p:sp>
+        <p:nvSpPr>
+          <p:cNvPr id="2" name="文本框 1"/>
+          <p:cNvSpPr txBox="1"/>
+          <p:nvPr/>
+        </p:nvSpPr>
+        <p:spPr>
+          <a:xfrm>
+            <a:off x="1156335" y="1397000"/>
+            <a:ext cx="8864600" cy="1322070"/>
+          </a:xfrm>
+          <a:prstGeom prst="rect">
+            <a:avLst/>
+          </a:prstGeom>
+        </p:spPr>
+        <p:txBody>
+          <a:bodyPr wrap="square">
+            <a:spAutoFit/>
+          </a:bodyPr>
+          <a:p>
+            <a:pPr marL="0" indent="0" algn="l"/>
+            <a:r>
+              <a:rPr lang="zh-CN" sz="1600" b="0" i="0" dirty="0">
+                <a:latin typeface="微软雅黑" panose="020B0503020204020204" charset="-122"/>
+                <a:ea typeface="微软雅黑" panose="020B0503020204020204" charset="-122"/>
+              </a:rPr>
+              <a:t>LLaMA去除了绝对位置嵌入，采用了RoPE旋转位置嵌入。这种方法更好地处理了位置编码问题，优化了</a:t>
+            </a:r>
+            <a:r>
+              <a:rPr lang="en-US" altLang="zh-CN" sz="1600" b="0" i="0" dirty="0">
+                <a:latin typeface="微软雅黑" panose="020B0503020204020204" charset="-122"/>
+                <a:ea typeface="微软雅黑" panose="020B0503020204020204" charset="-122"/>
+              </a:rPr>
+              <a:t>Transformer</a:t>
+            </a:r>
+            <a:endParaRPr lang="en-US" altLang="zh-CN" sz="1600" b="0" i="0" dirty="0">
+              <a:latin typeface="微软雅黑" panose="020B0503020204020204" charset="-122"/>
+              <a:ea typeface="微软雅黑" panose="020B0503020204020204" charset="-122"/>
+            </a:endParaRPr>
+          </a:p>
+          <a:p>
+            <a:pPr marL="0" indent="0" algn="l"/>
+            <a:endParaRPr lang="en-US" altLang="zh-CN" sz="1600" b="0" i="0" dirty="0">
+              <a:latin typeface="微软雅黑" panose="020B0503020204020204" charset="-122"/>
+              <a:ea typeface="微软雅黑" panose="020B0503020204020204" charset="-122"/>
+            </a:endParaRPr>
+          </a:p>
+          <a:p>
+            <a:pPr marL="0" indent="0" algn="l"/>
+            <a:r>
+              <a:rPr lang="en-US" altLang="zh-CN" sz="1600" b="0" i="0" dirty="0">
+                <a:latin typeface="微软雅黑" panose="020B0503020204020204" charset="-122"/>
+                <a:ea typeface="微软雅黑" panose="020B0503020204020204" charset="-122"/>
+              </a:rPr>
+              <a:t>LLaMA对自回归多头注意力机制进行了高效实现，减少了内存占用和运行时间。通过不存储注意力权重，以及跳过被掩盖的key/query计算，节省了大量计算资源</a:t>
+            </a:r>
+            <a:r>
+              <a:rPr lang="zh-CN" altLang="en-US" sz="1600" b="0" i="0" dirty="0">
+                <a:latin typeface="微软雅黑" panose="020B0503020204020204" charset="-122"/>
+                <a:ea typeface="微软雅黑" panose="020B0503020204020204" charset="-122"/>
+              </a:rPr>
+              <a:t>，优化了</a:t>
+            </a:r>
+            <a:r>
+              <a:rPr lang="en-US" altLang="zh-CN" sz="1600" b="0" i="0" dirty="0">
+                <a:latin typeface="微软雅黑" panose="020B0503020204020204" charset="-122"/>
+                <a:ea typeface="微软雅黑" panose="020B0503020204020204" charset="-122"/>
+              </a:rPr>
+              <a:t>Transformer</a:t>
+            </a:r>
+            <a:endParaRPr lang="en-US" altLang="zh-CN" sz="1600" b="0" i="0" dirty="0">
+              <a:latin typeface="微软雅黑" panose="020B0503020204020204" charset="-122"/>
+              <a:ea typeface="微软雅黑" panose="020B0503020204020204" charset="-122"/>
+            </a:endParaRPr>
+          </a:p>
+        </p:txBody>
+      </p:sp>
+    </p:spTree>
+  </p:cSld>
+  <p:clrMapOvr>
+    <a:masterClrMapping/>
+  </p:clrMapOvr>
+</p:sld>
+</file>
+
+<file path=ppt/slides/slide15.xml><?xml version="1.0" encoding="utf-8"?>
+<p:sld xmlns:a="http://schemas.openxmlformats.org/drawingml/2006/main" xmlns:r="http://schemas.openxmlformats.org/officeDocument/2006/relationships" xmlns:p="http://schemas.openxmlformats.org/presentationml/2006/main">
+  <p:cSld>
+    <p:spTree>
+      <p:nvGrpSpPr>
+        <p:cNvPr id="1" name=""/>
+        <p:cNvGrpSpPr/>
+        <p:nvPr/>
+      </p:nvGrpSpPr>
+      <p:grpSpPr>
+        <a:xfrm>
+          <a:off x="0" y="0"/>
+          <a:ext cx="0" cy="0"/>
+          <a:chOff x="0" y="0"/>
+          <a:chExt cx="0" cy="0"/>
+        </a:xfrm>
+      </p:grpSpPr>
+      <p:sp>
+        <p:nvSpPr>
+          <p:cNvPr id="13" name="文本框 12"/>
+          <p:cNvSpPr txBox="1"/>
+          <p:nvPr/>
+        </p:nvSpPr>
+        <p:spPr>
+          <a:xfrm>
+            <a:off x="106466" y="601786"/>
+            <a:ext cx="1541780" cy="398780"/>
+          </a:xfrm>
+          <a:prstGeom prst="rect">
+            <a:avLst/>
+          </a:prstGeom>
+          <a:noFill/>
+        </p:spPr>
+        <p:txBody>
+          <a:bodyPr wrap="none" rtlCol="0">
+            <a:spAutoFit/>
+          </a:bodyPr>
+          <a:lstStyle/>
+          <a:p>
+            <a:pPr marL="342900" indent="-342900" algn="l">
+              <a:buClrTx/>
+              <a:buSzTx/>
+              <a:buFont typeface="Wingdings" panose="05000000000000000000" charset="0"/>
+              <a:buChar char="n"/>
+            </a:pPr>
+            <a:r>
+              <a:rPr lang="zh-CN" altLang="en-US" sz="2000" b="1" dirty="0">
+                <a:latin typeface="微软雅黑" panose="020B0503020204020204" charset="-122"/>
+                <a:ea typeface="微软雅黑" panose="020B0503020204020204" charset="-122"/>
+              </a:rPr>
+              <a:t>模型成效</a:t>
+            </a:r>
+            <a:endParaRPr lang="zh-CN" altLang="en-US" sz="2000" b="1" dirty="0">
+              <a:latin typeface="微软雅黑" panose="020B0503020204020204" charset="-122"/>
+              <a:ea typeface="微软雅黑" panose="020B0503020204020204" charset="-122"/>
+            </a:endParaRPr>
+          </a:p>
+        </p:txBody>
+      </p:sp>
+      <p:sp>
+        <p:nvSpPr>
+          <p:cNvPr id="7" name="文本框 6"/>
+          <p:cNvSpPr txBox="1"/>
+          <p:nvPr/>
+        </p:nvSpPr>
+        <p:spPr>
+          <a:xfrm>
+            <a:off x="724535" y="1323340"/>
+            <a:ext cx="2247900" cy="410845"/>
+          </a:xfrm>
+          <a:prstGeom prst="rect">
+            <a:avLst/>
+          </a:prstGeom>
+          <a:noFill/>
+        </p:spPr>
+        <p:txBody>
+          <a:bodyPr wrap="square">
+            <a:noAutofit/>
+          </a:bodyPr>
+          <a:lstStyle/>
+          <a:p>
+            <a:pPr algn="l" fontAlgn="auto">
+              <a:lnSpc>
+                <a:spcPts val="2200"/>
+              </a:lnSpc>
+              <a:buClrTx/>
+              <a:buSzTx/>
+              <a:buNone/>
+            </a:pPr>
+            <a:endParaRPr lang="zh-CN" altLang="en-US" sz="1600" dirty="0">
+              <a:latin typeface="微软雅黑" panose="020B0503020204020204" charset="-122"/>
+              <a:ea typeface="微软雅黑" panose="020B0503020204020204" charset="-122"/>
+            </a:endParaRPr>
+          </a:p>
+        </p:txBody>
+      </p:sp>
+      <p:sp>
+        <p:nvSpPr>
+          <p:cNvPr id="3" name="矩形 2"/>
+          <p:cNvSpPr/>
+          <p:nvPr>
+            <p:custDataLst>
+              <p:tags r:id="rId1"/>
+            </p:custDataLst>
+          </p:nvPr>
+        </p:nvSpPr>
+        <p:spPr>
+          <a:xfrm>
+            <a:off x="-6350" y="0"/>
+            <a:ext cx="12198350" cy="540000"/>
+          </a:xfrm>
+          <a:prstGeom prst="rect">
+            <a:avLst/>
+          </a:prstGeom>
+          <a:solidFill>
+            <a:srgbClr val="A099CB"/>
+          </a:solidFill>
+          <a:ln>
+            <a:noFill/>
+          </a:ln>
+        </p:spPr>
+        <p:style>
+          <a:lnRef idx="2">
+            <a:schemeClr val="accent1">
+              <a:shade val="50000"/>
+            </a:schemeClr>
+          </a:lnRef>
+          <a:fillRef idx="1">
+            <a:schemeClr val="accent1"/>
+          </a:fillRef>
+          <a:effectRef idx="0">
+            <a:schemeClr val="accent1"/>
+          </a:effectRef>
+          <a:fontRef idx="minor">
+            <a:schemeClr val="lt1"/>
+          </a:fontRef>
+        </p:style>
+        <p:txBody>
+          <a:bodyPr rtlCol="0" anchor="ctr"/>
+          <a:p>
+            <a:pPr marL="0" marR="0" lvl="0" indent="0" algn="ctr" defTabSz="914400" rtl="0" eaLnBrk="1" fontAlgn="auto" latinLnBrk="0" hangingPunct="1">
+              <a:lnSpc>
+                <a:spcPct val="100000"/>
+              </a:lnSpc>
+              <a:spcBef>
+                <a:spcPts val="0"/>
+              </a:spcBef>
+              <a:spcAft>
+                <a:spcPts val="0"/>
+              </a:spcAft>
+              <a:buClrTx/>
+              <a:buSzTx/>
+              <a:buFontTx/>
+              <a:buNone/>
+              <a:defRPr/>
+            </a:pPr>
+            <a:r>
+              <a:rPr lang="en-US" altLang="zh-CN" dirty="0">
+                <a:effectLst/>
+                <a:latin typeface="微软雅黑" panose="020B0503020204020204" charset="-122"/>
+                <a:ea typeface="微软雅黑" panose="020B0503020204020204" charset="-122"/>
+                <a:sym typeface="+mn-ea"/>
+              </a:rPr>
+              <a:t>2.LLaMA: Open and Efficient Foundation Language Models</a:t>
+            </a:r>
+            <a:endParaRPr lang="en-US" altLang="zh-CN" dirty="0">
+              <a:effectLst/>
+              <a:latin typeface="微软雅黑" panose="020B0503020204020204" charset="-122"/>
+              <a:ea typeface="微软雅黑" panose="020B0503020204020204" charset="-122"/>
+            </a:endParaRPr>
+          </a:p>
+        </p:txBody>
+      </p:sp>
+      <p:sp>
+        <p:nvSpPr>
+          <p:cNvPr id="15" name="文本框 14"/>
+          <p:cNvSpPr txBox="1"/>
+          <p:nvPr>
+            <p:custDataLst>
+              <p:tags r:id="rId2"/>
+            </p:custDataLst>
+          </p:nvPr>
+        </p:nvSpPr>
+        <p:spPr>
+          <a:xfrm>
+            <a:off x="724535" y="890270"/>
+            <a:ext cx="2831465" cy="506730"/>
+          </a:xfrm>
+          <a:prstGeom prst="rect">
+            <a:avLst/>
+          </a:prstGeom>
+          <a:noFill/>
+        </p:spPr>
+        <p:txBody>
+          <a:bodyPr wrap="square" rtlCol="0">
+            <a:spAutoFit/>
+          </a:bodyPr>
+          <a:p>
+            <a:pPr marL="285750" indent="-285750">
+              <a:lnSpc>
+                <a:spcPct val="150000"/>
+              </a:lnSpc>
+              <a:buFont typeface="Wingdings" panose="05000000000000000000" charset="0"/>
+              <a:buChar char="p"/>
+            </a:pPr>
+            <a:r>
+              <a:rPr lang="zh-CN" altLang="en-US" b="1" dirty="0">
+                <a:latin typeface="微软雅黑" panose="020B0503020204020204" charset="-122"/>
+                <a:ea typeface="微软雅黑" panose="020B0503020204020204" charset="-122"/>
+              </a:rPr>
+              <a:t>零样本</a:t>
+            </a:r>
+            <a:r>
+              <a:rPr lang="en-US" altLang="zh-CN" b="1" dirty="0">
+                <a:latin typeface="微软雅黑" panose="020B0503020204020204" charset="-122"/>
+                <a:ea typeface="微软雅黑" panose="020B0503020204020204" charset="-122"/>
+              </a:rPr>
+              <a:t>-</a:t>
+            </a:r>
+            <a:r>
+              <a:rPr lang="zh-CN" altLang="en-US" b="1" dirty="0">
+                <a:latin typeface="微软雅黑" panose="020B0503020204020204" charset="-122"/>
+                <a:ea typeface="微软雅黑" panose="020B0503020204020204" charset="-122"/>
+              </a:rPr>
+              <a:t>少样本：</a:t>
+            </a:r>
+            <a:endParaRPr lang="en-US" altLang="zh-CN" b="1" dirty="0">
+              <a:latin typeface="微软雅黑" panose="020B0503020204020204" charset="-122"/>
+              <a:ea typeface="微软雅黑" panose="020B0503020204020204" charset="-122"/>
+            </a:endParaRPr>
+          </a:p>
+        </p:txBody>
+      </p:sp>
+      <p:pic>
+        <p:nvPicPr>
+          <p:cNvPr id="4" name="图片 3"/>
+          <p:cNvPicPr>
+            <a:picLocks noChangeAspect="1"/>
+          </p:cNvPicPr>
+          <p:nvPr/>
+        </p:nvPicPr>
+        <p:blipFill>
+          <a:blip r:embed="rId3"/>
+          <a:stretch>
+            <a:fillRect/>
+          </a:stretch>
+        </p:blipFill>
+        <p:spPr>
+          <a:xfrm>
+            <a:off x="174625" y="1397000"/>
+            <a:ext cx="4767580" cy="4091940"/>
+          </a:xfrm>
+          <a:prstGeom prst="rect">
+            <a:avLst/>
+          </a:prstGeom>
+        </p:spPr>
+      </p:pic>
+      <p:pic>
+        <p:nvPicPr>
+          <p:cNvPr id="5" name="图片 4"/>
+          <p:cNvPicPr>
+            <a:picLocks noChangeAspect="1"/>
+          </p:cNvPicPr>
+          <p:nvPr/>
+        </p:nvPicPr>
+        <p:blipFill>
+          <a:blip r:embed="rId4"/>
+          <a:stretch>
+            <a:fillRect/>
+          </a:stretch>
+        </p:blipFill>
+        <p:spPr>
+          <a:xfrm>
+            <a:off x="4596130" y="2148205"/>
+            <a:ext cx="7566025" cy="3340735"/>
+          </a:xfrm>
+          <a:prstGeom prst="rect">
+            <a:avLst/>
+          </a:prstGeom>
+        </p:spPr>
+      </p:pic>
+    </p:spTree>
+  </p:cSld>
+  <p:clrMapOvr>
+    <a:masterClrMapping/>
+  </p:clrMapOvr>
+</p:sld>
+</file>
+
+<file path=ppt/slides/slide16.xml><?xml version="1.0" encoding="utf-8"?>
+<p:sld xmlns:a="http://schemas.openxmlformats.org/drawingml/2006/main" xmlns:r="http://schemas.openxmlformats.org/officeDocument/2006/relationships" xmlns:p="http://schemas.openxmlformats.org/presentationml/2006/main">
+  <p:cSld>
+    <p:spTree>
+      <p:nvGrpSpPr>
+        <p:cNvPr id="1" name=""/>
+        <p:cNvGrpSpPr/>
+        <p:nvPr/>
+      </p:nvGrpSpPr>
+      <p:grpSpPr>
+        <a:xfrm>
+          <a:off x="0" y="0"/>
+          <a:ext cx="0" cy="0"/>
+          <a:chOff x="0" y="0"/>
+          <a:chExt cx="0" cy="0"/>
+        </a:xfrm>
+      </p:grpSpPr>
+      <p:sp>
+        <p:nvSpPr>
+          <p:cNvPr id="13" name="文本框 12"/>
+          <p:cNvSpPr txBox="1"/>
+          <p:nvPr/>
+        </p:nvSpPr>
+        <p:spPr>
+          <a:xfrm>
+            <a:off x="106466" y="601786"/>
+            <a:ext cx="2049780" cy="398780"/>
+          </a:xfrm>
+          <a:prstGeom prst="rect">
+            <a:avLst/>
+          </a:prstGeom>
+          <a:noFill/>
+        </p:spPr>
+        <p:txBody>
+          <a:bodyPr wrap="none" rtlCol="0">
+            <a:spAutoFit/>
+          </a:bodyPr>
+          <a:lstStyle/>
+          <a:p>
+            <a:pPr marL="342900" indent="-342900" algn="l">
+              <a:buClrTx/>
+              <a:buSzTx/>
+              <a:buFont typeface="Wingdings" panose="05000000000000000000" charset="0"/>
+              <a:buChar char="n"/>
+            </a:pPr>
+            <a:r>
+              <a:rPr lang="zh-CN" altLang="en-US" sz="2000" b="1" dirty="0">
+                <a:latin typeface="微软雅黑" panose="020B0503020204020204" charset="-122"/>
+                <a:ea typeface="微软雅黑" panose="020B0503020204020204" charset="-122"/>
+              </a:rPr>
+              <a:t>特定任务实验</a:t>
+            </a:r>
+            <a:endParaRPr lang="zh-CN" altLang="en-US" sz="2000" b="1" dirty="0">
+              <a:latin typeface="微软雅黑" panose="020B0503020204020204" charset="-122"/>
+              <a:ea typeface="微软雅黑" panose="020B0503020204020204" charset="-122"/>
+            </a:endParaRPr>
+          </a:p>
+        </p:txBody>
+      </p:sp>
+      <p:sp>
+        <p:nvSpPr>
+          <p:cNvPr id="7" name="文本框 6"/>
+          <p:cNvSpPr txBox="1"/>
+          <p:nvPr/>
+        </p:nvSpPr>
+        <p:spPr>
+          <a:xfrm>
+            <a:off x="724535" y="1323340"/>
+            <a:ext cx="2247900" cy="410845"/>
+          </a:xfrm>
+          <a:prstGeom prst="rect">
+            <a:avLst/>
+          </a:prstGeom>
+          <a:noFill/>
+        </p:spPr>
+        <p:txBody>
+          <a:bodyPr wrap="square">
+            <a:noAutofit/>
+          </a:bodyPr>
+          <a:lstStyle/>
+          <a:p>
+            <a:pPr algn="l" fontAlgn="auto">
+              <a:lnSpc>
+                <a:spcPts val="2200"/>
+              </a:lnSpc>
+              <a:buClrTx/>
+              <a:buSzTx/>
+              <a:buNone/>
+            </a:pPr>
+            <a:endParaRPr lang="zh-CN" altLang="en-US" sz="1600" dirty="0">
+              <a:latin typeface="微软雅黑" panose="020B0503020204020204" charset="-122"/>
+              <a:ea typeface="微软雅黑" panose="020B0503020204020204" charset="-122"/>
+            </a:endParaRPr>
+          </a:p>
+        </p:txBody>
+      </p:sp>
+      <p:sp>
+        <p:nvSpPr>
+          <p:cNvPr id="3" name="矩形 2"/>
+          <p:cNvSpPr/>
+          <p:nvPr>
+            <p:custDataLst>
+              <p:tags r:id="rId1"/>
+            </p:custDataLst>
+          </p:nvPr>
+        </p:nvSpPr>
+        <p:spPr>
+          <a:xfrm>
+            <a:off x="-6350" y="0"/>
+            <a:ext cx="12198350" cy="540000"/>
+          </a:xfrm>
+          <a:prstGeom prst="rect">
+            <a:avLst/>
+          </a:prstGeom>
+          <a:solidFill>
+            <a:srgbClr val="A099CB"/>
+          </a:solidFill>
+          <a:ln>
+            <a:noFill/>
+          </a:ln>
+        </p:spPr>
+        <p:style>
+          <a:lnRef idx="2">
+            <a:schemeClr val="accent1">
+              <a:shade val="50000"/>
+            </a:schemeClr>
+          </a:lnRef>
+          <a:fillRef idx="1">
+            <a:schemeClr val="accent1"/>
+          </a:fillRef>
+          <a:effectRef idx="0">
+            <a:schemeClr val="accent1"/>
+          </a:effectRef>
+          <a:fontRef idx="minor">
+            <a:schemeClr val="lt1"/>
+          </a:fontRef>
+        </p:style>
+        <p:txBody>
+          <a:bodyPr rtlCol="0" anchor="ctr"/>
+          <a:p>
+            <a:pPr marL="0" marR="0" lvl="0" indent="0" algn="ctr" defTabSz="914400" rtl="0" eaLnBrk="1" fontAlgn="auto" latinLnBrk="0" hangingPunct="1">
+              <a:lnSpc>
+                <a:spcPct val="100000"/>
+              </a:lnSpc>
+              <a:spcBef>
+                <a:spcPts val="0"/>
+              </a:spcBef>
+              <a:spcAft>
+                <a:spcPts val="0"/>
+              </a:spcAft>
+              <a:buClrTx/>
+              <a:buSzTx/>
+              <a:buFontTx/>
+              <a:buNone/>
+              <a:defRPr/>
+            </a:pPr>
+            <a:r>
+              <a:rPr lang="en-US" altLang="zh-CN" dirty="0">
+                <a:effectLst/>
+                <a:latin typeface="微软雅黑" panose="020B0503020204020204" charset="-122"/>
+                <a:ea typeface="微软雅黑" panose="020B0503020204020204" charset="-122"/>
+                <a:sym typeface="+mn-ea"/>
+              </a:rPr>
+              <a:t>2.LLaMA: Open and Efficient Foundation Language Models</a:t>
+            </a:r>
+            <a:endParaRPr lang="en-US" altLang="zh-CN" dirty="0">
+              <a:effectLst/>
+              <a:latin typeface="微软雅黑" panose="020B0503020204020204" charset="-122"/>
+              <a:ea typeface="微软雅黑" panose="020B0503020204020204" charset="-122"/>
+            </a:endParaRPr>
+          </a:p>
+        </p:txBody>
+      </p:sp>
+      <p:sp>
+        <p:nvSpPr>
+          <p:cNvPr id="15" name="文本框 14"/>
+          <p:cNvSpPr txBox="1"/>
+          <p:nvPr>
+            <p:custDataLst>
+              <p:tags r:id="rId2"/>
+            </p:custDataLst>
+          </p:nvPr>
+        </p:nvSpPr>
+        <p:spPr>
+          <a:xfrm>
+            <a:off x="5530850" y="1017270"/>
+            <a:ext cx="2831465" cy="506730"/>
+          </a:xfrm>
+          <a:prstGeom prst="rect">
+            <a:avLst/>
+          </a:prstGeom>
+          <a:noFill/>
+        </p:spPr>
+        <p:txBody>
+          <a:bodyPr wrap="square" rtlCol="0">
+            <a:spAutoFit/>
+          </a:bodyPr>
+          <a:p>
+            <a:pPr marL="285750" indent="-285750">
+              <a:lnSpc>
+                <a:spcPct val="150000"/>
+              </a:lnSpc>
+              <a:buFont typeface="Wingdings" panose="05000000000000000000" charset="0"/>
+              <a:buChar char="p"/>
+            </a:pPr>
+            <a:r>
+              <a:rPr lang="zh-CN" altLang="en-US" b="1" dirty="0">
+                <a:latin typeface="微软雅黑" panose="020B0503020204020204" charset="-122"/>
+                <a:ea typeface="微软雅黑" panose="020B0503020204020204" charset="-122"/>
+              </a:rPr>
+              <a:t>闭卷</a:t>
+            </a:r>
+            <a:r>
+              <a:rPr lang="en-US" altLang="zh-CN" b="1" dirty="0">
+                <a:latin typeface="微软雅黑" panose="020B0503020204020204" charset="-122"/>
+                <a:ea typeface="微软雅黑" panose="020B0503020204020204" charset="-122"/>
+              </a:rPr>
+              <a:t>QA</a:t>
+            </a:r>
+            <a:r>
+              <a:rPr lang="zh-CN" altLang="en-US" b="1" dirty="0">
+                <a:latin typeface="微软雅黑" panose="020B0503020204020204" charset="-122"/>
+                <a:ea typeface="微软雅黑" panose="020B0503020204020204" charset="-122"/>
+              </a:rPr>
+              <a:t>：</a:t>
+            </a:r>
+            <a:endParaRPr lang="en-US" altLang="zh-CN" b="1" dirty="0">
+              <a:latin typeface="微软雅黑" panose="020B0503020204020204" charset="-122"/>
+              <a:ea typeface="微软雅黑" panose="020B0503020204020204" charset="-122"/>
+            </a:endParaRPr>
+          </a:p>
+        </p:txBody>
+      </p:sp>
+      <p:pic>
+        <p:nvPicPr>
+          <p:cNvPr id="2" name="图片 1"/>
+          <p:cNvPicPr>
+            <a:picLocks noChangeAspect="1"/>
+          </p:cNvPicPr>
+          <p:nvPr/>
+        </p:nvPicPr>
+        <p:blipFill>
+          <a:blip r:embed="rId3"/>
+          <a:stretch>
+            <a:fillRect/>
+          </a:stretch>
+        </p:blipFill>
+        <p:spPr>
+          <a:xfrm>
+            <a:off x="1067435" y="1397000"/>
+            <a:ext cx="4679950" cy="3776345"/>
+          </a:xfrm>
+          <a:prstGeom prst="rect">
+            <a:avLst/>
+          </a:prstGeom>
+        </p:spPr>
+      </p:pic>
+      <p:pic>
+        <p:nvPicPr>
+          <p:cNvPr id="5" name="图片 4"/>
+          <p:cNvPicPr>
+            <a:picLocks noChangeAspect="1"/>
+          </p:cNvPicPr>
+          <p:nvPr/>
+        </p:nvPicPr>
+        <p:blipFill>
+          <a:blip r:embed="rId4"/>
+          <a:stretch>
+            <a:fillRect/>
+          </a:stretch>
+        </p:blipFill>
+        <p:spPr>
+          <a:xfrm>
+            <a:off x="5923915" y="1471930"/>
+            <a:ext cx="5245735" cy="3588385"/>
+          </a:xfrm>
+          <a:prstGeom prst="rect">
+            <a:avLst/>
+          </a:prstGeom>
+        </p:spPr>
+      </p:pic>
+      <p:sp>
+        <p:nvSpPr>
+          <p:cNvPr id="6" name="文本框 5"/>
+          <p:cNvSpPr txBox="1"/>
+          <p:nvPr>
+            <p:custDataLst>
+              <p:tags r:id="rId5"/>
+            </p:custDataLst>
+          </p:nvPr>
+        </p:nvSpPr>
+        <p:spPr>
+          <a:xfrm>
+            <a:off x="851535" y="1017270"/>
+            <a:ext cx="2831465" cy="506730"/>
+          </a:xfrm>
+          <a:prstGeom prst="rect">
+            <a:avLst/>
+          </a:prstGeom>
+          <a:noFill/>
+        </p:spPr>
+        <p:txBody>
+          <a:bodyPr wrap="square" rtlCol="0">
+            <a:spAutoFit/>
+          </a:bodyPr>
+          <a:p>
+            <a:pPr marL="285750" indent="-285750">
+              <a:lnSpc>
+                <a:spcPct val="150000"/>
+              </a:lnSpc>
+              <a:buFont typeface="Wingdings" panose="05000000000000000000" charset="0"/>
+              <a:buChar char="p"/>
+            </a:pPr>
+            <a:r>
+              <a:rPr lang="zh-CN" altLang="en-US" b="1" dirty="0">
+                <a:latin typeface="微软雅黑" panose="020B0503020204020204" charset="-122"/>
+                <a:ea typeface="微软雅黑" panose="020B0503020204020204" charset="-122"/>
+              </a:rPr>
+              <a:t>阅读理解：</a:t>
+            </a:r>
+            <a:endParaRPr lang="en-US" altLang="zh-CN" b="1" dirty="0">
+              <a:latin typeface="微软雅黑" panose="020B0503020204020204" charset="-122"/>
+              <a:ea typeface="微软雅黑" panose="020B0503020204020204" charset="-122"/>
+            </a:endParaRPr>
+          </a:p>
+        </p:txBody>
+      </p:sp>
+    </p:spTree>
+  </p:cSld>
+  <p:clrMapOvr>
+    <a:masterClrMapping/>
+  </p:clrMapOvr>
+</p:sld>
+</file>
+
+<file path=ppt/slides/slide17.xml><?xml version="1.0" encoding="utf-8"?>
+<p:sld xmlns:a="http://schemas.openxmlformats.org/drawingml/2006/main" xmlns:r="http://schemas.openxmlformats.org/officeDocument/2006/relationships" xmlns:p="http://schemas.openxmlformats.org/presentationml/2006/main">
+  <p:cSld>
+    <p:spTree>
+      <p:nvGrpSpPr>
+        <p:cNvPr id="1" name=""/>
+        <p:cNvGrpSpPr/>
+        <p:nvPr/>
+      </p:nvGrpSpPr>
+      <p:grpSpPr>
+        <a:xfrm>
+          <a:off x="0" y="0"/>
+          <a:ext cx="0" cy="0"/>
+          <a:chOff x="0" y="0"/>
+          <a:chExt cx="0" cy="0"/>
+        </a:xfrm>
+      </p:grpSpPr>
+      <p:sp>
+        <p:nvSpPr>
+          <p:cNvPr id="13" name="文本框 12"/>
+          <p:cNvSpPr txBox="1"/>
+          <p:nvPr/>
+        </p:nvSpPr>
+        <p:spPr>
+          <a:xfrm>
+            <a:off x="106466" y="601786"/>
+            <a:ext cx="2049780" cy="398780"/>
+          </a:xfrm>
+          <a:prstGeom prst="rect">
+            <a:avLst/>
+          </a:prstGeom>
+          <a:noFill/>
+        </p:spPr>
+        <p:txBody>
+          <a:bodyPr wrap="none" rtlCol="0">
+            <a:spAutoFit/>
+          </a:bodyPr>
+          <a:lstStyle/>
+          <a:p>
+            <a:pPr marL="342900" indent="-342900" algn="l">
+              <a:buClrTx/>
+              <a:buSzTx/>
+              <a:buFont typeface="Wingdings" panose="05000000000000000000" charset="0"/>
+              <a:buChar char="n"/>
+            </a:pPr>
+            <a:r>
+              <a:rPr lang="zh-CN" altLang="en-US" sz="2000" b="1" dirty="0">
+                <a:latin typeface="微软雅黑" panose="020B0503020204020204" charset="-122"/>
+                <a:ea typeface="微软雅黑" panose="020B0503020204020204" charset="-122"/>
+              </a:rPr>
+              <a:t>特定任务实验</a:t>
+            </a:r>
+            <a:endParaRPr lang="zh-CN" altLang="en-US" sz="2000" b="1" dirty="0">
+              <a:latin typeface="微软雅黑" panose="020B0503020204020204" charset="-122"/>
+              <a:ea typeface="微软雅黑" panose="020B0503020204020204" charset="-122"/>
+            </a:endParaRPr>
+          </a:p>
+        </p:txBody>
+      </p:sp>
+      <p:sp>
+        <p:nvSpPr>
+          <p:cNvPr id="7" name="文本框 6"/>
+          <p:cNvSpPr txBox="1"/>
+          <p:nvPr/>
+        </p:nvSpPr>
+        <p:spPr>
+          <a:xfrm>
+            <a:off x="724535" y="1323340"/>
+            <a:ext cx="2247900" cy="410845"/>
+          </a:xfrm>
+          <a:prstGeom prst="rect">
+            <a:avLst/>
+          </a:prstGeom>
+          <a:noFill/>
+        </p:spPr>
+        <p:txBody>
+          <a:bodyPr wrap="square">
+            <a:noAutofit/>
+          </a:bodyPr>
+          <a:lstStyle/>
+          <a:p>
+            <a:pPr algn="l" fontAlgn="auto">
+              <a:lnSpc>
+                <a:spcPts val="2200"/>
+              </a:lnSpc>
+              <a:buClrTx/>
+              <a:buSzTx/>
+              <a:buNone/>
+            </a:pPr>
+            <a:endParaRPr lang="zh-CN" altLang="en-US" sz="1600" dirty="0">
+              <a:latin typeface="微软雅黑" panose="020B0503020204020204" charset="-122"/>
+              <a:ea typeface="微软雅黑" panose="020B0503020204020204" charset="-122"/>
+            </a:endParaRPr>
+          </a:p>
+        </p:txBody>
+      </p:sp>
+      <p:sp>
+        <p:nvSpPr>
+          <p:cNvPr id="3" name="矩形 2"/>
+          <p:cNvSpPr/>
+          <p:nvPr>
+            <p:custDataLst>
+              <p:tags r:id="rId1"/>
+            </p:custDataLst>
+          </p:nvPr>
+        </p:nvSpPr>
+        <p:spPr>
+          <a:xfrm>
+            <a:off x="-6350" y="0"/>
+            <a:ext cx="12198350" cy="540000"/>
+          </a:xfrm>
+          <a:prstGeom prst="rect">
+            <a:avLst/>
+          </a:prstGeom>
+          <a:solidFill>
+            <a:srgbClr val="A099CB"/>
+          </a:solidFill>
+          <a:ln>
+            <a:noFill/>
+          </a:ln>
+        </p:spPr>
+        <p:style>
+          <a:lnRef idx="2">
+            <a:schemeClr val="accent1">
+              <a:shade val="50000"/>
+            </a:schemeClr>
+          </a:lnRef>
+          <a:fillRef idx="1">
+            <a:schemeClr val="accent1"/>
+          </a:fillRef>
+          <a:effectRef idx="0">
+            <a:schemeClr val="accent1"/>
+          </a:effectRef>
+          <a:fontRef idx="minor">
+            <a:schemeClr val="lt1"/>
+          </a:fontRef>
+        </p:style>
+        <p:txBody>
+          <a:bodyPr rtlCol="0" anchor="ctr"/>
+          <a:p>
+            <a:pPr marL="0" marR="0" lvl="0" indent="0" algn="ctr" defTabSz="914400" rtl="0" eaLnBrk="1" fontAlgn="auto" latinLnBrk="0" hangingPunct="1">
+              <a:lnSpc>
+                <a:spcPct val="100000"/>
+              </a:lnSpc>
+              <a:spcBef>
+                <a:spcPts val="0"/>
+              </a:spcBef>
+              <a:spcAft>
+                <a:spcPts val="0"/>
+              </a:spcAft>
+              <a:buClrTx/>
+              <a:buSzTx/>
+              <a:buFontTx/>
+              <a:buNone/>
+              <a:defRPr/>
+            </a:pPr>
+            <a:r>
+              <a:rPr lang="en-US" altLang="zh-CN" dirty="0">
+                <a:effectLst/>
+                <a:latin typeface="微软雅黑" panose="020B0503020204020204" charset="-122"/>
+                <a:ea typeface="微软雅黑" panose="020B0503020204020204" charset="-122"/>
+                <a:sym typeface="+mn-ea"/>
+              </a:rPr>
+              <a:t>2.LLaMA: Open and Efficient Foundation Language Models</a:t>
+            </a:r>
+            <a:endParaRPr lang="en-US" altLang="zh-CN" dirty="0">
+              <a:effectLst/>
+              <a:latin typeface="微软雅黑" panose="020B0503020204020204" charset="-122"/>
+              <a:ea typeface="微软雅黑" panose="020B0503020204020204" charset="-122"/>
+            </a:endParaRPr>
+          </a:p>
+        </p:txBody>
+      </p:sp>
+      <p:sp>
+        <p:nvSpPr>
+          <p:cNvPr id="15" name="文本框 14"/>
+          <p:cNvSpPr txBox="1"/>
+          <p:nvPr>
+            <p:custDataLst>
+              <p:tags r:id="rId2"/>
+            </p:custDataLst>
+          </p:nvPr>
+        </p:nvSpPr>
+        <p:spPr>
+          <a:xfrm>
+            <a:off x="5530850" y="1017270"/>
+            <a:ext cx="2831465" cy="506730"/>
+          </a:xfrm>
+          <a:prstGeom prst="rect">
+            <a:avLst/>
+          </a:prstGeom>
+          <a:noFill/>
+        </p:spPr>
+        <p:txBody>
+          <a:bodyPr wrap="square" rtlCol="0">
+            <a:spAutoFit/>
+          </a:bodyPr>
+          <a:p>
+            <a:pPr marL="285750" indent="-285750">
+              <a:lnSpc>
+                <a:spcPct val="150000"/>
+              </a:lnSpc>
+              <a:buFont typeface="Wingdings" panose="05000000000000000000" charset="0"/>
+              <a:buChar char="p"/>
+            </a:pPr>
+            <a:r>
+              <a:rPr lang="zh-CN" b="1" dirty="0">
+                <a:latin typeface="微软雅黑" panose="020B0503020204020204" charset="-122"/>
+                <a:ea typeface="微软雅黑" panose="020B0503020204020204" charset="-122"/>
+              </a:rPr>
+              <a:t>代码生成</a:t>
+            </a:r>
+            <a:r>
+              <a:rPr lang="zh-CN" altLang="en-US" b="1" dirty="0">
+                <a:latin typeface="微软雅黑" panose="020B0503020204020204" charset="-122"/>
+                <a:ea typeface="微软雅黑" panose="020B0503020204020204" charset="-122"/>
+              </a:rPr>
+              <a:t>：</a:t>
+            </a:r>
+            <a:endParaRPr lang="en-US" altLang="zh-CN" b="1" dirty="0">
+              <a:latin typeface="微软雅黑" panose="020B0503020204020204" charset="-122"/>
+              <a:ea typeface="微软雅黑" panose="020B0503020204020204" charset="-122"/>
+            </a:endParaRPr>
+          </a:p>
+        </p:txBody>
+      </p:sp>
+      <p:sp>
+        <p:nvSpPr>
+          <p:cNvPr id="6" name="文本框 5"/>
+          <p:cNvSpPr txBox="1"/>
+          <p:nvPr>
+            <p:custDataLst>
+              <p:tags r:id="rId3"/>
+            </p:custDataLst>
+          </p:nvPr>
+        </p:nvSpPr>
+        <p:spPr>
+          <a:xfrm>
+            <a:off x="851535" y="1017270"/>
+            <a:ext cx="2831465" cy="506730"/>
+          </a:xfrm>
+          <a:prstGeom prst="rect">
+            <a:avLst/>
+          </a:prstGeom>
+          <a:noFill/>
+        </p:spPr>
+        <p:txBody>
+          <a:bodyPr wrap="square" rtlCol="0">
+            <a:spAutoFit/>
+          </a:bodyPr>
+          <a:p>
+            <a:pPr marL="285750" indent="-285750">
+              <a:lnSpc>
+                <a:spcPct val="150000"/>
+              </a:lnSpc>
+              <a:buFont typeface="Wingdings" panose="05000000000000000000" charset="0"/>
+              <a:buChar char="p"/>
+            </a:pPr>
+            <a:r>
+              <a:rPr lang="zh-CN" altLang="en-US" b="1" dirty="0">
+                <a:latin typeface="微软雅黑" panose="020B0503020204020204" charset="-122"/>
+                <a:ea typeface="微软雅黑" panose="020B0503020204020204" charset="-122"/>
+              </a:rPr>
+              <a:t>数据推理：</a:t>
+            </a:r>
+            <a:endParaRPr lang="en-US" altLang="zh-CN" b="1" dirty="0">
+              <a:latin typeface="微软雅黑" panose="020B0503020204020204" charset="-122"/>
+              <a:ea typeface="微软雅黑" panose="020B0503020204020204" charset="-122"/>
+            </a:endParaRPr>
+          </a:p>
+        </p:txBody>
+      </p:sp>
+      <p:pic>
+        <p:nvPicPr>
+          <p:cNvPr id="8" name="图片 7"/>
+          <p:cNvPicPr>
+            <a:picLocks noChangeAspect="1"/>
+          </p:cNvPicPr>
+          <p:nvPr/>
+        </p:nvPicPr>
+        <p:blipFill>
+          <a:blip r:embed="rId4"/>
+          <a:stretch>
+            <a:fillRect/>
+          </a:stretch>
+        </p:blipFill>
+        <p:spPr>
+          <a:xfrm>
+            <a:off x="851535" y="1614805"/>
+            <a:ext cx="3601720" cy="4458335"/>
+          </a:xfrm>
+          <a:prstGeom prst="rect">
+            <a:avLst/>
+          </a:prstGeom>
+        </p:spPr>
+      </p:pic>
+      <p:pic>
+        <p:nvPicPr>
+          <p:cNvPr id="4" name="图片 3"/>
+          <p:cNvPicPr>
+            <a:picLocks noChangeAspect="1"/>
+          </p:cNvPicPr>
+          <p:nvPr/>
+        </p:nvPicPr>
+        <p:blipFill>
+          <a:blip r:embed="rId5"/>
+          <a:stretch>
+            <a:fillRect/>
+          </a:stretch>
+        </p:blipFill>
+        <p:spPr>
+          <a:xfrm>
+            <a:off x="5805170" y="1734185"/>
+            <a:ext cx="4177030" cy="4326255"/>
+          </a:xfrm>
+          <a:prstGeom prst="rect">
+            <a:avLst/>
+          </a:prstGeom>
+        </p:spPr>
+      </p:pic>
+    </p:spTree>
+  </p:cSld>
+  <p:clrMapOvr>
+    <a:masterClrMapping/>
+  </p:clrMapOvr>
+</p:sld>
+</file>
+
+<file path=ppt/slides/slide18.xml><?xml version="1.0" encoding="utf-8"?>
+<p:sld xmlns:a="http://schemas.openxmlformats.org/drawingml/2006/main" xmlns:r="http://schemas.openxmlformats.org/officeDocument/2006/relationships" xmlns:p="http://schemas.openxmlformats.org/presentationml/2006/main">
+  <p:cSld>
+    <p:spTree>
+      <p:nvGrpSpPr>
+        <p:cNvPr id="1" name=""/>
+        <p:cNvGrpSpPr/>
+        <p:nvPr/>
+      </p:nvGrpSpPr>
+      <p:grpSpPr>
+        <a:xfrm>
+          <a:off x="0" y="0"/>
+          <a:ext cx="0" cy="0"/>
+          <a:chOff x="0" y="0"/>
+          <a:chExt cx="0" cy="0"/>
+        </a:xfrm>
+      </p:grpSpPr>
+      <p:sp>
+        <p:nvSpPr>
+          <p:cNvPr id="13" name="文本框 12"/>
+          <p:cNvSpPr txBox="1"/>
+          <p:nvPr/>
+        </p:nvSpPr>
+        <p:spPr>
+          <a:xfrm>
+            <a:off x="106466" y="601786"/>
+            <a:ext cx="2049780" cy="398780"/>
+          </a:xfrm>
+          <a:prstGeom prst="rect">
+            <a:avLst/>
+          </a:prstGeom>
+          <a:noFill/>
+        </p:spPr>
+        <p:txBody>
+          <a:bodyPr wrap="none" rtlCol="0">
+            <a:spAutoFit/>
+          </a:bodyPr>
+          <a:lstStyle/>
+          <a:p>
+            <a:pPr marL="342900" indent="-342900" algn="l">
+              <a:buClrTx/>
+              <a:buSzTx/>
+              <a:buFont typeface="Wingdings" panose="05000000000000000000" charset="0"/>
+              <a:buChar char="n"/>
+            </a:pPr>
+            <a:r>
+              <a:rPr lang="zh-CN" altLang="en-US" sz="2000" b="1" dirty="0">
+                <a:latin typeface="微软雅黑" panose="020B0503020204020204" charset="-122"/>
+                <a:ea typeface="微软雅黑" panose="020B0503020204020204" charset="-122"/>
+              </a:rPr>
+              <a:t>特定任务实验</a:t>
+            </a:r>
+            <a:endParaRPr lang="zh-CN" altLang="en-US" sz="2000" b="1" dirty="0">
+              <a:latin typeface="微软雅黑" panose="020B0503020204020204" charset="-122"/>
+              <a:ea typeface="微软雅黑" panose="020B0503020204020204" charset="-122"/>
+            </a:endParaRPr>
+          </a:p>
+        </p:txBody>
+      </p:sp>
+      <p:sp>
+        <p:nvSpPr>
+          <p:cNvPr id="7" name="文本框 6"/>
+          <p:cNvSpPr txBox="1"/>
+          <p:nvPr/>
+        </p:nvSpPr>
+        <p:spPr>
+          <a:xfrm>
+            <a:off x="724535" y="1323340"/>
+            <a:ext cx="2247900" cy="410845"/>
+          </a:xfrm>
+          <a:prstGeom prst="rect">
+            <a:avLst/>
+          </a:prstGeom>
+          <a:noFill/>
+        </p:spPr>
+        <p:txBody>
+          <a:bodyPr wrap="square">
+            <a:noAutofit/>
+          </a:bodyPr>
+          <a:lstStyle/>
+          <a:p>
+            <a:pPr algn="l" fontAlgn="auto">
+              <a:lnSpc>
+                <a:spcPts val="2200"/>
+              </a:lnSpc>
+              <a:buClrTx/>
+              <a:buSzTx/>
+              <a:buNone/>
+            </a:pPr>
+            <a:endParaRPr lang="zh-CN" altLang="en-US" sz="1600" dirty="0">
+              <a:latin typeface="微软雅黑" panose="020B0503020204020204" charset="-122"/>
+              <a:ea typeface="微软雅黑" panose="020B0503020204020204" charset="-122"/>
+            </a:endParaRPr>
+          </a:p>
+        </p:txBody>
+      </p:sp>
+      <p:sp>
+        <p:nvSpPr>
+          <p:cNvPr id="3" name="矩形 2"/>
+          <p:cNvSpPr/>
+          <p:nvPr>
+            <p:custDataLst>
+              <p:tags r:id="rId1"/>
+            </p:custDataLst>
+          </p:nvPr>
+        </p:nvSpPr>
+        <p:spPr>
+          <a:xfrm>
+            <a:off x="-6350" y="0"/>
+            <a:ext cx="12198350" cy="540000"/>
+          </a:xfrm>
+          <a:prstGeom prst="rect">
+            <a:avLst/>
+          </a:prstGeom>
+          <a:solidFill>
+            <a:srgbClr val="A099CB"/>
+          </a:solidFill>
+          <a:ln>
+            <a:noFill/>
+          </a:ln>
+        </p:spPr>
+        <p:style>
+          <a:lnRef idx="2">
+            <a:schemeClr val="accent1">
+              <a:shade val="50000"/>
+            </a:schemeClr>
+          </a:lnRef>
+          <a:fillRef idx="1">
+            <a:schemeClr val="accent1"/>
+          </a:fillRef>
+          <a:effectRef idx="0">
+            <a:schemeClr val="accent1"/>
+          </a:effectRef>
+          <a:fontRef idx="minor">
+            <a:schemeClr val="lt1"/>
+          </a:fontRef>
+        </p:style>
+        <p:txBody>
+          <a:bodyPr rtlCol="0" anchor="ctr"/>
+          <a:p>
+            <a:pPr marL="0" marR="0" lvl="0" indent="0" algn="ctr" defTabSz="914400" rtl="0" eaLnBrk="1" fontAlgn="auto" latinLnBrk="0" hangingPunct="1">
+              <a:lnSpc>
+                <a:spcPct val="100000"/>
+              </a:lnSpc>
+              <a:spcBef>
+                <a:spcPts val="0"/>
+              </a:spcBef>
+              <a:spcAft>
+                <a:spcPts val="0"/>
+              </a:spcAft>
+              <a:buClrTx/>
+              <a:buSzTx/>
+              <a:buFontTx/>
+              <a:buNone/>
+              <a:defRPr/>
+            </a:pPr>
+            <a:r>
+              <a:rPr lang="en-US" altLang="zh-CN" dirty="0">
+                <a:effectLst/>
+                <a:latin typeface="微软雅黑" panose="020B0503020204020204" charset="-122"/>
+                <a:ea typeface="微软雅黑" panose="020B0503020204020204" charset="-122"/>
+                <a:sym typeface="+mn-ea"/>
+              </a:rPr>
+              <a:t>2.LLaMA: Open and Efficient Foundation Language Models</a:t>
+            </a:r>
+            <a:endParaRPr lang="en-US" altLang="zh-CN" dirty="0">
+              <a:effectLst/>
+              <a:latin typeface="微软雅黑" panose="020B0503020204020204" charset="-122"/>
+              <a:ea typeface="微软雅黑" panose="020B0503020204020204" charset="-122"/>
+            </a:endParaRPr>
+          </a:p>
+        </p:txBody>
+      </p:sp>
+      <p:sp>
+        <p:nvSpPr>
+          <p:cNvPr id="6" name="文本框 5"/>
+          <p:cNvSpPr txBox="1"/>
+          <p:nvPr>
+            <p:custDataLst>
+              <p:tags r:id="rId2"/>
+            </p:custDataLst>
+          </p:nvPr>
+        </p:nvSpPr>
+        <p:spPr>
+          <a:xfrm>
+            <a:off x="851535" y="1017270"/>
+            <a:ext cx="2831465" cy="506730"/>
+          </a:xfrm>
+          <a:prstGeom prst="rect">
+            <a:avLst/>
+          </a:prstGeom>
+          <a:noFill/>
+        </p:spPr>
+        <p:txBody>
+          <a:bodyPr wrap="square" rtlCol="0">
+            <a:spAutoFit/>
+          </a:bodyPr>
+          <a:p>
+            <a:pPr marL="285750" indent="-285750">
+              <a:lnSpc>
+                <a:spcPct val="150000"/>
+              </a:lnSpc>
+              <a:buFont typeface="Wingdings" panose="05000000000000000000" charset="0"/>
+              <a:buChar char="p"/>
+            </a:pPr>
+            <a:r>
+              <a:rPr lang="zh-CN" altLang="en-US" b="1" dirty="0">
+                <a:latin typeface="微软雅黑" panose="020B0503020204020204" charset="-122"/>
+                <a:ea typeface="微软雅黑" panose="020B0503020204020204" charset="-122"/>
+              </a:rPr>
+              <a:t>大规模多任务语言理解：</a:t>
+            </a:r>
+            <a:endParaRPr lang="en-US" altLang="zh-CN" b="1" dirty="0">
+              <a:latin typeface="微软雅黑" panose="020B0503020204020204" charset="-122"/>
+              <a:ea typeface="微软雅黑" panose="020B0503020204020204" charset="-122"/>
+            </a:endParaRPr>
+          </a:p>
+        </p:txBody>
+      </p:sp>
+      <p:pic>
+        <p:nvPicPr>
+          <p:cNvPr id="10" name="图片 9"/>
+          <p:cNvPicPr>
+            <a:picLocks noChangeAspect="1"/>
+          </p:cNvPicPr>
+          <p:nvPr/>
+        </p:nvPicPr>
+        <p:blipFill>
+          <a:blip r:embed="rId3"/>
+          <a:stretch>
+            <a:fillRect/>
+          </a:stretch>
+        </p:blipFill>
+        <p:spPr>
+          <a:xfrm>
+            <a:off x="851535" y="1739900"/>
+            <a:ext cx="5854700" cy="3378200"/>
+          </a:xfrm>
+          <a:prstGeom prst="rect">
+            <a:avLst/>
+          </a:prstGeom>
+        </p:spPr>
+      </p:pic>
+    </p:spTree>
+  </p:cSld>
+  <p:clrMapOvr>
+    <a:masterClrMapping/>
+  </p:clrMapOvr>
+</p:sld>
+</file>
+
+<file path=ppt/slides/slide19.xml><?xml version="1.0" encoding="utf-8"?>
+<p:sld xmlns:a="http://schemas.openxmlformats.org/drawingml/2006/main" xmlns:r="http://schemas.openxmlformats.org/officeDocument/2006/relationships" xmlns:p="http://schemas.openxmlformats.org/presentationml/2006/main">
+  <p:cSld>
+    <p:spTree>
+      <p:nvGrpSpPr>
+        <p:cNvPr id="1" name=""/>
+        <p:cNvGrpSpPr/>
+        <p:nvPr/>
+      </p:nvGrpSpPr>
+      <p:grpSpPr>
+        <a:xfrm>
+          <a:off x="0" y="0"/>
+          <a:ext cx="0" cy="0"/>
+          <a:chOff x="0" y="0"/>
+          <a:chExt cx="0" cy="0"/>
+        </a:xfrm>
+      </p:grpSpPr>
+      <p:pic>
+        <p:nvPicPr>
+          <p:cNvPr id="4" name="图片 3" descr="1"/>
+          <p:cNvPicPr>
+            <a:picLocks noChangeAspect="1"/>
+          </p:cNvPicPr>
+          <p:nvPr/>
+        </p:nvPicPr>
+        <p:blipFill>
+          <a:blip r:embed="rId1"/>
+          <a:stretch>
+            <a:fillRect/>
+          </a:stretch>
+        </p:blipFill>
+        <p:spPr>
+          <a:xfrm>
+            <a:off x="4745355" y="-588645"/>
+            <a:ext cx="12060555" cy="8474075"/>
+          </a:xfrm>
+          <a:prstGeom prst="rect">
+            <a:avLst/>
+          </a:prstGeom>
+        </p:spPr>
+      </p:pic>
+      <p:sp>
+        <p:nvSpPr>
+          <p:cNvPr id="5" name="文本框 4"/>
+          <p:cNvSpPr txBox="1"/>
+          <p:nvPr/>
+        </p:nvSpPr>
+        <p:spPr>
+          <a:xfrm>
+            <a:off x="1038225" y="1470025"/>
+            <a:ext cx="2301875" cy="1861185"/>
+          </a:xfrm>
+          <a:prstGeom prst="rect">
+            <a:avLst/>
+          </a:prstGeom>
+          <a:noFill/>
+        </p:spPr>
+        <p:txBody>
+          <a:bodyPr wrap="square" rtlCol="0">
+            <a:spAutoFit/>
+          </a:bodyPr>
+          <a:lstStyle/>
+          <a:p>
+            <a:pPr marL="0" marR="0" lvl="0" indent="0" algn="l" defTabSz="914400" rtl="0" eaLnBrk="1" fontAlgn="auto" latinLnBrk="0" hangingPunct="1">
+              <a:lnSpc>
+                <a:spcPct val="100000"/>
+              </a:lnSpc>
+              <a:spcBef>
+                <a:spcPts val="0"/>
+              </a:spcBef>
+              <a:spcAft>
+                <a:spcPts val="0"/>
+              </a:spcAft>
+              <a:buClrTx/>
+              <a:buSzTx/>
+              <a:buFontTx/>
+              <a:buNone/>
+              <a:defRPr/>
+            </a:pPr>
+            <a:r>
+              <a:rPr kumimoji="0" lang="en-US" altLang="zh-CN" sz="11500" b="0" i="0" u="none" strike="noStrike" kern="1200" cap="none" spc="0" normalizeH="0" baseline="0" noProof="0" dirty="0">
+                <a:ln>
+                  <a:solidFill>
+                    <a:srgbClr val="383987"/>
+                  </a:solidFill>
+                </a:ln>
+                <a:noFill/>
+                <a:effectLst/>
+                <a:uLnTx/>
+                <a:uFillTx/>
+                <a:latin typeface="Agency FB" panose="020B0503020202020204" pitchFamily="34" charset="0"/>
+                <a:ea typeface="宋体" panose="02010600030101010101" pitchFamily="2" charset="-122"/>
+                <a:cs typeface="+mn-cs"/>
+              </a:rPr>
+              <a:t>03</a:t>
+            </a:r>
+            <a:endParaRPr kumimoji="0" lang="en-US" altLang="zh-CN" sz="11500" b="0" i="0" u="none" strike="noStrike" kern="1200" cap="none" spc="0" normalizeH="0" baseline="0" noProof="0" dirty="0">
+              <a:ln>
+                <a:solidFill>
+                  <a:srgbClr val="383987"/>
+                </a:solidFill>
+              </a:ln>
+              <a:noFill/>
+              <a:effectLst/>
+              <a:uLnTx/>
+              <a:uFillTx/>
+              <a:latin typeface="Agency FB" panose="020B0503020202020204" pitchFamily="34" charset="0"/>
+              <a:ea typeface="宋体" panose="02010600030101010101" pitchFamily="2" charset="-122"/>
+              <a:cs typeface="+mn-cs"/>
+            </a:endParaRPr>
+          </a:p>
+        </p:txBody>
+      </p:sp>
+      <p:sp>
+        <p:nvSpPr>
+          <p:cNvPr id="6" name="文本框 5"/>
+          <p:cNvSpPr txBox="1"/>
+          <p:nvPr/>
+        </p:nvSpPr>
+        <p:spPr>
+          <a:xfrm>
+            <a:off x="1265555" y="3049270"/>
+            <a:ext cx="11768455" cy="777240"/>
+          </a:xfrm>
+          <a:prstGeom prst="rect">
+            <a:avLst/>
+          </a:prstGeom>
+          <a:noFill/>
+        </p:spPr>
+        <p:txBody>
+          <a:bodyPr wrap="square" rtlCol="0">
+            <a:noAutofit/>
+          </a:bodyPr>
+          <a:lstStyle/>
+          <a:p>
+            <a:pPr marL="0" marR="0" lvl="0" indent="0" algn="ctr" defTabSz="914400" rtl="0" eaLnBrk="1" fontAlgn="auto" latinLnBrk="0" hangingPunct="1">
+              <a:lnSpc>
+                <a:spcPct val="100000"/>
+              </a:lnSpc>
+              <a:spcBef>
+                <a:spcPts val="0"/>
+              </a:spcBef>
+              <a:spcAft>
+                <a:spcPts val="0"/>
+              </a:spcAft>
+              <a:buClrTx/>
+              <a:buSzTx/>
+              <a:buFontTx/>
+              <a:buNone/>
+              <a:defRPr/>
+            </a:pPr>
+            <a:r>
+              <a:rPr lang="zh-CN" sz="3600" dirty="0">
+                <a:solidFill>
+                  <a:srgbClr val="383987"/>
+                </a:solidFill>
+                <a:latin typeface="微软雅黑" panose="020B0503020204020204" charset="-122"/>
+                <a:ea typeface="微软雅黑" panose="020B0503020204020204" charset="-122"/>
+                <a:sym typeface="+mn-ea"/>
+              </a:rPr>
+              <a:t>计划</a:t>
+            </a:r>
+            <a:endParaRPr lang="zh-CN" sz="3600" dirty="0">
+              <a:solidFill>
+                <a:srgbClr val="383987"/>
+              </a:solidFill>
+              <a:latin typeface="微软雅黑" panose="020B0503020204020204" charset="-122"/>
+              <a:ea typeface="微软雅黑" panose="020B0503020204020204" charset="-122"/>
+              <a:sym typeface="+mn-ea"/>
+            </a:endParaRPr>
+          </a:p>
+        </p:txBody>
+      </p:sp>
+    </p:spTree>
+  </p:cSld>
+  <p:clrMapOvr>
+    <a:masterClrMapping/>
+  </p:clrMapOvr>
+</p:sld>
+</file>
+
 <file path=ppt/slides/slide2.xml><?xml version="1.0" encoding="utf-8"?>
 <p:sld xmlns:a="http://schemas.openxmlformats.org/drawingml/2006/main" xmlns:r="http://schemas.openxmlformats.org/officeDocument/2006/relationships" xmlns:p="http://schemas.openxmlformats.org/presentationml/2006/main">
   <p:cSld>
@@ -4580,6 +9275,713 @@
 </p:sld>
 </file>
 
+<file path=ppt/slides/slide20.xml><?xml version="1.0" encoding="utf-8"?>
+<p:sld xmlns:a="http://schemas.openxmlformats.org/drawingml/2006/main" xmlns:r="http://schemas.openxmlformats.org/officeDocument/2006/relationships" xmlns:p="http://schemas.openxmlformats.org/presentationml/2006/main">
+  <p:cSld>
+    <p:spTree>
+      <p:nvGrpSpPr>
+        <p:cNvPr id="1" name=""/>
+        <p:cNvGrpSpPr/>
+        <p:nvPr/>
+      </p:nvGrpSpPr>
+      <p:grpSpPr>
+        <a:xfrm>
+          <a:off x="0" y="0"/>
+          <a:ext cx="0" cy="0"/>
+          <a:chOff x="0" y="0"/>
+          <a:chExt cx="0" cy="0"/>
+        </a:xfrm>
+      </p:grpSpPr>
+      <p:sp>
+        <p:nvSpPr>
+          <p:cNvPr id="13" name="文本框 12"/>
+          <p:cNvSpPr txBox="1"/>
+          <p:nvPr/>
+        </p:nvSpPr>
+        <p:spPr>
+          <a:xfrm>
+            <a:off x="106466" y="601786"/>
+            <a:ext cx="1287780" cy="398780"/>
+          </a:xfrm>
+          <a:prstGeom prst="rect">
+            <a:avLst/>
+          </a:prstGeom>
+          <a:noFill/>
+        </p:spPr>
+        <p:txBody>
+          <a:bodyPr wrap="none" rtlCol="0">
+            <a:spAutoFit/>
+          </a:bodyPr>
+          <a:lstStyle/>
+          <a:p>
+            <a:pPr marL="342900" indent="-342900">
+              <a:buFont typeface="Wingdings" panose="05000000000000000000" charset="0"/>
+              <a:buChar char="n"/>
+            </a:pPr>
+            <a:r>
+              <a:rPr lang="zh-CN" altLang="en-US" sz="2000" b="1" dirty="0">
+                <a:latin typeface="微软雅黑" panose="020B0503020204020204" charset="-122"/>
+                <a:ea typeface="微软雅黑" panose="020B0503020204020204" charset="-122"/>
+              </a:rPr>
+              <a:t>下一周</a:t>
+            </a:r>
+            <a:endParaRPr lang="zh-CN" altLang="en-US" sz="2000" b="1" dirty="0">
+              <a:latin typeface="微软雅黑" panose="020B0503020204020204" charset="-122"/>
+              <a:ea typeface="微软雅黑" panose="020B0503020204020204" charset="-122"/>
+            </a:endParaRPr>
+          </a:p>
+        </p:txBody>
+      </p:sp>
+      <p:sp>
+        <p:nvSpPr>
+          <p:cNvPr id="6" name="矩形 5"/>
+          <p:cNvSpPr/>
+          <p:nvPr>
+            <p:custDataLst>
+              <p:tags r:id="rId1"/>
+            </p:custDataLst>
+          </p:nvPr>
+        </p:nvSpPr>
+        <p:spPr>
+          <a:xfrm>
+            <a:off x="-6350" y="0"/>
+            <a:ext cx="12198350" cy="540000"/>
+          </a:xfrm>
+          <a:prstGeom prst="rect">
+            <a:avLst/>
+          </a:prstGeom>
+          <a:solidFill>
+            <a:srgbClr val="A099CB"/>
+          </a:solidFill>
+          <a:ln>
+            <a:noFill/>
+          </a:ln>
+        </p:spPr>
+        <p:style>
+          <a:lnRef idx="2">
+            <a:schemeClr val="accent1">
+              <a:shade val="50000"/>
+            </a:schemeClr>
+          </a:lnRef>
+          <a:fillRef idx="1">
+            <a:schemeClr val="accent1"/>
+          </a:fillRef>
+          <a:effectRef idx="0">
+            <a:schemeClr val="accent1"/>
+          </a:effectRef>
+          <a:fontRef idx="minor">
+            <a:schemeClr val="lt1"/>
+          </a:fontRef>
+        </p:style>
+        <p:txBody>
+          <a:bodyPr rtlCol="0" anchor="ctr"/>
+          <a:p>
+            <a:pPr marL="0" marR="0" lvl="0" indent="0" algn="ctr" defTabSz="914400" rtl="0" eaLnBrk="1" fontAlgn="auto" latinLnBrk="0" hangingPunct="1">
+              <a:lnSpc>
+                <a:spcPct val="100000"/>
+              </a:lnSpc>
+              <a:spcBef>
+                <a:spcPts val="0"/>
+              </a:spcBef>
+              <a:spcAft>
+                <a:spcPts val="0"/>
+              </a:spcAft>
+              <a:buClrTx/>
+              <a:buSzTx/>
+              <a:buFontTx/>
+              <a:buNone/>
+              <a:defRPr/>
+            </a:pPr>
+            <a:r>
+              <a:rPr lang="en-US" altLang="zh-CN" dirty="0">
+                <a:effectLst/>
+                <a:latin typeface="微软雅黑" panose="020B0503020204020204" charset="-122"/>
+                <a:ea typeface="微软雅黑" panose="020B0503020204020204" charset="-122"/>
+                <a:sym typeface="+mn-ea"/>
+              </a:rPr>
+              <a:t>4.</a:t>
+            </a:r>
+            <a:r>
+              <a:rPr lang="zh-CN" altLang="en-US" dirty="0">
+                <a:effectLst/>
+                <a:latin typeface="微软雅黑" panose="020B0503020204020204" charset="-122"/>
+                <a:ea typeface="微软雅黑" panose="020B0503020204020204" charset="-122"/>
+                <a:sym typeface="+mn-ea"/>
+              </a:rPr>
+              <a:t>计划</a:t>
+            </a:r>
+            <a:endParaRPr lang="zh-CN" altLang="en-US" dirty="0">
+              <a:effectLst/>
+              <a:latin typeface="微软雅黑" panose="020B0503020204020204" charset="-122"/>
+              <a:ea typeface="微软雅黑" panose="020B0503020204020204" charset="-122"/>
+              <a:sym typeface="+mn-ea"/>
+            </a:endParaRPr>
+          </a:p>
+        </p:txBody>
+      </p:sp>
+      <p:sp>
+        <p:nvSpPr>
+          <p:cNvPr id="5" name="文本框 4"/>
+          <p:cNvSpPr txBox="1"/>
+          <p:nvPr>
+            <p:custDataLst>
+              <p:tags r:id="rId2"/>
+            </p:custDataLst>
+          </p:nvPr>
+        </p:nvSpPr>
+        <p:spPr>
+          <a:xfrm>
+            <a:off x="455295" y="845185"/>
+            <a:ext cx="1725930" cy="506730"/>
+          </a:xfrm>
+          <a:prstGeom prst="rect">
+            <a:avLst/>
+          </a:prstGeom>
+          <a:noFill/>
+        </p:spPr>
+        <p:txBody>
+          <a:bodyPr wrap="square" rtlCol="0">
+            <a:spAutoFit/>
+          </a:bodyPr>
+          <a:p>
+            <a:pPr marL="285750" indent="-285750">
+              <a:lnSpc>
+                <a:spcPct val="150000"/>
+              </a:lnSpc>
+              <a:buFont typeface="Wingdings" panose="05000000000000000000" charset="0"/>
+              <a:buChar char="p"/>
+            </a:pPr>
+            <a:r>
+              <a:rPr lang="zh-CN" altLang="en-US" b="1" dirty="0">
+                <a:latin typeface="微软雅黑" panose="020B0503020204020204" charset="-122"/>
+                <a:ea typeface="微软雅黑" panose="020B0503020204020204" charset="-122"/>
+              </a:rPr>
+              <a:t>代码复现：</a:t>
+            </a:r>
+            <a:endParaRPr lang="en-US" altLang="zh-CN" b="1" dirty="0">
+              <a:latin typeface="微软雅黑" panose="020B0503020204020204" charset="-122"/>
+              <a:ea typeface="微软雅黑" panose="020B0503020204020204" charset="-122"/>
+            </a:endParaRPr>
+          </a:p>
+        </p:txBody>
+      </p:sp>
+      <p:sp>
+        <p:nvSpPr>
+          <p:cNvPr id="4" name="文本框 3"/>
+          <p:cNvSpPr txBox="1"/>
+          <p:nvPr/>
+        </p:nvSpPr>
+        <p:spPr>
+          <a:xfrm>
+            <a:off x="911860" y="1306195"/>
+            <a:ext cx="11280140" cy="337185"/>
+          </a:xfrm>
+          <a:prstGeom prst="rect">
+            <a:avLst/>
+          </a:prstGeom>
+        </p:spPr>
+        <p:txBody>
+          <a:bodyPr wrap="square">
+            <a:spAutoFit/>
+          </a:bodyPr>
+          <a:p>
+            <a:pPr marL="0" indent="0" algn="just"/>
+            <a:r>
+              <a:rPr lang="zh-CN" altLang="en-US" sz="1600" b="0" i="0">
+                <a:solidFill>
+                  <a:srgbClr val="000000"/>
+                </a:solidFill>
+                <a:latin typeface="微软雅黑" panose="020B0503020204020204" charset="-122"/>
+                <a:ea typeface="微软雅黑" panose="020B0503020204020204" charset="-122"/>
+              </a:rPr>
+              <a:t>找一个合适的（比如就是医疗影像）大模型微调工作去复现，下周先把整个工作部署到服务器上</a:t>
+            </a:r>
+            <a:endParaRPr lang="zh-CN" altLang="en-US" sz="1600" b="0" i="0">
+              <a:solidFill>
+                <a:srgbClr val="000000"/>
+              </a:solidFill>
+              <a:latin typeface="微软雅黑" panose="020B0503020204020204" charset="-122"/>
+              <a:ea typeface="微软雅黑" panose="020B0503020204020204" charset="-122"/>
+            </a:endParaRPr>
+          </a:p>
+        </p:txBody>
+      </p:sp>
+      <p:sp>
+        <p:nvSpPr>
+          <p:cNvPr id="3" name="文本框 2"/>
+          <p:cNvSpPr txBox="1"/>
+          <p:nvPr>
+            <p:custDataLst>
+              <p:tags r:id="rId3"/>
+            </p:custDataLst>
+          </p:nvPr>
+        </p:nvSpPr>
+        <p:spPr>
+          <a:xfrm>
+            <a:off x="455295" y="1657350"/>
+            <a:ext cx="4956810" cy="506730"/>
+          </a:xfrm>
+          <a:prstGeom prst="rect">
+            <a:avLst/>
+          </a:prstGeom>
+          <a:noFill/>
+        </p:spPr>
+        <p:txBody>
+          <a:bodyPr wrap="square" rtlCol="0">
+            <a:spAutoFit/>
+          </a:bodyPr>
+          <a:p>
+            <a:pPr marL="285750" indent="-285750">
+              <a:lnSpc>
+                <a:spcPct val="150000"/>
+              </a:lnSpc>
+              <a:buFont typeface="Wingdings" panose="05000000000000000000" charset="0"/>
+              <a:buChar char="p"/>
+            </a:pPr>
+            <a:r>
+              <a:rPr lang="zh-CN" altLang="en-US" b="1" dirty="0">
+                <a:latin typeface="微软雅黑" panose="020B0503020204020204" charset="-122"/>
+                <a:ea typeface="微软雅黑" panose="020B0503020204020204" charset="-122"/>
+              </a:rPr>
+              <a:t>继续读大模型</a:t>
+            </a:r>
+            <a:r>
+              <a:rPr lang="en-US" altLang="zh-CN" b="1" dirty="0">
+                <a:latin typeface="微软雅黑" panose="020B0503020204020204" charset="-122"/>
+                <a:ea typeface="微软雅黑" panose="020B0503020204020204" charset="-122"/>
+              </a:rPr>
+              <a:t>guide</a:t>
+            </a:r>
+            <a:r>
+              <a:rPr lang="zh-CN" altLang="en-US" b="1" dirty="0">
+                <a:latin typeface="微软雅黑" panose="020B0503020204020204" charset="-122"/>
+                <a:ea typeface="微软雅黑" panose="020B0503020204020204" charset="-122"/>
+              </a:rPr>
+              <a:t>的论文推荐：</a:t>
+            </a:r>
+            <a:endParaRPr lang="en-US" altLang="zh-CN" b="1" dirty="0">
+              <a:latin typeface="微软雅黑" panose="020B0503020204020204" charset="-122"/>
+              <a:ea typeface="微软雅黑" panose="020B0503020204020204" charset="-122"/>
+            </a:endParaRPr>
+          </a:p>
+        </p:txBody>
+      </p:sp>
+      <p:sp>
+        <p:nvSpPr>
+          <p:cNvPr id="7" name="文本框 6"/>
+          <p:cNvSpPr txBox="1"/>
+          <p:nvPr/>
+        </p:nvSpPr>
+        <p:spPr>
+          <a:xfrm>
+            <a:off x="911860" y="2178050"/>
+            <a:ext cx="7237095" cy="2553335"/>
+          </a:xfrm>
+          <a:prstGeom prst="rect">
+            <a:avLst/>
+          </a:prstGeom>
+        </p:spPr>
+        <p:txBody>
+          <a:bodyPr wrap="square">
+            <a:spAutoFit/>
+          </a:bodyPr>
+          <a:p>
+            <a:pPr marL="0" indent="0" algn="just"/>
+            <a:r>
+              <a:rPr lang="zh-CN" altLang="en-US" sz="1600" b="0" i="0">
+                <a:solidFill>
+                  <a:srgbClr val="000000"/>
+                </a:solidFill>
+                <a:latin typeface="微软雅黑" panose="020B0503020204020204" charset="-122"/>
+                <a:ea typeface="微软雅黑" panose="020B0503020204020204" charset="-122"/>
+              </a:rPr>
+              <a:t>继续补充大模型和微调的基础论文，少看视频，多看论文和博客。不懂的多查，感觉看视频十分低效</a:t>
+            </a:r>
+            <a:endParaRPr lang="zh-CN" altLang="en-US" sz="1600" b="0" i="0">
+              <a:solidFill>
+                <a:srgbClr val="000000"/>
+              </a:solidFill>
+              <a:latin typeface="微软雅黑" panose="020B0503020204020204" charset="-122"/>
+              <a:ea typeface="微软雅黑" panose="020B0503020204020204" charset="-122"/>
+            </a:endParaRPr>
+          </a:p>
+          <a:p>
+            <a:pPr marL="0" indent="0" algn="just"/>
+            <a:endParaRPr lang="zh-CN" altLang="en-US" sz="1600" b="0" i="0">
+              <a:solidFill>
+                <a:srgbClr val="000000"/>
+              </a:solidFill>
+              <a:latin typeface="微软雅黑" panose="020B0503020204020204" charset="-122"/>
+              <a:ea typeface="微软雅黑" panose="020B0503020204020204" charset="-122"/>
+            </a:endParaRPr>
+          </a:p>
+          <a:p>
+            <a:pPr marL="0" indent="0" algn="just"/>
+            <a:r>
+              <a:rPr lang="zh-CN" altLang="en-US" sz="1600" b="0" i="0">
+                <a:solidFill>
+                  <a:srgbClr val="000000"/>
+                </a:solidFill>
+                <a:latin typeface="微软雅黑" panose="020B0503020204020204" charset="-122"/>
+                <a:ea typeface="微软雅黑" panose="020B0503020204020204" charset="-122"/>
+              </a:rPr>
+              <a:t>我有的问题是，既然做医学影像的大模型微调，那么是不是不用太关心零样本和少样本问题？上次观看</a:t>
+            </a:r>
+            <a:r>
+              <a:rPr lang="en-US" altLang="zh-CN" sz="1600" b="0" i="0">
+                <a:solidFill>
+                  <a:srgbClr val="000000"/>
+                </a:solidFill>
+                <a:latin typeface="微软雅黑" panose="020B0503020204020204" charset="-122"/>
+                <a:ea typeface="微软雅黑" panose="020B0503020204020204" charset="-122"/>
+              </a:rPr>
+              <a:t>yiyang</a:t>
+            </a:r>
+            <a:r>
+              <a:rPr lang="zh-CN" altLang="en-US" sz="1600" b="0" i="0">
+                <a:solidFill>
+                  <a:srgbClr val="000000"/>
+                </a:solidFill>
+                <a:latin typeface="微软雅黑" panose="020B0503020204020204" charset="-122"/>
+                <a:ea typeface="微软雅黑" panose="020B0503020204020204" charset="-122"/>
+              </a:rPr>
+              <a:t>学长的汇报里面老师提供的医院数据好像也是</a:t>
+            </a:r>
+            <a:r>
+              <a:rPr lang="en-US" altLang="zh-CN" sz="1600" b="0" i="0">
+                <a:solidFill>
+                  <a:srgbClr val="000000"/>
+                </a:solidFill>
+                <a:latin typeface="微软雅黑" panose="020B0503020204020204" charset="-122"/>
+                <a:ea typeface="微软雅黑" panose="020B0503020204020204" charset="-122"/>
+              </a:rPr>
+              <a:t>90</a:t>
+            </a:r>
+            <a:r>
+              <a:rPr lang="zh-CN" altLang="en-US" sz="1600" b="0" i="0">
+                <a:solidFill>
+                  <a:srgbClr val="000000"/>
+                </a:solidFill>
+                <a:latin typeface="微软雅黑" panose="020B0503020204020204" charset="-122"/>
+                <a:ea typeface="微软雅黑" panose="020B0503020204020204" charset="-122"/>
+              </a:rPr>
+              <a:t>多张（也可能是看错了），如果是</a:t>
+            </a:r>
+            <a:r>
+              <a:rPr lang="en-US" altLang="zh-CN" sz="1600" b="0" i="0">
+                <a:solidFill>
+                  <a:srgbClr val="000000"/>
+                </a:solidFill>
+                <a:latin typeface="微软雅黑" panose="020B0503020204020204" charset="-122"/>
+                <a:ea typeface="微软雅黑" panose="020B0503020204020204" charset="-122"/>
+              </a:rPr>
+              <a:t>90</a:t>
+            </a:r>
+            <a:r>
+              <a:rPr lang="zh-CN" altLang="en-US" sz="1600" b="0" i="0">
+                <a:solidFill>
+                  <a:srgbClr val="000000"/>
+                </a:solidFill>
+                <a:latin typeface="微软雅黑" panose="020B0503020204020204" charset="-122"/>
+                <a:ea typeface="微软雅黑" panose="020B0503020204020204" charset="-122"/>
+              </a:rPr>
+              <a:t>多张的话是不是我也需要关注一些少样本提示的模型，因为我看着</a:t>
+            </a:r>
+            <a:r>
+              <a:rPr lang="en-US" altLang="zh-CN" sz="1600" b="0" i="0">
+                <a:solidFill>
+                  <a:srgbClr val="000000"/>
+                </a:solidFill>
+                <a:latin typeface="微软雅黑" panose="020B0503020204020204" charset="-122"/>
+                <a:ea typeface="微软雅黑" panose="020B0503020204020204" charset="-122"/>
+              </a:rPr>
+              <a:t>LLaMA</a:t>
+            </a:r>
+            <a:r>
+              <a:rPr lang="zh-CN" altLang="en-US" sz="1600" b="0" i="0">
+                <a:solidFill>
+                  <a:srgbClr val="000000"/>
+                </a:solidFill>
+                <a:latin typeface="微软雅黑" panose="020B0503020204020204" charset="-122"/>
+                <a:ea typeface="微软雅黑" panose="020B0503020204020204" charset="-122"/>
+              </a:rPr>
+              <a:t>里面</a:t>
+            </a:r>
+            <a:r>
+              <a:rPr lang="en-US" altLang="zh-CN" sz="1600" b="0" i="0">
+                <a:solidFill>
+                  <a:srgbClr val="000000"/>
+                </a:solidFill>
+                <a:latin typeface="微软雅黑" panose="020B0503020204020204" charset="-122"/>
+                <a:ea typeface="微软雅黑" panose="020B0503020204020204" charset="-122"/>
+              </a:rPr>
+              <a:t>64</a:t>
+            </a:r>
+            <a:r>
+              <a:rPr lang="zh-CN" altLang="en-US" sz="1600" b="0" i="0">
+                <a:solidFill>
+                  <a:srgbClr val="000000"/>
+                </a:solidFill>
+                <a:latin typeface="微软雅黑" panose="020B0503020204020204" charset="-122"/>
+                <a:ea typeface="微软雅黑" panose="020B0503020204020204" charset="-122"/>
+              </a:rPr>
+              <a:t>也是少样本，或者说医疗影像领域不是很一样</a:t>
+            </a:r>
+            <a:endParaRPr lang="zh-CN" altLang="en-US" sz="1600" b="0" i="0">
+              <a:solidFill>
+                <a:srgbClr val="000000"/>
+              </a:solidFill>
+              <a:latin typeface="微软雅黑" panose="020B0503020204020204" charset="-122"/>
+              <a:ea typeface="微软雅黑" panose="020B0503020204020204" charset="-122"/>
+            </a:endParaRPr>
+          </a:p>
+          <a:p>
+            <a:pPr marL="0" indent="0" algn="just"/>
+            <a:endParaRPr lang="zh-CN" altLang="en-US" sz="1600" b="0" i="0">
+              <a:solidFill>
+                <a:srgbClr val="000000"/>
+              </a:solidFill>
+              <a:latin typeface="微软雅黑" panose="020B0503020204020204" charset="-122"/>
+              <a:ea typeface="微软雅黑" panose="020B0503020204020204" charset="-122"/>
+            </a:endParaRPr>
+          </a:p>
+          <a:p>
+            <a:pPr marL="0" indent="0" algn="just"/>
+            <a:endParaRPr lang="zh-CN" altLang="en-US" sz="1600" b="0" i="0">
+              <a:solidFill>
+                <a:srgbClr val="000000"/>
+              </a:solidFill>
+              <a:latin typeface="微软雅黑" panose="020B0503020204020204" charset="-122"/>
+              <a:ea typeface="微软雅黑" panose="020B0503020204020204" charset="-122"/>
+            </a:endParaRPr>
+          </a:p>
+        </p:txBody>
+      </p:sp>
+      <p:pic>
+        <p:nvPicPr>
+          <p:cNvPr id="2" name="图片 1"/>
+          <p:cNvPicPr>
+            <a:picLocks noChangeAspect="1"/>
+          </p:cNvPicPr>
+          <p:nvPr/>
+        </p:nvPicPr>
+        <p:blipFill>
+          <a:blip r:embed="rId4"/>
+          <a:stretch>
+            <a:fillRect/>
+          </a:stretch>
+        </p:blipFill>
+        <p:spPr>
+          <a:xfrm>
+            <a:off x="8148320" y="2656840"/>
+            <a:ext cx="3992245" cy="4185920"/>
+          </a:xfrm>
+          <a:prstGeom prst="rect">
+            <a:avLst/>
+          </a:prstGeom>
+        </p:spPr>
+      </p:pic>
+    </p:spTree>
+  </p:cSld>
+  <p:clrMapOvr>
+    <a:masterClrMapping/>
+  </p:clrMapOvr>
+</p:sld>
+</file>
+
+<file path=ppt/slides/slide21.xml><?xml version="1.0" encoding="utf-8"?>
+<p:sld xmlns:a="http://schemas.openxmlformats.org/drawingml/2006/main" xmlns:r="http://schemas.openxmlformats.org/officeDocument/2006/relationships" xmlns:p="http://schemas.openxmlformats.org/presentationml/2006/main">
+  <p:cSld>
+    <p:spTree>
+      <p:nvGrpSpPr>
+        <p:cNvPr id="1" name=""/>
+        <p:cNvGrpSpPr/>
+        <p:nvPr/>
+      </p:nvGrpSpPr>
+      <p:grpSpPr>
+        <a:xfrm>
+          <a:off x="0" y="0"/>
+          <a:ext cx="0" cy="0"/>
+          <a:chOff x="0" y="0"/>
+          <a:chExt cx="0" cy="0"/>
+        </a:xfrm>
+      </p:grpSpPr>
+      <p:pic>
+        <p:nvPicPr>
+          <p:cNvPr id="4" name="图片 3" descr="1"/>
+          <p:cNvPicPr>
+            <a:picLocks noChangeAspect="1"/>
+          </p:cNvPicPr>
+          <p:nvPr/>
+        </p:nvPicPr>
+        <p:blipFill>
+          <a:blip r:embed="rId1"/>
+          <a:stretch>
+            <a:fillRect/>
+          </a:stretch>
+        </p:blipFill>
+        <p:spPr>
+          <a:xfrm>
+            <a:off x="4745355" y="-588645"/>
+            <a:ext cx="12060555" cy="8474075"/>
+          </a:xfrm>
+          <a:prstGeom prst="rect">
+            <a:avLst/>
+          </a:prstGeom>
+        </p:spPr>
+      </p:pic>
+      <p:sp>
+        <p:nvSpPr>
+          <p:cNvPr id="5" name="文本框 4"/>
+          <p:cNvSpPr txBox="1"/>
+          <p:nvPr/>
+        </p:nvSpPr>
+        <p:spPr>
+          <a:xfrm>
+            <a:off x="768985" y="2095500"/>
+            <a:ext cx="7110730" cy="1445260"/>
+          </a:xfrm>
+          <a:prstGeom prst="rect">
+            <a:avLst/>
+          </a:prstGeom>
+          <a:noFill/>
+        </p:spPr>
+        <p:txBody>
+          <a:bodyPr wrap="square" rtlCol="0">
+            <a:spAutoFit/>
+          </a:bodyPr>
+          <a:lstStyle/>
+          <a:p>
+            <a:pPr marL="0" marR="0" lvl="0" indent="0" algn="l" defTabSz="914400" rtl="0" eaLnBrk="1" fontAlgn="auto" latinLnBrk="0" hangingPunct="1">
+              <a:lnSpc>
+                <a:spcPct val="100000"/>
+              </a:lnSpc>
+              <a:spcBef>
+                <a:spcPts val="0"/>
+              </a:spcBef>
+              <a:spcAft>
+                <a:spcPts val="0"/>
+              </a:spcAft>
+              <a:buClrTx/>
+              <a:buSzTx/>
+              <a:buFontTx/>
+              <a:buNone/>
+              <a:defRPr/>
+            </a:pPr>
+            <a:r>
+              <a:rPr kumimoji="0" lang="en-US" altLang="zh-CN" sz="8800" b="0" i="0" u="none" strike="noStrike" kern="1200" cap="none" spc="0" normalizeH="0" baseline="0" noProof="0" dirty="0">
+                <a:ln>
+                  <a:solidFill>
+                    <a:srgbClr val="383987"/>
+                  </a:solidFill>
+                </a:ln>
+                <a:noFill/>
+                <a:effectLst/>
+                <a:uLnTx/>
+                <a:uFillTx/>
+                <a:latin typeface="Agency FB" panose="020B0503020202020204" pitchFamily="34" charset="0"/>
+                <a:ea typeface="宋体" panose="02010600030101010101" pitchFamily="2" charset="-122"/>
+                <a:cs typeface="+mn-cs"/>
+              </a:rPr>
+              <a:t>THANKS</a:t>
+            </a:r>
+            <a:endParaRPr kumimoji="0" lang="en-US" altLang="zh-CN" sz="8800" b="0" i="0" u="none" strike="noStrike" kern="1200" cap="none" spc="0" normalizeH="0" baseline="0" noProof="0" dirty="0">
+              <a:ln>
+                <a:solidFill>
+                  <a:srgbClr val="383987"/>
+                </a:solidFill>
+              </a:ln>
+              <a:noFill/>
+              <a:effectLst/>
+              <a:uLnTx/>
+              <a:uFillTx/>
+              <a:latin typeface="Agency FB" panose="020B0503020202020204" pitchFamily="34" charset="0"/>
+              <a:ea typeface="宋体" panose="02010600030101010101" pitchFamily="2" charset="-122"/>
+              <a:cs typeface="+mn-cs"/>
+            </a:endParaRPr>
+          </a:p>
+        </p:txBody>
+      </p:sp>
+      <p:sp>
+        <p:nvSpPr>
+          <p:cNvPr id="2" name="文本框 1"/>
+          <p:cNvSpPr txBox="1"/>
+          <p:nvPr/>
+        </p:nvSpPr>
+        <p:spPr>
+          <a:xfrm>
+            <a:off x="934085" y="3540760"/>
+            <a:ext cx="4176395" cy="460375"/>
+          </a:xfrm>
+          <a:prstGeom prst="rect">
+            <a:avLst/>
+          </a:prstGeom>
+          <a:noFill/>
+        </p:spPr>
+        <p:txBody>
+          <a:bodyPr wrap="square" rtlCol="0">
+            <a:spAutoFit/>
+          </a:bodyPr>
+          <a:lstStyle/>
+          <a:p>
+            <a:pPr marL="0" marR="0" lvl="0" indent="0" algn="dist" defTabSz="914400" rtl="0" eaLnBrk="1" fontAlgn="auto" latinLnBrk="0" hangingPunct="1">
+              <a:lnSpc>
+                <a:spcPct val="100000"/>
+              </a:lnSpc>
+              <a:spcBef>
+                <a:spcPts val="0"/>
+              </a:spcBef>
+              <a:spcAft>
+                <a:spcPts val="0"/>
+              </a:spcAft>
+              <a:buClrTx/>
+              <a:buSzTx/>
+              <a:buFontTx/>
+              <a:buNone/>
+              <a:defRPr/>
+            </a:pPr>
+            <a:r>
+              <a:rPr kumimoji="0" lang="zh-CN" altLang="en-US" sz="2400" b="0" i="0" u="none" strike="noStrike" kern="1200" cap="none" spc="0" normalizeH="0" baseline="0" noProof="0">
+                <a:ln>
+                  <a:noFill/>
+                </a:ln>
+                <a:solidFill>
+                  <a:srgbClr val="383987"/>
+                </a:solidFill>
+                <a:effectLst/>
+                <a:uLnTx/>
+                <a:uFillTx/>
+                <a:latin typeface="微软雅黑" panose="020B0503020204020204" charset="-122"/>
+                <a:ea typeface="微软雅黑" panose="020B0503020204020204" charset="-122"/>
+                <a:cs typeface="+mn-cs"/>
+              </a:rPr>
+              <a:t>谢谢观看</a:t>
+            </a:r>
+            <a:endParaRPr kumimoji="0" lang="zh-CN" altLang="en-US" sz="2400" b="0" i="0" u="none" strike="noStrike" kern="1200" cap="none" spc="0" normalizeH="0" baseline="0" noProof="0">
+              <a:ln>
+                <a:noFill/>
+              </a:ln>
+              <a:solidFill>
+                <a:srgbClr val="383987"/>
+              </a:solidFill>
+              <a:effectLst/>
+              <a:uLnTx/>
+              <a:uFillTx/>
+              <a:latin typeface="微软雅黑" panose="020B0503020204020204" charset="-122"/>
+              <a:ea typeface="微软雅黑" panose="020B0503020204020204" charset="-122"/>
+              <a:cs typeface="+mn-cs"/>
+            </a:endParaRPr>
+          </a:p>
+        </p:txBody>
+      </p:sp>
+    </p:spTree>
+  </p:cSld>
+  <p:clrMapOvr>
+    <a:masterClrMapping/>
+  </p:clrMapOvr>
+</p:sld>
+</file>
+
 <file path=ppt/slides/slide3.xml><?xml version="1.0" encoding="utf-8"?>
 <p:sld xmlns:a="http://schemas.openxmlformats.org/drawingml/2006/main" xmlns:r="http://schemas.openxmlformats.org/officeDocument/2006/relationships" xmlns:p="http://schemas.openxmlformats.org/presentationml/2006/main">
   <p:cSld>
@@ -5372,7 +10774,7 @@
         <p:spPr>
           <a:xfrm>
             <a:off x="455295" y="972185"/>
-            <a:ext cx="10515600" cy="1753235"/>
+            <a:ext cx="10515600" cy="4661535"/>
           </a:xfrm>
           <a:prstGeom prst="rect">
             <a:avLst/>
@@ -5444,6 +10846,97 @@
               <a:ea typeface="微软雅黑" panose="020B0503020204020204" charset="-122"/>
             </a:endParaRPr>
           </a:p>
+          <a:p>
+            <a:pPr marL="285750" indent="-285750">
+              <a:lnSpc>
+                <a:spcPct val="150000"/>
+              </a:lnSpc>
+              <a:buFont typeface="Wingdings" panose="05000000000000000000" charset="0"/>
+              <a:buChar char="p"/>
+            </a:pPr>
+            <a:endParaRPr lang="zh-CN" altLang="en-US" b="1" dirty="0">
+              <a:latin typeface="微软雅黑" panose="020B0503020204020204" charset="-122"/>
+              <a:ea typeface="微软雅黑" panose="020B0503020204020204" charset="-122"/>
+            </a:endParaRPr>
+          </a:p>
+          <a:p>
+            <a:pPr marL="285750" indent="-285750">
+              <a:lnSpc>
+                <a:spcPct val="150000"/>
+              </a:lnSpc>
+              <a:buFont typeface="Wingdings" panose="05000000000000000000" charset="0"/>
+              <a:buChar char="p"/>
+            </a:pPr>
+            <a:endParaRPr lang="zh-CN" altLang="en-US" b="1" dirty="0">
+              <a:latin typeface="微软雅黑" panose="020B0503020204020204" charset="-122"/>
+              <a:ea typeface="微软雅黑" panose="020B0503020204020204" charset="-122"/>
+            </a:endParaRPr>
+          </a:p>
+          <a:p>
+            <a:pPr marL="285750" indent="-285750">
+              <a:lnSpc>
+                <a:spcPct val="150000"/>
+              </a:lnSpc>
+              <a:buFont typeface="Wingdings" panose="05000000000000000000" charset="0"/>
+              <a:buChar char="p"/>
+            </a:pPr>
+            <a:endParaRPr lang="zh-CN" altLang="en-US" b="1" dirty="0">
+              <a:latin typeface="微软雅黑" panose="020B0503020204020204" charset="-122"/>
+              <a:ea typeface="微软雅黑" panose="020B0503020204020204" charset="-122"/>
+            </a:endParaRPr>
+          </a:p>
+          <a:p>
+            <a:pPr marL="285750" indent="-285750">
+              <a:lnSpc>
+                <a:spcPct val="150000"/>
+              </a:lnSpc>
+              <a:buFont typeface="Wingdings" panose="05000000000000000000" charset="0"/>
+              <a:buChar char="p"/>
+            </a:pPr>
+            <a:endParaRPr lang="zh-CN" altLang="en-US" b="1" dirty="0">
+              <a:latin typeface="微软雅黑" panose="020B0503020204020204" charset="-122"/>
+              <a:ea typeface="微软雅黑" panose="020B0503020204020204" charset="-122"/>
+            </a:endParaRPr>
+          </a:p>
+          <a:p>
+            <a:pPr marL="285750" indent="-285750">
+              <a:lnSpc>
+                <a:spcPct val="150000"/>
+              </a:lnSpc>
+              <a:buFont typeface="Wingdings" panose="05000000000000000000" charset="0"/>
+              <a:buChar char="p"/>
+            </a:pPr>
+            <a:endParaRPr lang="zh-CN" altLang="en-US" b="1" dirty="0">
+              <a:latin typeface="微软雅黑" panose="020B0503020204020204" charset="-122"/>
+              <a:ea typeface="微软雅黑" panose="020B0503020204020204" charset="-122"/>
+            </a:endParaRPr>
+          </a:p>
+          <a:p>
+            <a:pPr marL="285750" indent="-285750">
+              <a:lnSpc>
+                <a:spcPct val="150000"/>
+              </a:lnSpc>
+              <a:buFont typeface="Wingdings" panose="05000000000000000000" charset="0"/>
+              <a:buChar char="p"/>
+            </a:pPr>
+            <a:endParaRPr lang="zh-CN" altLang="en-US" b="1" dirty="0">
+              <a:latin typeface="微软雅黑" panose="020B0503020204020204" charset="-122"/>
+              <a:ea typeface="微软雅黑" panose="020B0503020204020204" charset="-122"/>
+            </a:endParaRPr>
+          </a:p>
+          <a:p>
+            <a:pPr marL="285750" indent="-285750">
+              <a:lnSpc>
+                <a:spcPct val="150000"/>
+              </a:lnSpc>
+              <a:buFont typeface="Wingdings" panose="05000000000000000000" charset="0"/>
+              <a:buChar char="p"/>
+            </a:pPr>
+            <a:endParaRPr lang="zh-CN" altLang="en-US" b="1" dirty="0">
+              <a:latin typeface="微软雅黑" panose="020B0503020204020204" charset="-122"/>
+              <a:ea typeface="微软雅黑" panose="020B0503020204020204" charset="-122"/>
+            </a:endParaRPr>
+          </a:p>
         </p:txBody>
       </p:sp>
       <p:sp>
@@ -5626,54 +11119,6 @@
               </a:rPr>
               <a:t>，打算比完赛后敲敲代码</a:t>
             </a:r>
-            <a:endParaRPr lang="zh-CN" altLang="en-US" sz="1600" dirty="0">
-              <a:solidFill>
-                <a:schemeClr val="tx1"/>
-              </a:solidFill>
-              <a:latin typeface="微软雅黑" panose="020B0503020204020204" charset="-122"/>
-              <a:ea typeface="微软雅黑" panose="020B0503020204020204" charset="-122"/>
-            </a:endParaRPr>
-          </a:p>
-          <a:p>
-            <a:pPr marL="0" lvl="0" indent="457200">
-              <a:buNone/>
-            </a:pPr>
-            <a:endParaRPr lang="zh-CN" altLang="en-US" sz="1600" dirty="0">
-              <a:solidFill>
-                <a:schemeClr val="tx1"/>
-              </a:solidFill>
-              <a:latin typeface="微软雅黑" panose="020B0503020204020204" charset="-122"/>
-              <a:ea typeface="微软雅黑" panose="020B0503020204020204" charset="-122"/>
-            </a:endParaRPr>
-          </a:p>
-          <a:p>
-            <a:pPr marL="0" lvl="0" indent="457200">
-              <a:buNone/>
-            </a:pPr>
-            <a:endParaRPr lang="zh-CN" altLang="en-US" sz="1600" dirty="0">
-              <a:solidFill>
-                <a:schemeClr val="tx1"/>
-              </a:solidFill>
-              <a:latin typeface="微软雅黑" panose="020B0503020204020204" charset="-122"/>
-              <a:ea typeface="微软雅黑" panose="020B0503020204020204" charset="-122"/>
-            </a:endParaRPr>
-          </a:p>
-          <a:p>
-            <a:pPr marL="0" lvl="0" indent="457200">
-              <a:buNone/>
-            </a:pPr>
-            <a:endParaRPr lang="en-US" altLang="zh-CN" sz="1600" dirty="0">
-              <a:solidFill>
-                <a:schemeClr val="tx1"/>
-              </a:solidFill>
-              <a:latin typeface="微软雅黑" panose="020B0503020204020204" charset="-122"/>
-              <a:ea typeface="微软雅黑" panose="020B0503020204020204" charset="-122"/>
-            </a:endParaRPr>
-          </a:p>
-          <a:p>
-            <a:pPr marL="0" lvl="0" indent="0">
-              <a:buNone/>
-            </a:pPr>
             <a:endParaRPr lang="en-US" altLang="zh-CN" sz="1600" dirty="0">
               <a:solidFill>
                 <a:schemeClr val="tx1"/>
@@ -5733,40 +11178,16 @@
           <a:chExt cx="0" cy="0"/>
         </a:xfrm>
       </p:grpSpPr>
-      <p:pic>
-        <p:nvPicPr>
-          <p:cNvPr id="4" name="图片 3" descr="1"/>
-          <p:cNvPicPr>
-            <a:picLocks noChangeAspect="1"/>
-          </p:cNvPicPr>
-          <p:nvPr/>
-        </p:nvPicPr>
-        <p:blipFill>
-          <a:blip r:embed="rId1"/>
-          <a:stretch>
-            <a:fillRect/>
-          </a:stretch>
-        </p:blipFill>
-        <p:spPr>
-          <a:xfrm>
-            <a:off x="4745355" y="-588645"/>
-            <a:ext cx="12060555" cy="8474075"/>
-          </a:xfrm>
-          <a:prstGeom prst="rect">
-            <a:avLst/>
-          </a:prstGeom>
-        </p:spPr>
-      </p:pic>
-      <p:sp>
-        <p:nvSpPr>
-          <p:cNvPr id="5" name="文本框 4"/>
+      <p:sp>
+        <p:nvSpPr>
+          <p:cNvPr id="13" name="文本框 12"/>
           <p:cNvSpPr txBox="1"/>
           <p:nvPr/>
         </p:nvSpPr>
         <p:spPr>
           <a:xfrm>
-            <a:off x="1038225" y="1470025"/>
-            <a:ext cx="2301875" cy="1861185"/>
+            <a:off x="106466" y="601786"/>
+            <a:ext cx="1033780" cy="398780"/>
           </a:xfrm>
           <a:prstGeom prst="rect">
             <a:avLst/>
@@ -5774,71 +11195,36 @@
           <a:noFill/>
         </p:spPr>
         <p:txBody>
-          <a:bodyPr wrap="square" rtlCol="0">
+          <a:bodyPr wrap="none" rtlCol="0">
             <a:spAutoFit/>
           </a:bodyPr>
           <a:lstStyle/>
           <a:p>
-            <a:pPr marL="0" marR="0" lvl="0" indent="0" algn="l" defTabSz="914400" rtl="0" eaLnBrk="1" fontAlgn="auto" latinLnBrk="0" hangingPunct="1">
-              <a:lnSpc>
-                <a:spcPct val="100000"/>
-              </a:lnSpc>
-              <a:spcBef>
-                <a:spcPts val="0"/>
-              </a:spcBef>
-              <a:spcAft>
-                <a:spcPts val="0"/>
-              </a:spcAft>
-              <a:buClrTx/>
-              <a:buSzTx/>
-              <a:buFontTx/>
-              <a:buNone/>
-              <a:defRPr/>
-            </a:pPr>
-            <a:r>
-              <a:rPr kumimoji="0" lang="en-US" altLang="zh-CN" sz="11500" b="0" i="0" u="none" strike="noStrike" kern="1200" cap="none" spc="0" normalizeH="0" baseline="0" noProof="0" dirty="0">
-                <a:ln>
-                  <a:solidFill>
-                    <a:srgbClr val="383987"/>
-                  </a:solidFill>
-                </a:ln>
-                <a:noFill/>
-                <a:effectLst/>
-                <a:uLnTx/>
-                <a:uFillTx/>
-                <a:latin typeface="Agency FB" panose="020B0503020202020204" pitchFamily="34" charset="0"/>
-                <a:ea typeface="宋体" panose="02010600030101010101" pitchFamily="2" charset="-122"/>
-                <a:cs typeface="+mn-cs"/>
-              </a:rPr>
-              <a:t>02</a:t>
-            </a:r>
-            <a:endParaRPr kumimoji="0" lang="en-US" altLang="zh-CN" sz="11500" b="0" i="0" u="none" strike="noStrike" kern="1200" cap="none" spc="0" normalizeH="0" baseline="0" noProof="0" dirty="0">
-              <a:ln>
-                <a:solidFill>
-                  <a:srgbClr val="383987"/>
-                </a:solidFill>
-              </a:ln>
-              <a:noFill/>
-              <a:effectLst/>
-              <a:uLnTx/>
-              <a:uFillTx/>
-              <a:latin typeface="Agency FB" panose="020B0503020202020204" pitchFamily="34" charset="0"/>
-              <a:ea typeface="宋体" panose="02010600030101010101" pitchFamily="2" charset="-122"/>
-              <a:cs typeface="+mn-cs"/>
-            </a:endParaRPr>
-          </a:p>
-        </p:txBody>
-      </p:sp>
-      <p:sp>
-        <p:nvSpPr>
-          <p:cNvPr id="6" name="文本框 5"/>
+            <a:pPr marL="342900" indent="-342900">
+              <a:buFont typeface="Wingdings" panose="05000000000000000000" charset="0"/>
+              <a:buChar char="n"/>
+            </a:pPr>
+            <a:r>
+              <a:rPr lang="zh-CN" altLang="en-US" sz="2000" b="1" dirty="0">
+                <a:latin typeface="微软雅黑" panose="020B0503020204020204" charset="-122"/>
+                <a:ea typeface="微软雅黑" panose="020B0503020204020204" charset="-122"/>
+              </a:rPr>
+              <a:t>内容</a:t>
+            </a:r>
+            <a:endParaRPr lang="zh-CN" altLang="en-US" sz="2000" b="1" dirty="0"/>
+          </a:p>
+        </p:txBody>
+      </p:sp>
+      <p:sp>
+        <p:nvSpPr>
+          <p:cNvPr id="7" name="文本框 6"/>
           <p:cNvSpPr txBox="1"/>
           <p:nvPr/>
         </p:nvSpPr>
         <p:spPr>
           <a:xfrm>
-            <a:off x="1265555" y="3049270"/>
-            <a:ext cx="11768455" cy="777240"/>
+            <a:off x="724535" y="1323340"/>
+            <a:ext cx="2247900" cy="410845"/>
           </a:xfrm>
           <a:prstGeom prst="rect">
             <a:avLst/>
@@ -5846,10 +11232,69 @@
           <a:noFill/>
         </p:spPr>
         <p:txBody>
-          <a:bodyPr wrap="square" rtlCol="0">
+          <a:bodyPr wrap="square">
             <a:noAutofit/>
           </a:bodyPr>
           <a:lstStyle/>
+          <a:p>
+            <a:pPr algn="l" fontAlgn="auto">
+              <a:lnSpc>
+                <a:spcPts val="2200"/>
+              </a:lnSpc>
+              <a:buClrTx/>
+              <a:buSzTx/>
+              <a:buNone/>
+            </a:pPr>
+            <a:endParaRPr lang="zh-CN" altLang="en-US" sz="1600" dirty="0">
+              <a:latin typeface="微软雅黑" panose="020B0503020204020204" charset="-122"/>
+              <a:ea typeface="微软雅黑" panose="020B0503020204020204" charset="-122"/>
+            </a:endParaRPr>
+          </a:p>
+        </p:txBody>
+      </p:sp>
+      <p:sp>
+        <p:nvSpPr>
+          <p:cNvPr id="3" name="矩形 2"/>
+          <p:cNvSpPr/>
+          <p:nvPr>
+            <p:custDataLst>
+              <p:tags r:id="rId1"/>
+            </p:custDataLst>
+          </p:nvPr>
+        </p:nvSpPr>
+        <p:spPr>
+          <a:xfrm>
+            <a:off x="-6350" y="0"/>
+            <a:ext cx="12198350" cy="540000"/>
+          </a:xfrm>
+          <a:prstGeom prst="rect">
+            <a:avLst/>
+          </a:prstGeom>
+          <a:solidFill>
+            <a:srgbClr val="A099CB"/>
+          </a:solidFill>
+          <a:ln>
+            <a:noFill/>
+          </a:ln>
+        </p:spPr>
+        <p:style>
+          <a:lnRef idx="2">
+            <a:schemeClr val="accent1">
+              <a:shade val="50000"/>
+            </a:schemeClr>
+          </a:lnRef>
+          <a:fillRef idx="1">
+            <a:schemeClr val="accent1"/>
+          </a:fillRef>
+          <a:effectRef idx="0">
+            <a:schemeClr val="accent1"/>
+          </a:effectRef>
+          <a:fontRef idx="minor">
+            <a:schemeClr val="lt1"/>
+          </a:fontRef>
+        </p:style>
+        <p:txBody>
+          <a:bodyPr rtlCol="0" anchor="ctr"/>
           <a:p>
             <a:pPr marL="0" marR="0" lvl="0" indent="0" algn="ctr" defTabSz="914400" rtl="0" eaLnBrk="1" fontAlgn="auto" latinLnBrk="0" hangingPunct="1">
               <a:lnSpc>
@@ -5868,20 +11313,334 @@
               <a:defRPr/>
             </a:pPr>
             <a:r>
-              <a:rPr lang="en-US" sz="3600" dirty="0">
-                <a:solidFill>
-                  <a:srgbClr val="383987"/>
-                </a:solidFill>
+              <a:rPr lang="en-US" altLang="zh-CN" sz="1800" dirty="0">
+                <a:effectLst/>
+                <a:latin typeface="微软雅黑" panose="020B0503020204020204" charset="-122"/>
+                <a:ea typeface="微软雅黑" panose="020B0503020204020204" charset="-122"/>
+              </a:rPr>
+              <a:t>1.</a:t>
+            </a:r>
+            <a:r>
+              <a:rPr lang="en-US" altLang="zh-CN" dirty="0">
+                <a:effectLst/>
                 <a:latin typeface="微软雅黑" panose="020B0503020204020204" charset="-122"/>
                 <a:ea typeface="微软雅黑" panose="020B0503020204020204" charset="-122"/>
                 <a:sym typeface="+mn-ea"/>
               </a:rPr>
-              <a:t>LLaMA</a:t>
-            </a:r>
-            <a:endParaRPr lang="en-US" altLang="zh-CN" sz="3600" dirty="0">
-              <a:solidFill>
-                <a:srgbClr val="383987"/>
-              </a:solidFill>
+              <a:t>基础大模型论文</a:t>
+            </a:r>
+            <a:endParaRPr lang="en-US" altLang="zh-CN" dirty="0">
+              <a:effectLst/>
+              <a:latin typeface="微软雅黑" panose="020B0503020204020204" charset="-122"/>
+              <a:ea typeface="微软雅黑" panose="020B0503020204020204" charset="-122"/>
+            </a:endParaRPr>
+          </a:p>
+        </p:txBody>
+      </p:sp>
+      <p:sp>
+        <p:nvSpPr>
+          <p:cNvPr id="6" name="文本框 5"/>
+          <p:cNvSpPr txBox="1"/>
+          <p:nvPr/>
+        </p:nvSpPr>
+        <p:spPr>
+          <a:xfrm>
+            <a:off x="659765" y="1062990"/>
+            <a:ext cx="11216640" cy="2999740"/>
+          </a:xfrm>
+          <a:prstGeom prst="rect">
+            <a:avLst/>
+          </a:prstGeom>
+          <a:noFill/>
+        </p:spPr>
+        <p:txBody>
+          <a:bodyPr wrap="square" rtlCol="0" anchor="t">
+            <a:spAutoFit/>
+          </a:bodyPr>
+          <a:p>
+            <a:pPr marL="285750" indent="-285750">
+              <a:lnSpc>
+                <a:spcPct val="150000"/>
+              </a:lnSpc>
+              <a:buFont typeface="Wingdings" panose="05000000000000000000" charset="0"/>
+              <a:buChar char="p"/>
+            </a:pPr>
+            <a:r>
+              <a:rPr lang="zh-CN" altLang="en-US" b="1" dirty="0">
+                <a:latin typeface="微软雅黑" panose="020B0503020204020204" charset="-122"/>
+                <a:ea typeface="微软雅黑" panose="020B0503020204020204" charset="-122"/>
+                <a:sym typeface="+mn-ea"/>
+              </a:rPr>
+              <a:t>Tomás Mikolov et al. “Distributed Representations of Words and Phrases and their Com_x0002_positionality”. In: NIPS. 2013.</a:t>
+            </a:r>
+            <a:endParaRPr lang="zh-CN" altLang="en-US" b="1" dirty="0">
+              <a:latin typeface="微软雅黑" panose="020B0503020204020204" charset="-122"/>
+              <a:ea typeface="微软雅黑" panose="020B0503020204020204" charset="-122"/>
+            </a:endParaRPr>
+          </a:p>
+          <a:p>
+            <a:pPr marL="285750" indent="-285750">
+              <a:lnSpc>
+                <a:spcPct val="150000"/>
+              </a:lnSpc>
+              <a:buFont typeface="Wingdings" panose="05000000000000000000" charset="0"/>
+              <a:buChar char="p"/>
+            </a:pPr>
+            <a:r>
+              <a:rPr lang="zh-CN" altLang="en-US" b="1" dirty="0">
+                <a:latin typeface="微软雅黑" panose="020B0503020204020204" charset="-122"/>
+                <a:ea typeface="微软雅黑" panose="020B0503020204020204" charset="-122"/>
+                <a:sym typeface="+mn-ea"/>
+              </a:rPr>
+              <a:t>Tomás Mikolov et al. “Efficient Estimation of Word Representations in Vector Space”. In:ICLR. 2013</a:t>
+            </a:r>
+            <a:endParaRPr lang="zh-CN" altLang="en-US" b="1" dirty="0">
+              <a:latin typeface="微软雅黑" panose="020B0503020204020204" charset="-122"/>
+              <a:ea typeface="微软雅黑" panose="020B0503020204020204" charset="-122"/>
+              <a:sym typeface="+mn-ea"/>
+            </a:endParaRPr>
+          </a:p>
+          <a:p>
+            <a:pPr marL="285750" indent="-285750">
+              <a:lnSpc>
+                <a:spcPct val="150000"/>
+              </a:lnSpc>
+              <a:buFont typeface="Wingdings" panose="05000000000000000000" charset="0"/>
+              <a:buChar char="p"/>
+            </a:pPr>
+            <a:endParaRPr lang="zh-CN" altLang="en-US" b="1" dirty="0">
+              <a:latin typeface="微软雅黑" panose="020B0503020204020204" charset="-122"/>
+              <a:ea typeface="微软雅黑" panose="020B0503020204020204" charset="-122"/>
+              <a:sym typeface="+mn-ea"/>
+            </a:endParaRPr>
+          </a:p>
+          <a:p>
+            <a:pPr marL="285750" indent="-285750">
+              <a:lnSpc>
+                <a:spcPct val="150000"/>
+              </a:lnSpc>
+              <a:buFont typeface="Wingdings" panose="05000000000000000000" charset="0"/>
+              <a:buChar char="p"/>
+            </a:pPr>
+            <a:r>
+              <a:rPr lang="zh-CN" altLang="en-US" b="1" dirty="0">
+                <a:latin typeface="微软雅黑" panose="020B0503020204020204" charset="-122"/>
+                <a:ea typeface="微软雅黑" panose="020B0503020204020204" charset="-122"/>
+                <a:sym typeface="+mn-ea"/>
+              </a:rPr>
+              <a:t>Matthew E. Peters et al. “Deep Contextualized Word Representations”. In: NAACL-HLT.</a:t>
+            </a:r>
+            <a:r>
+              <a:rPr lang="en-US" altLang="zh-CN" b="1" dirty="0">
+                <a:latin typeface="微软雅黑" panose="020B0503020204020204" charset="-122"/>
+                <a:ea typeface="微软雅黑" panose="020B0503020204020204" charset="-122"/>
+                <a:sym typeface="+mn-ea"/>
+              </a:rPr>
+              <a:t> </a:t>
+            </a:r>
+            <a:r>
+              <a:rPr lang="zh-CN" altLang="en-US" b="1" dirty="0">
+                <a:latin typeface="微软雅黑" panose="020B0503020204020204" charset="-122"/>
+                <a:ea typeface="微软雅黑" panose="020B0503020204020204" charset="-122"/>
+                <a:sym typeface="+mn-ea"/>
+              </a:rPr>
+              <a:t>2018.</a:t>
+            </a:r>
+            <a:endParaRPr lang="zh-CN" altLang="en-US" b="1" dirty="0">
+              <a:latin typeface="微软雅黑" panose="020B0503020204020204" charset="-122"/>
+              <a:ea typeface="微软雅黑" panose="020B0503020204020204" charset="-122"/>
+              <a:sym typeface="+mn-ea"/>
+            </a:endParaRPr>
+          </a:p>
+        </p:txBody>
+      </p:sp>
+      <p:sp>
+        <p:nvSpPr>
+          <p:cNvPr id="8" name="文本框 7"/>
+          <p:cNvSpPr txBox="1"/>
+          <p:nvPr/>
+        </p:nvSpPr>
+        <p:spPr>
+          <a:xfrm>
+            <a:off x="487680" y="2799715"/>
+            <a:ext cx="10393045" cy="1814830"/>
+          </a:xfrm>
+          <a:prstGeom prst="rect">
+            <a:avLst/>
+          </a:prstGeom>
+          <a:noFill/>
+        </p:spPr>
+        <p:txBody>
+          <a:bodyPr wrap="square" rtlCol="0" anchor="t">
+            <a:spAutoFit/>
+          </a:bodyPr>
+          <a:p>
+            <a:pPr marL="0" lvl="0" indent="457200">
+              <a:buNone/>
+            </a:pPr>
+            <a:r>
+              <a:rPr lang="en-US" altLang="zh-CN" sz="1600" dirty="0">
+                <a:latin typeface="微软雅黑" panose="020B0503020204020204" charset="-122"/>
+                <a:ea typeface="微软雅黑" panose="020B0503020204020204" charset="-122"/>
+                <a:sym typeface="+mn-ea"/>
+              </a:rPr>
+              <a:t>word2vec</a:t>
+            </a:r>
+            <a:r>
+              <a:rPr lang="zh-CN" altLang="en-US" sz="1600" dirty="0">
+                <a:latin typeface="微软雅黑" panose="020B0503020204020204" charset="-122"/>
+                <a:ea typeface="微软雅黑" panose="020B0503020204020204" charset="-122"/>
+                <a:sym typeface="+mn-ea"/>
+              </a:rPr>
+              <a:t>就提出用前一个渐层神经网络学习</a:t>
+            </a:r>
+            <a:r>
+              <a:rPr lang="en-US" altLang="zh-CN" sz="1600" dirty="0">
+                <a:latin typeface="微软雅黑" panose="020B0503020204020204" charset="-122"/>
+                <a:ea typeface="微软雅黑" panose="020B0503020204020204" charset="-122"/>
+                <a:sym typeface="+mn-ea"/>
+              </a:rPr>
+              <a:t>word embedding</a:t>
+            </a:r>
+            <a:endParaRPr lang="en-US" altLang="zh-CN" sz="1600" dirty="0">
+              <a:latin typeface="微软雅黑" panose="020B0503020204020204" charset="-122"/>
+              <a:ea typeface="微软雅黑" panose="020B0503020204020204" charset="-122"/>
+              <a:sym typeface="+mn-ea"/>
+            </a:endParaRPr>
+          </a:p>
+          <a:p>
+            <a:pPr marL="0" lvl="0" indent="457200">
+              <a:buNone/>
+            </a:pPr>
+            <a:endParaRPr lang="en-US" altLang="zh-CN" sz="1600" dirty="0">
+              <a:latin typeface="微软雅黑" panose="020B0503020204020204" charset="-122"/>
+              <a:ea typeface="微软雅黑" panose="020B0503020204020204" charset="-122"/>
+              <a:sym typeface="+mn-ea"/>
+            </a:endParaRPr>
+          </a:p>
+          <a:p>
+            <a:pPr marL="0" lvl="0" indent="457200">
+              <a:buNone/>
+            </a:pPr>
+            <a:endParaRPr lang="en-US" altLang="zh-CN" sz="1600" dirty="0">
+              <a:latin typeface="微软雅黑" panose="020B0503020204020204" charset="-122"/>
+              <a:ea typeface="微软雅黑" panose="020B0503020204020204" charset="-122"/>
+              <a:sym typeface="+mn-ea"/>
+            </a:endParaRPr>
+          </a:p>
+          <a:p>
+            <a:pPr marL="0" lvl="0" indent="457200">
+              <a:buNone/>
+            </a:pPr>
+            <a:endParaRPr lang="en-US" altLang="zh-CN" sz="1600" dirty="0">
+              <a:latin typeface="微软雅黑" panose="020B0503020204020204" charset="-122"/>
+              <a:ea typeface="微软雅黑" panose="020B0503020204020204" charset="-122"/>
+              <a:sym typeface="+mn-ea"/>
+            </a:endParaRPr>
+          </a:p>
+          <a:p>
+            <a:pPr marL="0" lvl="0" indent="457200">
+              <a:buNone/>
+            </a:pPr>
+            <a:endParaRPr lang="en-US" altLang="zh-CN" sz="1600" dirty="0">
+              <a:latin typeface="微软雅黑" panose="020B0503020204020204" charset="-122"/>
+              <a:ea typeface="微软雅黑" panose="020B0503020204020204" charset="-122"/>
+              <a:sym typeface="+mn-ea"/>
+            </a:endParaRPr>
+          </a:p>
+          <a:p>
+            <a:pPr marL="0" lvl="0" indent="457200">
+              <a:buNone/>
+            </a:pPr>
+            <a:r>
+              <a:rPr lang="zh-CN" altLang="en-US" sz="1600" dirty="0">
+                <a:latin typeface="微软雅黑" panose="020B0503020204020204" charset="-122"/>
+                <a:ea typeface="微软雅黑" panose="020B0503020204020204" charset="-122"/>
+                <a:sym typeface="+mn-ea"/>
+              </a:rPr>
+              <a:t>之后预训练的语言模型</a:t>
+            </a:r>
+            <a:r>
+              <a:rPr lang="en-US" altLang="zh-CN" sz="1600" dirty="0">
+                <a:latin typeface="微软雅黑" panose="020B0503020204020204" charset="-122"/>
+                <a:ea typeface="微软雅黑" panose="020B0503020204020204" charset="-122"/>
+                <a:sym typeface="+mn-ea"/>
+              </a:rPr>
+              <a:t>ELMo</a:t>
+            </a:r>
+            <a:r>
+              <a:rPr lang="zh-CN" altLang="en-US" sz="1600" dirty="0">
+                <a:latin typeface="微软雅黑" panose="020B0503020204020204" charset="-122"/>
+                <a:ea typeface="微软雅黑" panose="020B0503020204020204" charset="-122"/>
+                <a:sym typeface="+mn-ea"/>
+              </a:rPr>
+              <a:t>，和</a:t>
+            </a:r>
+            <a:r>
+              <a:rPr lang="en-US" altLang="zh-CN" sz="1600" dirty="0">
+                <a:latin typeface="微软雅黑" panose="020B0503020204020204" charset="-122"/>
+                <a:ea typeface="微软雅黑" panose="020B0503020204020204" charset="-122"/>
+                <a:sym typeface="+mn-ea"/>
+              </a:rPr>
+              <a:t>word2vec</a:t>
+            </a:r>
+            <a:r>
+              <a:rPr lang="zh-CN" altLang="en-US" sz="1600" dirty="0">
+                <a:latin typeface="微软雅黑" panose="020B0503020204020204" charset="-122"/>
+                <a:ea typeface="微软雅黑" panose="020B0503020204020204" charset="-122"/>
+                <a:sym typeface="+mn-ea"/>
+              </a:rPr>
+              <a:t>不同的就是</a:t>
+            </a:r>
+            <a:r>
+              <a:rPr lang="en-US" altLang="zh-CN" sz="1600" dirty="0">
+                <a:latin typeface="微软雅黑" panose="020B0503020204020204" charset="-122"/>
+                <a:ea typeface="微软雅黑" panose="020B0503020204020204" charset="-122"/>
+                <a:sym typeface="+mn-ea"/>
+              </a:rPr>
+              <a:t>ELMo</a:t>
+            </a:r>
+            <a:r>
+              <a:rPr lang="zh-CN" altLang="en-US" sz="1600" dirty="0">
+                <a:latin typeface="微软雅黑" panose="020B0503020204020204" charset="-122"/>
+                <a:ea typeface="微软雅黑" panose="020B0503020204020204" charset="-122"/>
+                <a:sym typeface="+mn-ea"/>
+              </a:rPr>
+              <a:t>可以根据下游任务进行</a:t>
+            </a:r>
+            <a:r>
+              <a:rPr lang="en-US" altLang="zh-CN" sz="1600" dirty="0">
+                <a:latin typeface="微软雅黑" panose="020B0503020204020204" charset="-122"/>
+                <a:ea typeface="微软雅黑" panose="020B0503020204020204" charset="-122"/>
+                <a:sym typeface="+mn-ea"/>
+              </a:rPr>
+              <a:t>(Fine-Tuning)</a:t>
+            </a:r>
+            <a:r>
+              <a:rPr lang="zh-CN" altLang="en-US" sz="1600" dirty="0">
+                <a:latin typeface="微软雅黑" panose="020B0503020204020204" charset="-122"/>
+                <a:ea typeface="微软雅黑" panose="020B0503020204020204" charset="-122"/>
+                <a:sym typeface="+mn-ea"/>
+              </a:rPr>
+              <a:t>，这个是相对比较早的微调工作，可以从他的</a:t>
+            </a:r>
+            <a:r>
+              <a:rPr lang="en-US" altLang="zh-CN" sz="1600" dirty="0">
+                <a:latin typeface="微软雅黑" panose="020B0503020204020204" charset="-122"/>
+                <a:ea typeface="微软雅黑" panose="020B0503020204020204" charset="-122"/>
+                <a:sym typeface="+mn-ea"/>
+              </a:rPr>
+              <a:t>idea</a:t>
+            </a:r>
+            <a:r>
+              <a:rPr lang="zh-CN" altLang="en-US" sz="1600" dirty="0">
+                <a:latin typeface="微软雅黑" panose="020B0503020204020204" charset="-122"/>
+                <a:ea typeface="微软雅黑" panose="020B0503020204020204" charset="-122"/>
+                <a:sym typeface="+mn-ea"/>
+              </a:rPr>
+              <a:t>入手了解微调</a:t>
+            </a:r>
+            <a:endParaRPr lang="zh-CN" altLang="en-US" sz="1600" dirty="0">
               <a:latin typeface="微软雅黑" panose="020B0503020204020204" charset="-122"/>
               <a:ea typeface="微软雅黑" panose="020B0503020204020204" charset="-122"/>
               <a:sym typeface="+mn-ea"/>
@@ -5914,40 +11673,16 @@
           <a:chExt cx="0" cy="0"/>
         </a:xfrm>
       </p:grpSpPr>
-      <p:pic>
-        <p:nvPicPr>
-          <p:cNvPr id="4" name="图片 3" descr="1"/>
-          <p:cNvPicPr>
-            <a:picLocks noChangeAspect="1"/>
-          </p:cNvPicPr>
-          <p:nvPr/>
-        </p:nvPicPr>
-        <p:blipFill>
-          <a:blip r:embed="rId1"/>
-          <a:stretch>
-            <a:fillRect/>
-          </a:stretch>
-        </p:blipFill>
-        <p:spPr>
-          <a:xfrm>
-            <a:off x="4745355" y="-588645"/>
-            <a:ext cx="12060555" cy="8474075"/>
-          </a:xfrm>
-          <a:prstGeom prst="rect">
-            <a:avLst/>
-          </a:prstGeom>
-        </p:spPr>
-      </p:pic>
-      <p:sp>
-        <p:nvSpPr>
-          <p:cNvPr id="5" name="文本框 4"/>
+      <p:sp>
+        <p:nvSpPr>
+          <p:cNvPr id="13" name="文本框 12"/>
           <p:cNvSpPr txBox="1"/>
           <p:nvPr/>
         </p:nvSpPr>
         <p:spPr>
           <a:xfrm>
-            <a:off x="1038225" y="1470025"/>
-            <a:ext cx="2301875" cy="1861185"/>
+            <a:off x="106466" y="601786"/>
+            <a:ext cx="1033780" cy="398780"/>
           </a:xfrm>
           <a:prstGeom prst="rect">
             <a:avLst/>
@@ -5955,71 +11690,36 @@
           <a:noFill/>
         </p:spPr>
         <p:txBody>
-          <a:bodyPr wrap="square" rtlCol="0">
+          <a:bodyPr wrap="none" rtlCol="0">
             <a:spAutoFit/>
           </a:bodyPr>
           <a:lstStyle/>
           <a:p>
-            <a:pPr marL="0" marR="0" lvl="0" indent="0" algn="l" defTabSz="914400" rtl="0" eaLnBrk="1" fontAlgn="auto" latinLnBrk="0" hangingPunct="1">
-              <a:lnSpc>
-                <a:spcPct val="100000"/>
-              </a:lnSpc>
-              <a:spcBef>
-                <a:spcPts val="0"/>
-              </a:spcBef>
-              <a:spcAft>
-                <a:spcPts val="0"/>
-              </a:spcAft>
-              <a:buClrTx/>
-              <a:buSzTx/>
-              <a:buFontTx/>
-              <a:buNone/>
-              <a:defRPr/>
-            </a:pPr>
-            <a:r>
-              <a:rPr kumimoji="0" lang="en-US" altLang="zh-CN" sz="11500" b="0" i="0" u="none" strike="noStrike" kern="1200" cap="none" spc="0" normalizeH="0" baseline="0" noProof="0" dirty="0">
-                <a:ln>
-                  <a:solidFill>
-                    <a:srgbClr val="383987"/>
-                  </a:solidFill>
-                </a:ln>
-                <a:noFill/>
-                <a:effectLst/>
-                <a:uLnTx/>
-                <a:uFillTx/>
-                <a:latin typeface="Agency FB" panose="020B0503020202020204" pitchFamily="34" charset="0"/>
-                <a:ea typeface="宋体" panose="02010600030101010101" pitchFamily="2" charset="-122"/>
-                <a:cs typeface="+mn-cs"/>
-              </a:rPr>
-              <a:t>03</a:t>
-            </a:r>
-            <a:endParaRPr kumimoji="0" lang="en-US" altLang="zh-CN" sz="11500" b="0" i="0" u="none" strike="noStrike" kern="1200" cap="none" spc="0" normalizeH="0" baseline="0" noProof="0" dirty="0">
-              <a:ln>
-                <a:solidFill>
-                  <a:srgbClr val="383987"/>
-                </a:solidFill>
-              </a:ln>
-              <a:noFill/>
-              <a:effectLst/>
-              <a:uLnTx/>
-              <a:uFillTx/>
-              <a:latin typeface="Agency FB" panose="020B0503020202020204" pitchFamily="34" charset="0"/>
-              <a:ea typeface="宋体" panose="02010600030101010101" pitchFamily="2" charset="-122"/>
-              <a:cs typeface="+mn-cs"/>
-            </a:endParaRPr>
-          </a:p>
-        </p:txBody>
-      </p:sp>
-      <p:sp>
-        <p:nvSpPr>
-          <p:cNvPr id="6" name="文本框 5"/>
+            <a:pPr marL="342900" indent="-342900">
+              <a:buFont typeface="Wingdings" panose="05000000000000000000" charset="0"/>
+              <a:buChar char="n"/>
+            </a:pPr>
+            <a:r>
+              <a:rPr lang="zh-CN" altLang="en-US" sz="2000" b="1" dirty="0">
+                <a:latin typeface="微软雅黑" panose="020B0503020204020204" charset="-122"/>
+                <a:ea typeface="微软雅黑" panose="020B0503020204020204" charset="-122"/>
+              </a:rPr>
+              <a:t>内容</a:t>
+            </a:r>
+            <a:endParaRPr lang="zh-CN" altLang="en-US" sz="2000" b="1" dirty="0"/>
+          </a:p>
+        </p:txBody>
+      </p:sp>
+      <p:sp>
+        <p:nvSpPr>
+          <p:cNvPr id="7" name="文本框 6"/>
           <p:cNvSpPr txBox="1"/>
           <p:nvPr/>
         </p:nvSpPr>
         <p:spPr>
           <a:xfrm>
-            <a:off x="1265555" y="3049270"/>
-            <a:ext cx="11768455" cy="777240"/>
+            <a:off x="724535" y="1323340"/>
+            <a:ext cx="2247900" cy="410845"/>
           </a:xfrm>
           <a:prstGeom prst="rect">
             <a:avLst/>
@@ -6027,10 +11727,69 @@
           <a:noFill/>
         </p:spPr>
         <p:txBody>
-          <a:bodyPr wrap="square" rtlCol="0">
+          <a:bodyPr wrap="square">
             <a:noAutofit/>
           </a:bodyPr>
           <a:lstStyle/>
+          <a:p>
+            <a:pPr algn="l" fontAlgn="auto">
+              <a:lnSpc>
+                <a:spcPts val="2200"/>
+              </a:lnSpc>
+              <a:buClrTx/>
+              <a:buSzTx/>
+              <a:buNone/>
+            </a:pPr>
+            <a:endParaRPr lang="zh-CN" altLang="en-US" sz="1600" dirty="0">
+              <a:latin typeface="微软雅黑" panose="020B0503020204020204" charset="-122"/>
+              <a:ea typeface="微软雅黑" panose="020B0503020204020204" charset="-122"/>
+            </a:endParaRPr>
+          </a:p>
+        </p:txBody>
+      </p:sp>
+      <p:sp>
+        <p:nvSpPr>
+          <p:cNvPr id="3" name="矩形 2"/>
+          <p:cNvSpPr/>
+          <p:nvPr>
+            <p:custDataLst>
+              <p:tags r:id="rId1"/>
+            </p:custDataLst>
+          </p:nvPr>
+        </p:nvSpPr>
+        <p:spPr>
+          <a:xfrm>
+            <a:off x="-6350" y="0"/>
+            <a:ext cx="12198350" cy="540000"/>
+          </a:xfrm>
+          <a:prstGeom prst="rect">
+            <a:avLst/>
+          </a:prstGeom>
+          <a:solidFill>
+            <a:srgbClr val="A099CB"/>
+          </a:solidFill>
+          <a:ln>
+            <a:noFill/>
+          </a:ln>
+        </p:spPr>
+        <p:style>
+          <a:lnRef idx="2">
+            <a:schemeClr val="accent1">
+              <a:shade val="50000"/>
+            </a:schemeClr>
+          </a:lnRef>
+          <a:fillRef idx="1">
+            <a:schemeClr val="accent1"/>
+          </a:fillRef>
+          <a:effectRef idx="0">
+            <a:schemeClr val="accent1"/>
+          </a:effectRef>
+          <a:fontRef idx="minor">
+            <a:schemeClr val="lt1"/>
+          </a:fontRef>
+        </p:style>
+        <p:txBody>
+          <a:bodyPr rtlCol="0" anchor="ctr"/>
           <a:p>
             <a:pPr marL="0" marR="0" lvl="0" indent="0" algn="ctr" defTabSz="914400" rtl="0" eaLnBrk="1" fontAlgn="auto" latinLnBrk="0" hangingPunct="1">
               <a:lnSpc>
@@ -6049,20 +11808,407 @@
               <a:defRPr/>
             </a:pPr>
             <a:r>
-              <a:rPr lang="zh-CN" sz="3600" dirty="0">
-                <a:solidFill>
-                  <a:srgbClr val="383987"/>
-                </a:solidFill>
+              <a:rPr lang="en-US" altLang="zh-CN" sz="1800" dirty="0">
+                <a:effectLst/>
+                <a:latin typeface="微软雅黑" panose="020B0503020204020204" charset="-122"/>
+                <a:ea typeface="微软雅黑" panose="020B0503020204020204" charset="-122"/>
+              </a:rPr>
+              <a:t>1.</a:t>
+            </a:r>
+            <a:r>
+              <a:rPr lang="en-US" altLang="zh-CN" dirty="0">
+                <a:effectLst/>
                 <a:latin typeface="微软雅黑" panose="020B0503020204020204" charset="-122"/>
                 <a:ea typeface="微软雅黑" panose="020B0503020204020204" charset="-122"/>
                 <a:sym typeface="+mn-ea"/>
               </a:rPr>
-              <a:t>计划</a:t>
-            </a:r>
-            <a:endParaRPr lang="zh-CN" sz="3600" dirty="0">
-              <a:solidFill>
-                <a:srgbClr val="383987"/>
-              </a:solidFill>
+              <a:t>基础大模型论文</a:t>
+            </a:r>
+            <a:endParaRPr lang="en-US" altLang="zh-CN" dirty="0">
+              <a:effectLst/>
+              <a:latin typeface="微软雅黑" panose="020B0503020204020204" charset="-122"/>
+              <a:ea typeface="微软雅黑" panose="020B0503020204020204" charset="-122"/>
+            </a:endParaRPr>
+          </a:p>
+        </p:txBody>
+      </p:sp>
+      <p:sp>
+        <p:nvSpPr>
+          <p:cNvPr id="6" name="文本框 5"/>
+          <p:cNvSpPr txBox="1"/>
+          <p:nvPr/>
+        </p:nvSpPr>
+        <p:spPr>
+          <a:xfrm>
+            <a:off x="659765" y="1062990"/>
+            <a:ext cx="11216640" cy="2999740"/>
+          </a:xfrm>
+          <a:prstGeom prst="rect">
+            <a:avLst/>
+          </a:prstGeom>
+          <a:noFill/>
+        </p:spPr>
+        <p:txBody>
+          <a:bodyPr wrap="square" rtlCol="0" anchor="t">
+            <a:spAutoFit/>
+          </a:bodyPr>
+          <a:p>
+            <a:pPr marL="285750" indent="-285750">
+              <a:lnSpc>
+                <a:spcPct val="150000"/>
+              </a:lnSpc>
+              <a:buFont typeface="Wingdings" panose="05000000000000000000" charset="0"/>
+              <a:buChar char="p"/>
+            </a:pPr>
+            <a:r>
+              <a:rPr lang="zh-CN" altLang="en-US" b="1" dirty="0">
+                <a:latin typeface="微软雅黑" panose="020B0503020204020204" charset="-122"/>
+                <a:ea typeface="微软雅黑" panose="020B0503020204020204" charset="-122"/>
+                <a:sym typeface="+mn-ea"/>
+              </a:rPr>
+              <a:t>Ashish Vaswani et al. “Attention is All you Need”. In: NIPS. 2017.</a:t>
+            </a:r>
+            <a:endParaRPr lang="zh-CN" altLang="en-US" b="1" dirty="0">
+              <a:latin typeface="微软雅黑" panose="020B0503020204020204" charset="-122"/>
+              <a:ea typeface="微软雅黑" panose="020B0503020204020204" charset="-122"/>
+              <a:sym typeface="+mn-ea"/>
+            </a:endParaRPr>
+          </a:p>
+          <a:p>
+            <a:pPr marL="285750" indent="-285750">
+              <a:lnSpc>
+                <a:spcPct val="150000"/>
+              </a:lnSpc>
+              <a:buFont typeface="Wingdings" panose="05000000000000000000" charset="0"/>
+              <a:buChar char="p"/>
+            </a:pPr>
+            <a:r>
+              <a:rPr lang="zh-CN" altLang="en-US" b="1" dirty="0">
+                <a:latin typeface="微软雅黑" panose="020B0503020204020204" charset="-122"/>
+                <a:ea typeface="微软雅黑" panose="020B0503020204020204" charset="-122"/>
+                <a:sym typeface="+mn-ea"/>
+              </a:rPr>
+              <a:t>Jacob Devlin et al. “BERT: Pre-training of Deep Bidirectional Transformers for Language</a:t>
+            </a:r>
+            <a:endParaRPr lang="zh-CN" altLang="en-US" b="1" dirty="0">
+              <a:latin typeface="微软雅黑" panose="020B0503020204020204" charset="-122"/>
+              <a:ea typeface="微软雅黑" panose="020B0503020204020204" charset="-122"/>
+              <a:sym typeface="+mn-ea"/>
+            </a:endParaRPr>
+          </a:p>
+          <a:p>
+            <a:pPr marL="285750" indent="-285750">
+              <a:lnSpc>
+                <a:spcPct val="150000"/>
+              </a:lnSpc>
+              <a:buFont typeface="Wingdings" panose="05000000000000000000" charset="0"/>
+              <a:buChar char="p"/>
+            </a:pPr>
+            <a:r>
+              <a:rPr lang="zh-CN" altLang="en-US" b="1" dirty="0">
+                <a:latin typeface="微软雅黑" panose="020B0503020204020204" charset="-122"/>
+                <a:ea typeface="微软雅黑" panose="020B0503020204020204" charset="-122"/>
+                <a:sym typeface="+mn-ea"/>
+              </a:rPr>
+              <a:t>Understanding”. In: NAACL-HLT. 2019.</a:t>
+            </a:r>
+            <a:endParaRPr lang="zh-CN" altLang="en-US" b="1" dirty="0">
+              <a:latin typeface="微软雅黑" panose="020B0503020204020204" charset="-122"/>
+              <a:ea typeface="微软雅黑" panose="020B0503020204020204" charset="-122"/>
+              <a:sym typeface="+mn-ea"/>
+            </a:endParaRPr>
+          </a:p>
+          <a:p>
+            <a:pPr marL="285750" indent="-285750">
+              <a:lnSpc>
+                <a:spcPct val="150000"/>
+              </a:lnSpc>
+              <a:buFont typeface="Wingdings" panose="05000000000000000000" charset="0"/>
+              <a:buChar char="p"/>
+            </a:pPr>
+            <a:endParaRPr lang="zh-CN" altLang="en-US" b="1" dirty="0">
+              <a:latin typeface="微软雅黑" panose="020B0503020204020204" charset="-122"/>
+              <a:ea typeface="微软雅黑" panose="020B0503020204020204" charset="-122"/>
+              <a:sym typeface="+mn-ea"/>
+            </a:endParaRPr>
+          </a:p>
+          <a:p>
+            <a:pPr marL="285750" indent="-285750">
+              <a:lnSpc>
+                <a:spcPct val="150000"/>
+              </a:lnSpc>
+              <a:buFont typeface="Wingdings" panose="05000000000000000000" charset="0"/>
+              <a:buChar char="p"/>
+            </a:pPr>
+            <a:endParaRPr lang="zh-CN" altLang="en-US" b="1" dirty="0">
+              <a:latin typeface="微软雅黑" panose="020B0503020204020204" charset="-122"/>
+              <a:ea typeface="微软雅黑" panose="020B0503020204020204" charset="-122"/>
+              <a:sym typeface="+mn-ea"/>
+            </a:endParaRPr>
+          </a:p>
+          <a:p>
+            <a:pPr marL="285750" indent="-285750">
+              <a:lnSpc>
+                <a:spcPct val="150000"/>
+              </a:lnSpc>
+              <a:buFont typeface="Wingdings" panose="05000000000000000000" charset="0"/>
+              <a:buChar char="p"/>
+            </a:pPr>
+            <a:r>
+              <a:rPr lang="zh-CN" altLang="en-US" b="1" dirty="0">
+                <a:latin typeface="微软雅黑" panose="020B0503020204020204" charset="-122"/>
+                <a:ea typeface="微软雅黑" panose="020B0503020204020204" charset="-122"/>
+                <a:sym typeface="+mn-ea"/>
+              </a:rPr>
+              <a:t>Alec Radford et al. “Improving language understanding by generative pre-training”. In:</a:t>
+            </a:r>
+            <a:endParaRPr lang="zh-CN" altLang="en-US" b="1" dirty="0">
+              <a:latin typeface="微软雅黑" panose="020B0503020204020204" charset="-122"/>
+              <a:ea typeface="微软雅黑" panose="020B0503020204020204" charset="-122"/>
+              <a:sym typeface="+mn-ea"/>
+            </a:endParaRPr>
+          </a:p>
+          <a:p>
+            <a:pPr indent="0">
+              <a:lnSpc>
+                <a:spcPct val="150000"/>
+              </a:lnSpc>
+              <a:buFont typeface="Wingdings" panose="05000000000000000000" charset="0"/>
+              <a:buNone/>
+            </a:pPr>
+            <a:r>
+              <a:rPr lang="en-US" altLang="zh-CN" b="1" dirty="0">
+                <a:latin typeface="微软雅黑" panose="020B0503020204020204" charset="-122"/>
+                <a:ea typeface="微软雅黑" panose="020B0503020204020204" charset="-122"/>
+                <a:sym typeface="+mn-ea"/>
+              </a:rPr>
+              <a:t>    </a:t>
+            </a:r>
+            <a:r>
+              <a:rPr lang="zh-CN" altLang="en-US" b="1" dirty="0">
+                <a:latin typeface="微软雅黑" panose="020B0503020204020204" charset="-122"/>
+                <a:ea typeface="微软雅黑" panose="020B0503020204020204" charset="-122"/>
+                <a:sym typeface="+mn-ea"/>
+              </a:rPr>
+              <a:t>OpenAI Blog (2018)</a:t>
+            </a:r>
+            <a:endParaRPr lang="zh-CN" altLang="en-US" b="1" dirty="0">
+              <a:latin typeface="微软雅黑" panose="020B0503020204020204" charset="-122"/>
+              <a:ea typeface="微软雅黑" panose="020B0503020204020204" charset="-122"/>
+              <a:sym typeface="+mn-ea"/>
+            </a:endParaRPr>
+          </a:p>
+        </p:txBody>
+      </p:sp>
+      <p:sp>
+        <p:nvSpPr>
+          <p:cNvPr id="8" name="文本框 7"/>
+          <p:cNvSpPr txBox="1"/>
+          <p:nvPr/>
+        </p:nvSpPr>
+        <p:spPr>
+          <a:xfrm>
+            <a:off x="427990" y="2400935"/>
+            <a:ext cx="10393045" cy="2306955"/>
+          </a:xfrm>
+          <a:prstGeom prst="rect">
+            <a:avLst/>
+          </a:prstGeom>
+          <a:noFill/>
+        </p:spPr>
+        <p:txBody>
+          <a:bodyPr wrap="square" rtlCol="0" anchor="t">
+            <a:spAutoFit/>
+          </a:bodyPr>
+          <a:p>
+            <a:pPr marL="0" lvl="0" indent="457200">
+              <a:buNone/>
+            </a:pPr>
+            <a:r>
+              <a:rPr lang="zh-CN" altLang="en-US" sz="1600" dirty="0">
+                <a:latin typeface="微软雅黑" panose="020B0503020204020204" charset="-122"/>
+                <a:ea typeface="微软雅黑" panose="020B0503020204020204" charset="-122"/>
+                <a:sym typeface="+mn-ea"/>
+              </a:rPr>
+              <a:t>之后基于</a:t>
+            </a:r>
+            <a:r>
+              <a:rPr lang="en-US" altLang="zh-CN" sz="1600" dirty="0">
+                <a:latin typeface="微软雅黑" panose="020B0503020204020204" charset="-122"/>
+                <a:ea typeface="微软雅黑" panose="020B0503020204020204" charset="-122"/>
+                <a:sym typeface="+mn-ea"/>
+              </a:rPr>
+              <a:t>Transformer</a:t>
+            </a:r>
+            <a:r>
+              <a:rPr lang="zh-CN" altLang="en-US" sz="1600" dirty="0">
+                <a:latin typeface="微软雅黑" panose="020B0503020204020204" charset="-122"/>
+                <a:ea typeface="微软雅黑" panose="020B0503020204020204" charset="-122"/>
+                <a:sym typeface="+mn-ea"/>
+              </a:rPr>
+              <a:t>提出了全文建模的</a:t>
+            </a:r>
+            <a:r>
+              <a:rPr lang="en-US" altLang="zh-CN" sz="1600" dirty="0">
+                <a:latin typeface="微软雅黑" panose="020B0503020204020204" charset="-122"/>
+                <a:ea typeface="微软雅黑" panose="020B0503020204020204" charset="-122"/>
+                <a:sym typeface="+mn-ea"/>
+              </a:rPr>
+              <a:t>BERT</a:t>
+            </a:r>
+            <a:r>
+              <a:rPr lang="zh-CN" altLang="en-US" sz="1600" dirty="0">
+                <a:latin typeface="微软雅黑" panose="020B0503020204020204" charset="-122"/>
+                <a:ea typeface="微软雅黑" panose="020B0503020204020204" charset="-122"/>
+                <a:sym typeface="+mn-ea"/>
+              </a:rPr>
+              <a:t>，他只有</a:t>
+            </a:r>
+            <a:r>
+              <a:rPr lang="en-US" altLang="zh-CN" sz="1600" dirty="0">
+                <a:latin typeface="微软雅黑" panose="020B0503020204020204" charset="-122"/>
+                <a:ea typeface="微软雅黑" panose="020B0503020204020204" charset="-122"/>
+                <a:sym typeface="+mn-ea"/>
+              </a:rPr>
+              <a:t>encoder</a:t>
+            </a:r>
+            <a:r>
+              <a:rPr lang="zh-CN" altLang="en-US" sz="1600" dirty="0">
+                <a:latin typeface="微软雅黑" panose="020B0503020204020204" charset="-122"/>
+                <a:ea typeface="微软雅黑" panose="020B0503020204020204" charset="-122"/>
+                <a:sym typeface="+mn-ea"/>
+              </a:rPr>
+              <a:t>，比较适合进行自然语言理解任务</a:t>
+            </a:r>
+            <a:endParaRPr lang="zh-CN" altLang="en-US" sz="1600" dirty="0">
+              <a:latin typeface="微软雅黑" panose="020B0503020204020204" charset="-122"/>
+              <a:ea typeface="微软雅黑" panose="020B0503020204020204" charset="-122"/>
+              <a:sym typeface="+mn-ea"/>
+            </a:endParaRPr>
+          </a:p>
+          <a:p>
+            <a:pPr marL="0" lvl="0" indent="457200">
+              <a:buNone/>
+            </a:pPr>
+            <a:endParaRPr lang="zh-CN" altLang="en-US" sz="1600" dirty="0">
+              <a:latin typeface="微软雅黑" panose="020B0503020204020204" charset="-122"/>
+              <a:ea typeface="微软雅黑" panose="020B0503020204020204" charset="-122"/>
+              <a:sym typeface="+mn-ea"/>
+            </a:endParaRPr>
+          </a:p>
+          <a:p>
+            <a:pPr marL="0" lvl="0" indent="457200">
+              <a:buNone/>
+            </a:pPr>
+            <a:endParaRPr lang="zh-CN" altLang="en-US" sz="1600" dirty="0">
+              <a:latin typeface="微软雅黑" panose="020B0503020204020204" charset="-122"/>
+              <a:ea typeface="微软雅黑" panose="020B0503020204020204" charset="-122"/>
+              <a:sym typeface="+mn-ea"/>
+            </a:endParaRPr>
+          </a:p>
+          <a:p>
+            <a:pPr marL="0" lvl="0" indent="457200">
+              <a:buNone/>
+            </a:pPr>
+            <a:endParaRPr lang="zh-CN" altLang="en-US" sz="1600" dirty="0">
+              <a:latin typeface="微软雅黑" panose="020B0503020204020204" charset="-122"/>
+              <a:ea typeface="微软雅黑" panose="020B0503020204020204" charset="-122"/>
+              <a:sym typeface="+mn-ea"/>
+            </a:endParaRPr>
+          </a:p>
+          <a:p>
+            <a:pPr marL="0" lvl="0" indent="457200">
+              <a:buNone/>
+            </a:pPr>
+            <a:endParaRPr lang="zh-CN" altLang="en-US" sz="1600" dirty="0">
+              <a:latin typeface="微软雅黑" panose="020B0503020204020204" charset="-122"/>
+              <a:ea typeface="微软雅黑" panose="020B0503020204020204" charset="-122"/>
+              <a:sym typeface="+mn-ea"/>
+            </a:endParaRPr>
+          </a:p>
+          <a:p>
+            <a:pPr marL="0" lvl="0" indent="457200">
+              <a:buNone/>
+            </a:pPr>
+            <a:endParaRPr lang="zh-CN" altLang="en-US" sz="1600" dirty="0">
+              <a:latin typeface="微软雅黑" panose="020B0503020204020204" charset="-122"/>
+              <a:ea typeface="微软雅黑" panose="020B0503020204020204" charset="-122"/>
+              <a:sym typeface="+mn-ea"/>
+            </a:endParaRPr>
+          </a:p>
+          <a:p>
+            <a:pPr marL="0" lvl="0" indent="457200">
+              <a:buNone/>
+            </a:pPr>
+            <a:endParaRPr lang="zh-CN" altLang="en-US" sz="1600" dirty="0">
+              <a:latin typeface="微软雅黑" panose="020B0503020204020204" charset="-122"/>
+              <a:ea typeface="微软雅黑" panose="020B0503020204020204" charset="-122"/>
+              <a:sym typeface="+mn-ea"/>
+            </a:endParaRPr>
+          </a:p>
+          <a:p>
+            <a:pPr marL="0" lvl="0" indent="457200">
+              <a:buNone/>
+            </a:pPr>
+            <a:r>
+              <a:rPr lang="en-US" altLang="zh-CN" sz="1600" dirty="0">
+                <a:latin typeface="微软雅黑" panose="020B0503020204020204" charset="-122"/>
+                <a:ea typeface="微软雅黑" panose="020B0503020204020204" charset="-122"/>
+                <a:sym typeface="+mn-ea"/>
+              </a:rPr>
+              <a:t>GPT-1</a:t>
+            </a:r>
+            <a:r>
+              <a:rPr lang="zh-CN" altLang="en-US" sz="1600" dirty="0">
+                <a:latin typeface="微软雅黑" panose="020B0503020204020204" charset="-122"/>
+                <a:ea typeface="微软雅黑" panose="020B0503020204020204" charset="-122"/>
+                <a:sym typeface="+mn-ea"/>
+              </a:rPr>
+              <a:t>也是使用</a:t>
+            </a:r>
+            <a:r>
+              <a:rPr lang="en-US" altLang="zh-CN" sz="1600" dirty="0">
+                <a:latin typeface="微软雅黑" panose="020B0503020204020204" charset="-122"/>
+                <a:ea typeface="微软雅黑" panose="020B0503020204020204" charset="-122"/>
+                <a:sym typeface="+mn-ea"/>
+              </a:rPr>
+              <a:t>Transformer</a:t>
+            </a:r>
+            <a:r>
+              <a:rPr lang="zh-CN" altLang="en-US" sz="1600" dirty="0">
+                <a:latin typeface="微软雅黑" panose="020B0503020204020204" charset="-122"/>
+                <a:ea typeface="微软雅黑" panose="020B0503020204020204" charset="-122"/>
+                <a:sym typeface="+mn-ea"/>
+              </a:rPr>
+              <a:t>，只有</a:t>
+            </a:r>
+            <a:r>
+              <a:rPr lang="en-US" altLang="zh-CN" sz="1600" dirty="0">
+                <a:latin typeface="微软雅黑" panose="020B0503020204020204" charset="-122"/>
+                <a:ea typeface="微软雅黑" panose="020B0503020204020204" charset="-122"/>
+                <a:sym typeface="+mn-ea"/>
+              </a:rPr>
+              <a:t>decoder</a:t>
+            </a:r>
+            <a:r>
+              <a:rPr lang="zh-CN" altLang="en-US" sz="1600" dirty="0">
+                <a:latin typeface="微软雅黑" panose="020B0503020204020204" charset="-122"/>
+                <a:ea typeface="微软雅黑" panose="020B0503020204020204" charset="-122"/>
+                <a:sym typeface="+mn-ea"/>
+              </a:rPr>
+              <a:t>，比较适合进行语言生成任务</a:t>
+            </a:r>
+            <a:endParaRPr lang="zh-CN" altLang="en-US" sz="1600" dirty="0">
+              <a:latin typeface="微软雅黑" panose="020B0503020204020204" charset="-122"/>
+              <a:ea typeface="微软雅黑" panose="020B0503020204020204" charset="-122"/>
+              <a:sym typeface="+mn-ea"/>
+            </a:endParaRPr>
+          </a:p>
+          <a:p>
+            <a:pPr marL="0" lvl="0" indent="457200">
+              <a:buNone/>
+            </a:pPr>
+            <a:endParaRPr lang="zh-CN" altLang="en-US" sz="1600" dirty="0">
               <a:latin typeface="微软雅黑" panose="020B0503020204020204" charset="-122"/>
               <a:ea typeface="微软雅黑" panose="020B0503020204020204" charset="-122"/>
               <a:sym typeface="+mn-ea"/>
@@ -6104,7 +12250,7 @@
         <p:spPr>
           <a:xfrm>
             <a:off x="106466" y="601786"/>
-            <a:ext cx="1287780" cy="398780"/>
+            <a:ext cx="1033780" cy="398780"/>
           </a:xfrm>
           <a:prstGeom prst="rect">
             <a:avLst/>
@@ -6126,18 +12272,52 @@
                 <a:latin typeface="微软雅黑" panose="020B0503020204020204" charset="-122"/>
                 <a:ea typeface="微软雅黑" panose="020B0503020204020204" charset="-122"/>
               </a:rPr>
-              <a:t>下一周</a:t>
-            </a:r>
-            <a:endParaRPr lang="zh-CN" altLang="en-US" sz="2000" b="1" dirty="0">
-              <a:latin typeface="微软雅黑" panose="020B0503020204020204" charset="-122"/>
-              <a:ea typeface="微软雅黑" panose="020B0503020204020204" charset="-122"/>
-            </a:endParaRPr>
-          </a:p>
-        </p:txBody>
-      </p:sp>
-      <p:sp>
-        <p:nvSpPr>
-          <p:cNvPr id="6" name="矩形 5"/>
+              <a:t>内容</a:t>
+            </a:r>
+            <a:endParaRPr lang="zh-CN" altLang="en-US" sz="2000" b="1" dirty="0"/>
+          </a:p>
+        </p:txBody>
+      </p:sp>
+      <p:sp>
+        <p:nvSpPr>
+          <p:cNvPr id="7" name="文本框 6"/>
+          <p:cNvSpPr txBox="1"/>
+          <p:nvPr/>
+        </p:nvSpPr>
+        <p:spPr>
+          <a:xfrm>
+            <a:off x="724535" y="1323340"/>
+            <a:ext cx="2247900" cy="410845"/>
+          </a:xfrm>
+          <a:prstGeom prst="rect">
+            <a:avLst/>
+          </a:prstGeom>
+          <a:noFill/>
+        </p:spPr>
+        <p:txBody>
+          <a:bodyPr wrap="square">
+            <a:noAutofit/>
+          </a:bodyPr>
+          <a:lstStyle/>
+          <a:p>
+            <a:pPr algn="l" fontAlgn="auto">
+              <a:lnSpc>
+                <a:spcPts val="2200"/>
+              </a:lnSpc>
+              <a:buClrTx/>
+              <a:buSzTx/>
+              <a:buNone/>
+            </a:pPr>
+            <a:endParaRPr lang="zh-CN" altLang="en-US" sz="1600" dirty="0">
+              <a:latin typeface="微软雅黑" panose="020B0503020204020204" charset="-122"/>
+              <a:ea typeface="微软雅黑" panose="020B0503020204020204" charset="-122"/>
+            </a:endParaRPr>
+          </a:p>
+        </p:txBody>
+      </p:sp>
+      <p:sp>
+        <p:nvSpPr>
+          <p:cNvPr id="3" name="矩形 2"/>
           <p:cNvSpPr/>
           <p:nvPr>
             <p:custDataLst>
@@ -6196,46 +12376,40 @@
               <a:defRPr/>
             </a:pPr>
             <a:r>
+              <a:rPr lang="en-US" altLang="zh-CN" sz="1800" dirty="0">
+                <a:effectLst/>
+                <a:latin typeface="微软雅黑" panose="020B0503020204020204" charset="-122"/>
+                <a:ea typeface="微软雅黑" panose="020B0503020204020204" charset="-122"/>
+              </a:rPr>
+              <a:t>1.</a:t>
+            </a:r>
+            <a:r>
               <a:rPr lang="en-US" altLang="zh-CN" dirty="0">
                 <a:effectLst/>
                 <a:latin typeface="微软雅黑" panose="020B0503020204020204" charset="-122"/>
                 <a:ea typeface="微软雅黑" panose="020B0503020204020204" charset="-122"/>
                 <a:sym typeface="+mn-ea"/>
               </a:rPr>
-              <a:t>4.</a:t>
-            </a:r>
-            <a:r>
-              <a:rPr lang="zh-CN" altLang="en-US" dirty="0">
-                <a:effectLst/>
-                <a:latin typeface="微软雅黑" panose="020B0503020204020204" charset="-122"/>
-                <a:ea typeface="微软雅黑" panose="020B0503020204020204" charset="-122"/>
-                <a:sym typeface="+mn-ea"/>
-              </a:rPr>
-              <a:t>计划</a:t>
-            </a:r>
-            <a:endParaRPr lang="zh-CN" altLang="en-US" dirty="0">
+              <a:t>基础大模型论文</a:t>
+            </a:r>
+            <a:endParaRPr lang="en-US" altLang="zh-CN" dirty="0">
               <a:effectLst/>
               <a:latin typeface="微软雅黑" panose="020B0503020204020204" charset="-122"/>
               <a:ea typeface="微软雅黑" panose="020B0503020204020204" charset="-122"/>
-              <a:sym typeface="+mn-ea"/>
-            </a:endParaRPr>
-          </a:p>
-        </p:txBody>
-      </p:sp>
-      <p:sp>
-        <p:nvSpPr>
-          <p:cNvPr id="5" name="文本框 4"/>
+            </a:endParaRPr>
+          </a:p>
+        </p:txBody>
+      </p:sp>
+      <p:sp>
+        <p:nvSpPr>
+          <p:cNvPr id="6" name="文本框 5"/>
           <p:cNvSpPr txBox="1"/>
-          <p:nvPr>
-            <p:custDataLst>
-              <p:tags r:id="rId2"/>
-            </p:custDataLst>
-          </p:nvPr>
-        </p:nvSpPr>
-        <p:spPr>
-          <a:xfrm>
-            <a:off x="455295" y="845185"/>
-            <a:ext cx="1725930" cy="506730"/>
+          <p:nvPr/>
+        </p:nvSpPr>
+        <p:spPr>
+          <a:xfrm>
+            <a:off x="659765" y="1062990"/>
+            <a:ext cx="11216640" cy="1753235"/>
           </a:xfrm>
           <a:prstGeom prst="rect">
             <a:avLst/>
@@ -6243,7 +12417,7 @@
           <a:noFill/>
         </p:spPr>
         <p:txBody>
-          <a:bodyPr wrap="square" rtlCol="0">
+          <a:bodyPr wrap="square" rtlCol="0" anchor="t">
             <a:spAutoFit/>
           </a:bodyPr>
           <a:p>
@@ -6258,81 +12432,50 @@
               <a:rPr lang="zh-CN" altLang="en-US" b="1" dirty="0">
                 <a:latin typeface="微软雅黑" panose="020B0503020204020204" charset="-122"/>
                 <a:ea typeface="微软雅黑" panose="020B0503020204020204" charset="-122"/>
-              </a:rPr>
-              <a:t>代码复现：</a:t>
-            </a:r>
-            <a:endParaRPr lang="en-US" altLang="zh-CN" b="1" dirty="0">
-              <a:latin typeface="微软雅黑" panose="020B0503020204020204" charset="-122"/>
-              <a:ea typeface="微软雅黑" panose="020B0503020204020204" charset="-122"/>
-            </a:endParaRPr>
-          </a:p>
-        </p:txBody>
-      </p:sp>
-      <p:sp>
-        <p:nvSpPr>
-          <p:cNvPr id="4" name="文本框 3"/>
-          <p:cNvSpPr txBox="1"/>
-          <p:nvPr/>
-        </p:nvSpPr>
-        <p:spPr>
-          <a:xfrm>
-            <a:off x="911860" y="1306195"/>
-            <a:ext cx="11280140" cy="337185"/>
-          </a:xfrm>
-          <a:prstGeom prst="rect">
-            <a:avLst/>
-          </a:prstGeom>
-        </p:spPr>
-        <p:txBody>
-          <a:bodyPr wrap="square">
-            <a:spAutoFit/>
-          </a:bodyPr>
-          <a:p>
-            <a:pPr marL="0" indent="0" algn="just"/>
-            <a:r>
-              <a:rPr lang="zh-CN" altLang="en-US" sz="1600" b="0" i="0">
-                <a:solidFill>
-                  <a:srgbClr val="000000"/>
-                </a:solidFill>
-                <a:latin typeface="微软雅黑" panose="020B0503020204020204" charset="-122"/>
-                <a:ea typeface="微软雅黑" panose="020B0503020204020204" charset="-122"/>
-              </a:rPr>
-              <a:t>找一个合适的（比如就是医疗影像）大模型微调工作去复现，下周先把整个工作部署到</a:t>
-            </a:r>
-            <a:endParaRPr lang="zh-CN" altLang="en-US" sz="1600" b="0" i="0">
-              <a:solidFill>
-                <a:srgbClr val="000000"/>
-              </a:solidFill>
-              <a:latin typeface="微软雅黑" panose="020B0503020204020204" charset="-122"/>
-              <a:ea typeface="微软雅黑" panose="020B0503020204020204" charset="-122"/>
-            </a:endParaRPr>
-          </a:p>
-        </p:txBody>
-      </p:sp>
-      <p:sp>
-        <p:nvSpPr>
-          <p:cNvPr id="3" name="文本框 2"/>
-          <p:cNvSpPr txBox="1"/>
-          <p:nvPr>
-            <p:custDataLst>
-              <p:tags r:id="rId3"/>
-            </p:custDataLst>
-          </p:nvPr>
-        </p:nvSpPr>
-        <p:spPr>
-          <a:xfrm>
-            <a:off x="455295" y="1657350"/>
-            <a:ext cx="4956810" cy="506730"/>
-          </a:xfrm>
-          <a:prstGeom prst="rect">
-            <a:avLst/>
-          </a:prstGeom>
-          <a:noFill/>
-        </p:spPr>
-        <p:txBody>
-          <a:bodyPr wrap="square" rtlCol="0">
-            <a:spAutoFit/>
-          </a:bodyPr>
+                <a:sym typeface="+mn-ea"/>
+              </a:rPr>
+              <a:t>Jared Kaplan et al. “Scaling Laws for Neural Language Models”. In: arXiv preprint arXi </a:t>
+            </a:r>
+            <a:endParaRPr lang="zh-CN" altLang="en-US" b="1" dirty="0">
+              <a:latin typeface="微软雅黑" panose="020B0503020204020204" charset="-122"/>
+              <a:ea typeface="微软雅黑" panose="020B0503020204020204" charset="-122"/>
+            </a:endParaRPr>
+          </a:p>
+          <a:p>
+            <a:pPr indent="0">
+              <a:lnSpc>
+                <a:spcPct val="150000"/>
+              </a:lnSpc>
+              <a:buFont typeface="Wingdings" panose="05000000000000000000" charset="0"/>
+              <a:buNone/>
+            </a:pPr>
+            <a:r>
+              <a:rPr lang="zh-CN" altLang="en-US" b="1" dirty="0">
+                <a:latin typeface="微软雅黑" panose="020B0503020204020204" charset="-122"/>
+                <a:ea typeface="微软雅黑" panose="020B0503020204020204" charset="-122"/>
+                <a:sym typeface="+mn-ea"/>
+              </a:rPr>
+              <a:t>    v:2001.08361 (2020)</a:t>
+            </a:r>
+            <a:endParaRPr lang="zh-CN" altLang="en-US" b="1" dirty="0">
+              <a:latin typeface="微软雅黑" panose="020B0503020204020204" charset="-122"/>
+              <a:ea typeface="微软雅黑" panose="020B0503020204020204" charset="-122"/>
+            </a:endParaRPr>
+          </a:p>
+          <a:p>
+            <a:pPr indent="0">
+              <a:lnSpc>
+                <a:spcPct val="150000"/>
+              </a:lnSpc>
+              <a:buFont typeface="Wingdings" panose="05000000000000000000" charset="0"/>
+              <a:buNone/>
+            </a:pPr>
+            <a:endParaRPr lang="zh-CN" altLang="en-US" b="1" dirty="0">
+              <a:latin typeface="微软雅黑" panose="020B0503020204020204" charset="-122"/>
+              <a:ea typeface="微软雅黑" panose="020B0503020204020204" charset="-122"/>
+              <a:sym typeface="+mn-ea"/>
+            </a:endParaRPr>
+          </a:p>
           <a:p>
             <a:pPr marL="285750" indent="-285750">
               <a:lnSpc>
@@ -6341,93 +12484,106 @@
               <a:buFont typeface="Wingdings" panose="05000000000000000000" charset="0"/>
               <a:buChar char="p"/>
             </a:pPr>
-            <a:r>
-              <a:rPr lang="zh-CN" altLang="en-US" b="1" dirty="0">
-                <a:latin typeface="微软雅黑" panose="020B0503020204020204" charset="-122"/>
-                <a:ea typeface="微软雅黑" panose="020B0503020204020204" charset="-122"/>
-              </a:rPr>
-              <a:t>继续读大模型</a:t>
-            </a:r>
-            <a:r>
-              <a:rPr lang="en-US" altLang="zh-CN" b="1" dirty="0">
-                <a:latin typeface="微软雅黑" panose="020B0503020204020204" charset="-122"/>
-                <a:ea typeface="微软雅黑" panose="020B0503020204020204" charset="-122"/>
-              </a:rPr>
-              <a:t>guide</a:t>
-            </a:r>
-            <a:r>
-              <a:rPr lang="zh-CN" altLang="en-US" b="1" dirty="0">
-                <a:latin typeface="微软雅黑" panose="020B0503020204020204" charset="-122"/>
-                <a:ea typeface="微软雅黑" panose="020B0503020204020204" charset="-122"/>
-              </a:rPr>
-              <a:t>的论文推荐：</a:t>
-            </a:r>
-            <a:endParaRPr lang="en-US" altLang="zh-CN" b="1" dirty="0">
-              <a:latin typeface="微软雅黑" panose="020B0503020204020204" charset="-122"/>
-              <a:ea typeface="微软雅黑" panose="020B0503020204020204" charset="-122"/>
-            </a:endParaRPr>
-          </a:p>
-        </p:txBody>
-      </p:sp>
-      <p:sp>
-        <p:nvSpPr>
-          <p:cNvPr id="7" name="文本框 6"/>
+            <a:endParaRPr lang="zh-CN" altLang="en-US" b="1" dirty="0">
+              <a:latin typeface="微软雅黑" panose="020B0503020204020204" charset="-122"/>
+              <a:ea typeface="微软雅黑" panose="020B0503020204020204" charset="-122"/>
+              <a:sym typeface="+mn-ea"/>
+            </a:endParaRPr>
+          </a:p>
+        </p:txBody>
+      </p:sp>
+      <p:sp>
+        <p:nvSpPr>
+          <p:cNvPr id="8" name="文本框 7"/>
           <p:cNvSpPr txBox="1"/>
           <p:nvPr/>
         </p:nvSpPr>
         <p:spPr>
           <a:xfrm>
-            <a:off x="911860" y="2178050"/>
-            <a:ext cx="9578975" cy="337185"/>
+            <a:off x="405130" y="2011680"/>
+            <a:ext cx="10393045" cy="829945"/>
           </a:xfrm>
           <a:prstGeom prst="rect">
             <a:avLst/>
           </a:prstGeom>
-        </p:spPr>
-        <p:txBody>
-          <a:bodyPr wrap="square">
+          <a:noFill/>
+        </p:spPr>
+        <p:txBody>
+          <a:bodyPr wrap="square" rtlCol="0" anchor="t">
             <a:spAutoFit/>
           </a:bodyPr>
           <a:p>
-            <a:pPr marL="0" indent="0" algn="just"/>
-            <a:r>
-              <a:rPr lang="zh-CN" altLang="en-US" sz="1600" b="0" i="0">
-                <a:solidFill>
-                  <a:srgbClr val="000000"/>
-                </a:solidFill>
-                <a:latin typeface="微软雅黑" panose="020B0503020204020204" charset="-122"/>
-                <a:ea typeface="微软雅黑" panose="020B0503020204020204" charset="-122"/>
-              </a:rPr>
-              <a:t>继续补充大模型和微调的基础论文，少看视频，多看论文和博客。不懂的多查，感觉看视频十分低效</a:t>
-            </a:r>
-            <a:endParaRPr lang="zh-CN" altLang="en-US" sz="1600" b="0" i="0">
-              <a:solidFill>
-                <a:srgbClr val="000000"/>
-              </a:solidFill>
-              <a:latin typeface="微软雅黑" panose="020B0503020204020204" charset="-122"/>
-              <a:ea typeface="微软雅黑" panose="020B0503020204020204" charset="-122"/>
+            <a:pPr marL="0" lvl="0" indent="457200">
+              <a:buNone/>
+            </a:pPr>
+            <a:r>
+              <a:rPr lang="zh-CN" altLang="en-US" sz="1600" dirty="0">
+                <a:latin typeface="微软雅黑" panose="020B0503020204020204" charset="-122"/>
+                <a:ea typeface="微软雅黑" panose="020B0503020204020204" charset="-122"/>
+                <a:sym typeface="+mn-ea"/>
+              </a:rPr>
+              <a:t>提出扩展法则，开始模型</a:t>
+            </a:r>
+            <a:r>
+              <a:rPr lang="en-US" altLang="zh-CN" sz="1600" dirty="0">
+                <a:latin typeface="微软雅黑" panose="020B0503020204020204" charset="-122"/>
+                <a:ea typeface="微软雅黑" panose="020B0503020204020204" charset="-122"/>
+                <a:sym typeface="+mn-ea"/>
+              </a:rPr>
+              <a:t>-</a:t>
+            </a:r>
+            <a:r>
+              <a:rPr lang="zh-CN" altLang="en-US" sz="1600" dirty="0">
+                <a:latin typeface="微软雅黑" panose="020B0503020204020204" charset="-122"/>
+                <a:ea typeface="微软雅黑" panose="020B0503020204020204" charset="-122"/>
+                <a:sym typeface="+mn-ea"/>
+              </a:rPr>
+              <a:t>》大模型，用一种比较数学的观点证明的神经网络的规模，训练量的大小和性能之间的关系。</a:t>
+            </a:r>
+            <a:endParaRPr lang="zh-CN" altLang="en-US" sz="1600" dirty="0">
+              <a:latin typeface="微软雅黑" panose="020B0503020204020204" charset="-122"/>
+              <a:ea typeface="微软雅黑" panose="020B0503020204020204" charset="-122"/>
+              <a:sym typeface="+mn-ea"/>
+            </a:endParaRPr>
+          </a:p>
+          <a:p>
+            <a:pPr marL="0" lvl="0" indent="457200">
+              <a:buNone/>
+            </a:pPr>
+            <a:r>
+              <a:rPr lang="zh-CN" altLang="en-US" sz="1600" dirty="0">
+                <a:latin typeface="微软雅黑" panose="020B0503020204020204" charset="-122"/>
+                <a:ea typeface="微软雅黑" panose="020B0503020204020204" charset="-122"/>
+                <a:sym typeface="+mn-ea"/>
+              </a:rPr>
+              <a:t>为模型向大模型发展作了理论证明</a:t>
+            </a:r>
+            <a:endParaRPr lang="zh-CN" altLang="en-US" sz="1600" dirty="0">
+              <a:latin typeface="微软雅黑" panose="020B0503020204020204" charset="-122"/>
+              <a:ea typeface="微软雅黑" panose="020B0503020204020204" charset="-122"/>
+              <a:sym typeface="+mn-ea"/>
             </a:endParaRPr>
           </a:p>
         </p:txBody>
       </p:sp>
       <p:pic>
         <p:nvPicPr>
-          <p:cNvPr id="2" name="图片 1"/>
+          <p:cNvPr id="4" name="图片 3"/>
           <p:cNvPicPr>
             <a:picLocks noChangeAspect="1"/>
           </p:cNvPicPr>
           <p:nvPr/>
         </p:nvPicPr>
         <p:blipFill>
-          <a:blip r:embed="rId4"/>
+          <a:blip r:embed="rId2"/>
           <a:stretch>
             <a:fillRect/>
           </a:stretch>
         </p:blipFill>
         <p:spPr>
           <a:xfrm>
-            <a:off x="911860" y="2656840"/>
-            <a:ext cx="3992245" cy="4185920"/>
+            <a:off x="1381125" y="2980690"/>
+            <a:ext cx="9417050" cy="3771900"/>
           </a:xfrm>
           <a:prstGeom prst="rect">
             <a:avLst/>
@@ -6491,8 +12647,8 @@
         </p:nvSpPr>
         <p:spPr>
           <a:xfrm>
-            <a:off x="768985" y="2095500"/>
-            <a:ext cx="7110730" cy="1445260"/>
+            <a:off x="1038225" y="1470025"/>
+            <a:ext cx="2301875" cy="1861185"/>
           </a:xfrm>
           <a:prstGeom prst="rect">
             <a:avLst/>
@@ -6522,7 +12678,7 @@
               <a:defRPr/>
             </a:pPr>
             <a:r>
-              <a:rPr kumimoji="0" lang="en-US" altLang="zh-CN" sz="8800" b="0" i="0" u="none" strike="noStrike" kern="1200" cap="none" spc="0" normalizeH="0" baseline="0" noProof="0" dirty="0">
+              <a:rPr kumimoji="0" lang="en-US" altLang="zh-CN" sz="11500" b="0" i="0" u="none" strike="noStrike" kern="1200" cap="none" spc="0" normalizeH="0" baseline="0" noProof="0" dirty="0">
                 <a:ln>
                   <a:solidFill>
                     <a:srgbClr val="383987"/>
@@ -6536,9 +12692,9 @@
                 <a:ea typeface="宋体" panose="02010600030101010101" pitchFamily="2" charset="-122"/>
                 <a:cs typeface="+mn-cs"/>
               </a:rPr>
-              <a:t>THANKS</a:t>
-            </a:r>
-            <a:endParaRPr kumimoji="0" lang="en-US" altLang="zh-CN" sz="8800" b="0" i="0" u="none" strike="noStrike" kern="1200" cap="none" spc="0" normalizeH="0" baseline="0" noProof="0" dirty="0">
+              <a:t>02</a:t>
+            </a:r>
+            <a:endParaRPr kumimoji="0" lang="en-US" altLang="zh-CN" sz="11500" b="0" i="0" u="none" strike="noStrike" kern="1200" cap="none" spc="0" normalizeH="0" baseline="0" noProof="0" dirty="0">
               <a:ln>
                 <a:solidFill>
                   <a:srgbClr val="383987"/>
@@ -6557,14 +12713,14 @@
       </p:sp>
       <p:sp>
         <p:nvSpPr>
-          <p:cNvPr id="2" name="文本框 1"/>
+          <p:cNvPr id="6" name="文本框 5"/>
           <p:cNvSpPr txBox="1"/>
           <p:nvPr/>
         </p:nvSpPr>
         <p:spPr>
           <a:xfrm>
-            <a:off x="934085" y="3540760"/>
-            <a:ext cx="4176395" cy="460375"/>
+            <a:off x="1265555" y="3049270"/>
+            <a:ext cx="11768455" cy="777240"/>
           </a:xfrm>
           <a:prstGeom prst="rect">
             <a:avLst/>
@@ -6573,11 +12729,11 @@
         </p:spPr>
         <p:txBody>
           <a:bodyPr wrap="square" rtlCol="0">
-            <a:spAutoFit/>
+            <a:noAutofit/>
           </a:bodyPr>
           <a:lstStyle/>
           <a:p>
-            <a:pPr marL="0" marR="0" lvl="0" indent="0" algn="dist" defTabSz="914400" rtl="0" eaLnBrk="1" fontAlgn="auto" latinLnBrk="0" hangingPunct="1">
+            <a:pPr marL="0" marR="0" lvl="0" indent="0" algn="ctr" defTabSz="914400" rtl="0" eaLnBrk="1" fontAlgn="auto" latinLnBrk="0" hangingPunct="1">
               <a:lnSpc>
                 <a:spcPct val="100000"/>
               </a:lnSpc>
@@ -6594,35 +12750,23 @@
               <a:defRPr/>
             </a:pPr>
             <a:r>
-              <a:rPr kumimoji="0" lang="zh-CN" altLang="en-US" sz="2400" b="0" i="0" u="none" strike="noStrike" kern="1200" cap="none" spc="0" normalizeH="0" baseline="0" noProof="0">
-                <a:ln>
-                  <a:noFill/>
-                </a:ln>
+              <a:rPr lang="en-US" sz="3600" dirty="0">
                 <a:solidFill>
                   <a:srgbClr val="383987"/>
                 </a:solidFill>
-                <a:effectLst/>
-                <a:uLnTx/>
-                <a:uFillTx/>
-                <a:latin typeface="微软雅黑" panose="020B0503020204020204" charset="-122"/>
-                <a:ea typeface="微软雅黑" panose="020B0503020204020204" charset="-122"/>
-                <a:cs typeface="+mn-cs"/>
-              </a:rPr>
-              <a:t>谢谢观看</a:t>
-            </a:r>
-            <a:endParaRPr kumimoji="0" lang="zh-CN" altLang="en-US" sz="2400" b="0" i="0" u="none" strike="noStrike" kern="1200" cap="none" spc="0" normalizeH="0" baseline="0" noProof="0">
-              <a:ln>
-                <a:noFill/>
-              </a:ln>
+                <a:latin typeface="微软雅黑" panose="020B0503020204020204" charset="-122"/>
+                <a:ea typeface="微软雅黑" panose="020B0503020204020204" charset="-122"/>
+                <a:sym typeface="+mn-ea"/>
+              </a:rPr>
+              <a:t>LLaMA</a:t>
+            </a:r>
+            <a:endParaRPr lang="en-US" altLang="zh-CN" sz="3600" dirty="0">
               <a:solidFill>
                 <a:srgbClr val="383987"/>
               </a:solidFill>
-              <a:effectLst/>
-              <a:uLnTx/>
-              <a:uFillTx/>
-              <a:latin typeface="微软雅黑" panose="020B0503020204020204" charset="-122"/>
-              <a:ea typeface="微软雅黑" panose="020B0503020204020204" charset="-122"/>
-              <a:cs typeface="+mn-cs"/>
+              <a:latin typeface="微软雅黑" panose="020B0503020204020204" charset="-122"/>
+              <a:ea typeface="微软雅黑" panose="020B0503020204020204" charset="-122"/>
+              <a:sym typeface="+mn-ea"/>
             </a:endParaRPr>
           </a:p>
         </p:txBody>
@@ -6679,9 +12823,25 @@
 
 <file path=ppt/tags/tag16.xml><?xml version="1.0" encoding="utf-8"?>
 <p:tagLst xmlns:p="http://schemas.openxmlformats.org/presentationml/2006/main">
-  <p:tag name="KSO_WPP_MARK_KEY" val="c7925d13-95db-4618-ac98-c22196edd7f9"/>
-  <p:tag name="COMMONDATA" val="eyJoZGlkIjoiZTg3MzIzMDhlODgyZTlkYzQ0OWY3ZDI2YzlhMjBjMGIifQ=="/>
-  <p:tag name="commondata" val="eyJoZGlkIjoiNjRkZDE1MjIxMjM2NmMxYzY5Y2M3N2FjNDEyZThkY2QifQ=="/>
+  <p:tag name="KSO_WM_BEAUTIFY_FLAG" val=""/>
+</p:tagLst>
+</file>
+
+<file path=ppt/tags/tag17.xml><?xml version="1.0" encoding="utf-8"?>
+<p:tagLst xmlns:p="http://schemas.openxmlformats.org/presentationml/2006/main">
+  <p:tag name="KSO_WM_BEAUTIFY_FLAG" val=""/>
+</p:tagLst>
+</file>
+
+<file path=ppt/tags/tag18.xml><?xml version="1.0" encoding="utf-8"?>
+<p:tagLst xmlns:p="http://schemas.openxmlformats.org/presentationml/2006/main">
+  <p:tag name="KSO_WM_BEAUTIFY_FLAG" val=""/>
+</p:tagLst>
+</file>
+
+<file path=ppt/tags/tag19.xml><?xml version="1.0" encoding="utf-8"?>
+<p:tagLst xmlns:p="http://schemas.openxmlformats.org/presentationml/2006/main">
+  <p:tag name="KSO_WM_BEAUTIFY_FLAG" val=""/>
 </p:tagLst>
 </file>
 
@@ -6691,9 +12851,129 @@
 </p:tagLst>
 </file>
 
+<file path=ppt/tags/tag20.xml><?xml version="1.0" encoding="utf-8"?>
+<p:tagLst xmlns:p="http://schemas.openxmlformats.org/presentationml/2006/main">
+  <p:tag name="KSO_WM_BEAUTIFY_FLAG" val=""/>
+</p:tagLst>
+</file>
+
+<file path=ppt/tags/tag21.xml><?xml version="1.0" encoding="utf-8"?>
+<p:tagLst xmlns:p="http://schemas.openxmlformats.org/presentationml/2006/main">
+  <p:tag name="KSO_WM_BEAUTIFY_FLAG" val=""/>
+</p:tagLst>
+</file>
+
+<file path=ppt/tags/tag22.xml><?xml version="1.0" encoding="utf-8"?>
+<p:tagLst xmlns:p="http://schemas.openxmlformats.org/presentationml/2006/main">
+  <p:tag name="KSO_WM_BEAUTIFY_FLAG" val=""/>
+</p:tagLst>
+</file>
+
+<file path=ppt/tags/tag23.xml><?xml version="1.0" encoding="utf-8"?>
+<p:tagLst xmlns:p="http://schemas.openxmlformats.org/presentationml/2006/main">
+  <p:tag name="KSO_WM_BEAUTIFY_FLAG" val=""/>
+</p:tagLst>
+</file>
+
+<file path=ppt/tags/tag24.xml><?xml version="1.0" encoding="utf-8"?>
+<p:tagLst xmlns:p="http://schemas.openxmlformats.org/presentationml/2006/main">
+  <p:tag name="KSO_WM_BEAUTIFY_FLAG" val=""/>
+</p:tagLst>
+</file>
+
+<file path=ppt/tags/tag25.xml><?xml version="1.0" encoding="utf-8"?>
+<p:tagLst xmlns:p="http://schemas.openxmlformats.org/presentationml/2006/main">
+  <p:tag name="KSO_WM_BEAUTIFY_FLAG" val=""/>
+</p:tagLst>
+</file>
+
+<file path=ppt/tags/tag26.xml><?xml version="1.0" encoding="utf-8"?>
+<p:tagLst xmlns:p="http://schemas.openxmlformats.org/presentationml/2006/main">
+  <p:tag name="KSO_WM_BEAUTIFY_FLAG" val=""/>
+</p:tagLst>
+</file>
+
+<file path=ppt/tags/tag27.xml><?xml version="1.0" encoding="utf-8"?>
+<p:tagLst xmlns:p="http://schemas.openxmlformats.org/presentationml/2006/main">
+  <p:tag name="KSO_WM_BEAUTIFY_FLAG" val=""/>
+</p:tagLst>
+</file>
+
+<file path=ppt/tags/tag28.xml><?xml version="1.0" encoding="utf-8"?>
+<p:tagLst xmlns:p="http://schemas.openxmlformats.org/presentationml/2006/main">
+  <p:tag name="KSO_WM_BEAUTIFY_FLAG" val=""/>
+</p:tagLst>
+</file>
+
+<file path=ppt/tags/tag29.xml><?xml version="1.0" encoding="utf-8"?>
+<p:tagLst xmlns:p="http://schemas.openxmlformats.org/presentationml/2006/main">
+  <p:tag name="KSO_WM_BEAUTIFY_FLAG" val=""/>
+</p:tagLst>
+</file>
+
 <file path=ppt/tags/tag3.xml><?xml version="1.0" encoding="utf-8"?>
 <p:tagLst xmlns:p="http://schemas.openxmlformats.org/presentationml/2006/main">
   <p:tag name="KSO_WM_DIAGRAM_VIRTUALLY_FRAME" val="{&quot;height&quot;:130.17354330708662,&quot;left&quot;:238.70267716535432,&quot;top&quot;:116.24960629921259,&quot;width&quot;:665.8}"/>
+</p:tagLst>
+</file>
+
+<file path=ppt/tags/tag30.xml><?xml version="1.0" encoding="utf-8"?>
+<p:tagLst xmlns:p="http://schemas.openxmlformats.org/presentationml/2006/main">
+  <p:tag name="KSO_WM_BEAUTIFY_FLAG" val=""/>
+</p:tagLst>
+</file>
+
+<file path=ppt/tags/tag31.xml><?xml version="1.0" encoding="utf-8"?>
+<p:tagLst xmlns:p="http://schemas.openxmlformats.org/presentationml/2006/main">
+  <p:tag name="KSO_WM_BEAUTIFY_FLAG" val=""/>
+</p:tagLst>
+</file>
+
+<file path=ppt/tags/tag32.xml><?xml version="1.0" encoding="utf-8"?>
+<p:tagLst xmlns:p="http://schemas.openxmlformats.org/presentationml/2006/main">
+  <p:tag name="KSO_WM_BEAUTIFY_FLAG" val=""/>
+</p:tagLst>
+</file>
+
+<file path=ppt/tags/tag33.xml><?xml version="1.0" encoding="utf-8"?>
+<p:tagLst xmlns:p="http://schemas.openxmlformats.org/presentationml/2006/main">
+  <p:tag name="KSO_WM_BEAUTIFY_FLAG" val=""/>
+</p:tagLst>
+</file>
+
+<file path=ppt/tags/tag34.xml><?xml version="1.0" encoding="utf-8"?>
+<p:tagLst xmlns:p="http://schemas.openxmlformats.org/presentationml/2006/main">
+  <p:tag name="KSO_WM_BEAUTIFY_FLAG" val=""/>
+</p:tagLst>
+</file>
+
+<file path=ppt/tags/tag35.xml><?xml version="1.0" encoding="utf-8"?>
+<p:tagLst xmlns:p="http://schemas.openxmlformats.org/presentationml/2006/main">
+  <p:tag name="KSO_WM_BEAUTIFY_FLAG" val=""/>
+</p:tagLst>
+</file>
+
+<file path=ppt/tags/tag36.xml><?xml version="1.0" encoding="utf-8"?>
+<p:tagLst xmlns:p="http://schemas.openxmlformats.org/presentationml/2006/main">
+  <p:tag name="KSO_WM_BEAUTIFY_FLAG" val=""/>
+</p:tagLst>
+</file>
+
+<file path=ppt/tags/tag37.xml><?xml version="1.0" encoding="utf-8"?>
+<p:tagLst xmlns:p="http://schemas.openxmlformats.org/presentationml/2006/main">
+  <p:tag name="KSO_WM_BEAUTIFY_FLAG" val=""/>
+</p:tagLst>
+</file>
+
+<file path=ppt/tags/tag38.xml><?xml version="1.0" encoding="utf-8"?>
+<p:tagLst xmlns:p="http://schemas.openxmlformats.org/presentationml/2006/main">
+  <p:tag name="KSO_WM_BEAUTIFY_FLAG" val=""/>
+</p:tagLst>
+</file>
+
+<file path=ppt/tags/tag39.xml><?xml version="1.0" encoding="utf-8"?>
+<p:tagLst xmlns:p="http://schemas.openxmlformats.org/presentationml/2006/main">
+  <p:tag name="KSO_WM_BEAUTIFY_FLAG" val=""/>
 </p:tagLst>
 </file>
 
@@ -6701,6 +12981,26 @@
 <p:tagLst xmlns:p="http://schemas.openxmlformats.org/presentationml/2006/main">
   <p:tag name="KSO_WM_BEAUTIFY_FLAG" val=""/>
   <p:tag name="KSO_WM_DIAGRAM_VIRTUALLY_FRAME" val="{&quot;height&quot;:130.17354330708662,&quot;left&quot;:238.70267716535432,&quot;top&quot;:116.24960629921259,&quot;width&quot;:665.8}"/>
+</p:tagLst>
+</file>
+
+<file path=ppt/tags/tag40.xml><?xml version="1.0" encoding="utf-8"?>
+<p:tagLst xmlns:p="http://schemas.openxmlformats.org/presentationml/2006/main">
+  <p:tag name="KSO_WM_BEAUTIFY_FLAG" val=""/>
+</p:tagLst>
+</file>
+
+<file path=ppt/tags/tag41.xml><?xml version="1.0" encoding="utf-8"?>
+<p:tagLst xmlns:p="http://schemas.openxmlformats.org/presentationml/2006/main">
+  <p:tag name="KSO_WM_BEAUTIFY_FLAG" val=""/>
+</p:tagLst>
+</file>
+
+<file path=ppt/tags/tag42.xml><?xml version="1.0" encoding="utf-8"?>
+<p:tagLst xmlns:p="http://schemas.openxmlformats.org/presentationml/2006/main">
+  <p:tag name="KSO_WPP_MARK_KEY" val="c7925d13-95db-4618-ac98-c22196edd7f9"/>
+  <p:tag name="COMMONDATA" val="eyJoZGlkIjoiZTg3MzIzMDhlODgyZTlkYzQ0OWY3ZDI2YzlhMjBjMGIifQ=="/>
+  <p:tag name="commondata" val="eyJoZGlkIjoiNjRkZDE1MjIxMjM2NmMxYzY5Y2M3N2FjNDEyZThkY2QifQ=="/>
 </p:tagLst>
 </file>
 
